--- a/chapter2/Python class II.pptx
+++ b/chapter2/Python class II.pptx
@@ -4,6 +4,9 @@
   <p:sldMasterIdLst>
     <p:sldMasterId id="2147483648" r:id="rId1"/>
   </p:sldMasterIdLst>
+  <p:notesMasterIdLst>
+    <p:notesMasterId r:id="rId25"/>
+  </p:notesMasterIdLst>
   <p:sldIdLst>
     <p:sldId id="256" r:id="rId2"/>
     <p:sldId id="257" r:id="rId3"/>
@@ -13,6 +16,21 @@
     <p:sldId id="261" r:id="rId7"/>
     <p:sldId id="262" r:id="rId8"/>
     <p:sldId id="263" r:id="rId9"/>
+    <p:sldId id="264" r:id="rId10"/>
+    <p:sldId id="265" r:id="rId11"/>
+    <p:sldId id="266" r:id="rId12"/>
+    <p:sldId id="267" r:id="rId13"/>
+    <p:sldId id="268" r:id="rId14"/>
+    <p:sldId id="269" r:id="rId15"/>
+    <p:sldId id="270" r:id="rId16"/>
+    <p:sldId id="271" r:id="rId17"/>
+    <p:sldId id="273" r:id="rId18"/>
+    <p:sldId id="274" r:id="rId19"/>
+    <p:sldId id="275" r:id="rId20"/>
+    <p:sldId id="276" r:id="rId21"/>
+    <p:sldId id="277" r:id="rId22"/>
+    <p:sldId id="278" r:id="rId23"/>
+    <p:sldId id="279" r:id="rId24"/>
   </p:sldIdLst>
   <p:sldSz cx="12192000" cy="6858000"/>
   <p:notesSz cx="6858000" cy="9144000"/>
@@ -111,7 +129,685 @@
       </a:defRPr>
     </a:lvl9pPr>
   </p:defaultTextStyle>
+  <p:extLst>
+    <p:ext uri="{EFAFB233-063F-42B5-8137-9DF3F51BA10A}">
+      <p15:sldGuideLst xmlns:p15="http://schemas.microsoft.com/office/powerpoint/2012/main"/>
+    </p:ext>
+  </p:extLst>
 </p:presentation>
+</file>
+
+<file path=ppt/notesMasters/notesMaster1.xml><?xml version="1.0" encoding="utf-8"?>
+<p:notesMaster xmlns:a="http://schemas.openxmlformats.org/drawingml/2006/main" xmlns:r="http://schemas.openxmlformats.org/officeDocument/2006/relationships" xmlns:p="http://schemas.openxmlformats.org/presentationml/2006/main">
+  <p:cSld>
+    <p:bg>
+      <p:bgRef idx="1001">
+        <a:schemeClr val="bg1"/>
+      </p:bgRef>
+    </p:bg>
+    <p:spTree>
+      <p:nvGrpSpPr>
+        <p:cNvPr id="1" name=""/>
+        <p:cNvGrpSpPr/>
+        <p:nvPr/>
+      </p:nvGrpSpPr>
+      <p:grpSpPr>
+        <a:xfrm>
+          <a:off x="0" y="0"/>
+          <a:ext cx="0" cy="0"/>
+          <a:chOff x="0" y="0"/>
+          <a:chExt cx="0" cy="0"/>
+        </a:xfrm>
+      </p:grpSpPr>
+      <p:sp>
+        <p:nvSpPr>
+          <p:cNvPr id="2" name="머리글 개체 틀 1"/>
+          <p:cNvSpPr>
+            <a:spLocks noGrp="1"/>
+          </p:cNvSpPr>
+          <p:nvPr>
+            <p:ph type="hdr" sz="quarter"/>
+          </p:nvPr>
+        </p:nvSpPr>
+        <p:spPr>
+          <a:xfrm>
+            <a:off x="0" y="0"/>
+            <a:ext cx="2971800" cy="458788"/>
+          </a:xfrm>
+          <a:prstGeom prst="rect">
+            <a:avLst/>
+          </a:prstGeom>
+        </p:spPr>
+        <p:txBody>
+          <a:bodyPr vert="horz" lIns="91440" tIns="45720" rIns="91440" bIns="45720" rtlCol="0"/>
+          <a:lstStyle>
+            <a:lvl1pPr algn="l">
+              <a:defRPr sz="1200"/>
+            </a:lvl1pPr>
+          </a:lstStyle>
+          <a:p>
+            <a:endParaRPr lang="ko-KR" altLang="en-US"/>
+          </a:p>
+        </p:txBody>
+      </p:sp>
+      <p:sp>
+        <p:nvSpPr>
+          <p:cNvPr id="3" name="날짜 개체 틀 2"/>
+          <p:cNvSpPr>
+            <a:spLocks noGrp="1"/>
+          </p:cNvSpPr>
+          <p:nvPr>
+            <p:ph type="dt" idx="1"/>
+          </p:nvPr>
+        </p:nvSpPr>
+        <p:spPr>
+          <a:xfrm>
+            <a:off x="3884613" y="0"/>
+            <a:ext cx="2971800" cy="458788"/>
+          </a:xfrm>
+          <a:prstGeom prst="rect">
+            <a:avLst/>
+          </a:prstGeom>
+        </p:spPr>
+        <p:txBody>
+          <a:bodyPr vert="horz" lIns="91440" tIns="45720" rIns="91440" bIns="45720" rtlCol="0"/>
+          <a:lstStyle>
+            <a:lvl1pPr algn="r">
+              <a:defRPr sz="1200"/>
+            </a:lvl1pPr>
+          </a:lstStyle>
+          <a:p>
+            <a:fld id="{B22FD359-2375-4A23-A45D-F1D86F8A5B06}" type="datetimeFigureOut">
+              <a:rPr lang="ko-KR" altLang="en-US" smtClean="0"/>
+              <a:t>2018-03-29</a:t>
+            </a:fld>
+            <a:endParaRPr lang="ko-KR" altLang="en-US"/>
+          </a:p>
+        </p:txBody>
+      </p:sp>
+      <p:sp>
+        <p:nvSpPr>
+          <p:cNvPr id="4" name="슬라이드 이미지 개체 틀 3"/>
+          <p:cNvSpPr>
+            <a:spLocks noGrp="1" noRot="1" noChangeAspect="1"/>
+          </p:cNvSpPr>
+          <p:nvPr>
+            <p:ph type="sldImg" idx="2"/>
+          </p:nvPr>
+        </p:nvSpPr>
+        <p:spPr>
+          <a:xfrm>
+            <a:off x="685800" y="1143000"/>
+            <a:ext cx="5486400" cy="3086100"/>
+          </a:xfrm>
+          <a:prstGeom prst="rect">
+            <a:avLst/>
+          </a:prstGeom>
+          <a:noFill/>
+          <a:ln w="12700">
+            <a:solidFill>
+              <a:prstClr val="black"/>
+            </a:solidFill>
+          </a:ln>
+        </p:spPr>
+        <p:txBody>
+          <a:bodyPr vert="horz" lIns="91440" tIns="45720" rIns="91440" bIns="45720" rtlCol="0" anchor="ctr"/>
+          <a:lstStyle/>
+          <a:p>
+            <a:endParaRPr lang="ko-KR" altLang="en-US"/>
+          </a:p>
+        </p:txBody>
+      </p:sp>
+      <p:sp>
+        <p:nvSpPr>
+          <p:cNvPr id="5" name="슬라이드 노트 개체 틀 4"/>
+          <p:cNvSpPr>
+            <a:spLocks noGrp="1"/>
+          </p:cNvSpPr>
+          <p:nvPr>
+            <p:ph type="body" sz="quarter" idx="3"/>
+          </p:nvPr>
+        </p:nvSpPr>
+        <p:spPr>
+          <a:xfrm>
+            <a:off x="685800" y="4400550"/>
+            <a:ext cx="5486400" cy="3600450"/>
+          </a:xfrm>
+          <a:prstGeom prst="rect">
+            <a:avLst/>
+          </a:prstGeom>
+        </p:spPr>
+        <p:txBody>
+          <a:bodyPr vert="horz" lIns="91440" tIns="45720" rIns="91440" bIns="45720" rtlCol="0"/>
+          <a:lstStyle/>
+          <a:p>
+            <a:pPr lvl="0"/>
+            <a:r>
+              <a:rPr lang="ko-KR" altLang="en-US"/>
+              <a:t>마스터 텍스트 스타일 편집</a:t>
+            </a:r>
+          </a:p>
+          <a:p>
+            <a:pPr lvl="1"/>
+            <a:r>
+              <a:rPr lang="ko-KR" altLang="en-US"/>
+              <a:t>둘째 수준</a:t>
+            </a:r>
+          </a:p>
+          <a:p>
+            <a:pPr lvl="2"/>
+            <a:r>
+              <a:rPr lang="ko-KR" altLang="en-US"/>
+              <a:t>셋째 수준</a:t>
+            </a:r>
+          </a:p>
+          <a:p>
+            <a:pPr lvl="3"/>
+            <a:r>
+              <a:rPr lang="ko-KR" altLang="en-US"/>
+              <a:t>넷째 수준</a:t>
+            </a:r>
+          </a:p>
+          <a:p>
+            <a:pPr lvl="4"/>
+            <a:r>
+              <a:rPr lang="ko-KR" altLang="en-US"/>
+              <a:t>다섯째 수준</a:t>
+            </a:r>
+          </a:p>
+        </p:txBody>
+      </p:sp>
+      <p:sp>
+        <p:nvSpPr>
+          <p:cNvPr id="6" name="바닥글 개체 틀 5"/>
+          <p:cNvSpPr>
+            <a:spLocks noGrp="1"/>
+          </p:cNvSpPr>
+          <p:nvPr>
+            <p:ph type="ftr" sz="quarter" idx="4"/>
+          </p:nvPr>
+        </p:nvSpPr>
+        <p:spPr>
+          <a:xfrm>
+            <a:off x="0" y="8685213"/>
+            <a:ext cx="2971800" cy="458787"/>
+          </a:xfrm>
+          <a:prstGeom prst="rect">
+            <a:avLst/>
+          </a:prstGeom>
+        </p:spPr>
+        <p:txBody>
+          <a:bodyPr vert="horz" lIns="91440" tIns="45720" rIns="91440" bIns="45720" rtlCol="0" anchor="b"/>
+          <a:lstStyle>
+            <a:lvl1pPr algn="l">
+              <a:defRPr sz="1200"/>
+            </a:lvl1pPr>
+          </a:lstStyle>
+          <a:p>
+            <a:endParaRPr lang="ko-KR" altLang="en-US"/>
+          </a:p>
+        </p:txBody>
+      </p:sp>
+      <p:sp>
+        <p:nvSpPr>
+          <p:cNvPr id="7" name="슬라이드 번호 개체 틀 6"/>
+          <p:cNvSpPr>
+            <a:spLocks noGrp="1"/>
+          </p:cNvSpPr>
+          <p:nvPr>
+            <p:ph type="sldNum" sz="quarter" idx="5"/>
+          </p:nvPr>
+        </p:nvSpPr>
+        <p:spPr>
+          <a:xfrm>
+            <a:off x="3884613" y="8685213"/>
+            <a:ext cx="2971800" cy="458787"/>
+          </a:xfrm>
+          <a:prstGeom prst="rect">
+            <a:avLst/>
+          </a:prstGeom>
+        </p:spPr>
+        <p:txBody>
+          <a:bodyPr vert="horz" lIns="91440" tIns="45720" rIns="91440" bIns="45720" rtlCol="0" anchor="b"/>
+          <a:lstStyle>
+            <a:lvl1pPr algn="r">
+              <a:defRPr sz="1200"/>
+            </a:lvl1pPr>
+          </a:lstStyle>
+          <a:p>
+            <a:fld id="{A88B8C81-1AD2-4D05-8403-6F13377E71B5}" type="slidenum">
+              <a:rPr lang="ko-KR" altLang="en-US" smtClean="0"/>
+              <a:t>‹#›</a:t>
+            </a:fld>
+            <a:endParaRPr lang="ko-KR" altLang="en-US"/>
+          </a:p>
+        </p:txBody>
+      </p:sp>
+    </p:spTree>
+    <p:extLst>
+      <p:ext uri="{BB962C8B-B14F-4D97-AF65-F5344CB8AC3E}">
+        <p14:creationId xmlns:p14="http://schemas.microsoft.com/office/powerpoint/2010/main" val="1834552867"/>
+      </p:ext>
+    </p:extLst>
+  </p:cSld>
+  <p:clrMap bg1="lt1" tx1="dk1" bg2="lt2" tx2="dk2" accent1="accent1" accent2="accent2" accent3="accent3" accent4="accent4" accent5="accent5" accent6="accent6" hlink="hlink" folHlink="folHlink"/>
+  <p:notesStyle>
+    <a:lvl1pPr marL="0" algn="l" defTabSz="914400" rtl="0" eaLnBrk="1" latinLnBrk="1" hangingPunct="1">
+      <a:defRPr sz="1200" kern="1200">
+        <a:solidFill>
+          <a:schemeClr val="tx1"/>
+        </a:solidFill>
+        <a:latin typeface="+mn-lt"/>
+        <a:ea typeface="+mn-ea"/>
+        <a:cs typeface="+mn-cs"/>
+      </a:defRPr>
+    </a:lvl1pPr>
+    <a:lvl2pPr marL="457200" algn="l" defTabSz="914400" rtl="0" eaLnBrk="1" latinLnBrk="1" hangingPunct="1">
+      <a:defRPr sz="1200" kern="1200">
+        <a:solidFill>
+          <a:schemeClr val="tx1"/>
+        </a:solidFill>
+        <a:latin typeface="+mn-lt"/>
+        <a:ea typeface="+mn-ea"/>
+        <a:cs typeface="+mn-cs"/>
+      </a:defRPr>
+    </a:lvl2pPr>
+    <a:lvl3pPr marL="914400" algn="l" defTabSz="914400" rtl="0" eaLnBrk="1" latinLnBrk="1" hangingPunct="1">
+      <a:defRPr sz="1200" kern="1200">
+        <a:solidFill>
+          <a:schemeClr val="tx1"/>
+        </a:solidFill>
+        <a:latin typeface="+mn-lt"/>
+        <a:ea typeface="+mn-ea"/>
+        <a:cs typeface="+mn-cs"/>
+      </a:defRPr>
+    </a:lvl3pPr>
+    <a:lvl4pPr marL="1371600" algn="l" defTabSz="914400" rtl="0" eaLnBrk="1" latinLnBrk="1" hangingPunct="1">
+      <a:defRPr sz="1200" kern="1200">
+        <a:solidFill>
+          <a:schemeClr val="tx1"/>
+        </a:solidFill>
+        <a:latin typeface="+mn-lt"/>
+        <a:ea typeface="+mn-ea"/>
+        <a:cs typeface="+mn-cs"/>
+      </a:defRPr>
+    </a:lvl4pPr>
+    <a:lvl5pPr marL="1828800" algn="l" defTabSz="914400" rtl="0" eaLnBrk="1" latinLnBrk="1" hangingPunct="1">
+      <a:defRPr sz="1200" kern="1200">
+        <a:solidFill>
+          <a:schemeClr val="tx1"/>
+        </a:solidFill>
+        <a:latin typeface="+mn-lt"/>
+        <a:ea typeface="+mn-ea"/>
+        <a:cs typeface="+mn-cs"/>
+      </a:defRPr>
+    </a:lvl5pPr>
+    <a:lvl6pPr marL="2286000" algn="l" defTabSz="914400" rtl="0" eaLnBrk="1" latinLnBrk="1" hangingPunct="1">
+      <a:defRPr sz="1200" kern="1200">
+        <a:solidFill>
+          <a:schemeClr val="tx1"/>
+        </a:solidFill>
+        <a:latin typeface="+mn-lt"/>
+        <a:ea typeface="+mn-ea"/>
+        <a:cs typeface="+mn-cs"/>
+      </a:defRPr>
+    </a:lvl6pPr>
+    <a:lvl7pPr marL="2743200" algn="l" defTabSz="914400" rtl="0" eaLnBrk="1" latinLnBrk="1" hangingPunct="1">
+      <a:defRPr sz="1200" kern="1200">
+        <a:solidFill>
+          <a:schemeClr val="tx1"/>
+        </a:solidFill>
+        <a:latin typeface="+mn-lt"/>
+        <a:ea typeface="+mn-ea"/>
+        <a:cs typeface="+mn-cs"/>
+      </a:defRPr>
+    </a:lvl7pPr>
+    <a:lvl8pPr marL="3200400" algn="l" defTabSz="914400" rtl="0" eaLnBrk="1" latinLnBrk="1" hangingPunct="1">
+      <a:defRPr sz="1200" kern="1200">
+        <a:solidFill>
+          <a:schemeClr val="tx1"/>
+        </a:solidFill>
+        <a:latin typeface="+mn-lt"/>
+        <a:ea typeface="+mn-ea"/>
+        <a:cs typeface="+mn-cs"/>
+      </a:defRPr>
+    </a:lvl8pPr>
+    <a:lvl9pPr marL="3657600" algn="l" defTabSz="914400" rtl="0" eaLnBrk="1" latinLnBrk="1" hangingPunct="1">
+      <a:defRPr sz="1200" kern="1200">
+        <a:solidFill>
+          <a:schemeClr val="tx1"/>
+        </a:solidFill>
+        <a:latin typeface="+mn-lt"/>
+        <a:ea typeface="+mn-ea"/>
+        <a:cs typeface="+mn-cs"/>
+      </a:defRPr>
+    </a:lvl9pPr>
+  </p:notesStyle>
+</p:notesMaster>
+</file>
+
+<file path=ppt/notesSlides/notesSlide1.xml><?xml version="1.0" encoding="utf-8"?>
+<p:notes xmlns:a="http://schemas.openxmlformats.org/drawingml/2006/main" xmlns:r="http://schemas.openxmlformats.org/officeDocument/2006/relationships" xmlns:p="http://schemas.openxmlformats.org/presentationml/2006/main">
+  <p:cSld>
+    <p:spTree>
+      <p:nvGrpSpPr>
+        <p:cNvPr id="1" name=""/>
+        <p:cNvGrpSpPr/>
+        <p:nvPr/>
+      </p:nvGrpSpPr>
+      <p:grpSpPr>
+        <a:xfrm>
+          <a:off x="0" y="0"/>
+          <a:ext cx="0" cy="0"/>
+          <a:chOff x="0" y="0"/>
+          <a:chExt cx="0" cy="0"/>
+        </a:xfrm>
+      </p:grpSpPr>
+      <p:sp>
+        <p:nvSpPr>
+          <p:cNvPr id="2" name="슬라이드 이미지 개체 틀 1"/>
+          <p:cNvSpPr>
+            <a:spLocks noGrp="1" noRot="1" noChangeAspect="1"/>
+          </p:cNvSpPr>
+          <p:nvPr>
+            <p:ph type="sldImg"/>
+          </p:nvPr>
+        </p:nvSpPr>
+        <p:spPr/>
+      </p:sp>
+      <p:sp>
+        <p:nvSpPr>
+          <p:cNvPr id="3" name="슬라이드 노트 개체 틀 2"/>
+          <p:cNvSpPr>
+            <a:spLocks noGrp="1"/>
+          </p:cNvSpPr>
+          <p:nvPr>
+            <p:ph type="body" idx="1"/>
+          </p:nvPr>
+        </p:nvSpPr>
+        <p:spPr/>
+        <p:txBody>
+          <a:bodyPr/>
+          <a:lstStyle/>
+          <a:p>
+            <a:r>
+              <a:rPr lang="en-US" altLang="ko-KR" sz="1200" kern="1200" dirty="0">
+                <a:solidFill>
+                  <a:schemeClr val="tx1"/>
+                </a:solidFill>
+                <a:effectLst/>
+                <a:latin typeface="+mn-lt"/>
+                <a:ea typeface="+mn-ea"/>
+                <a:cs typeface="+mn-cs"/>
+              </a:rPr>
+              <a:t>map(add, list1, list2)</a:t>
+            </a:r>
+          </a:p>
+          <a:p>
+            <a:r>
+              <a:rPr lang="en-US" altLang="ko-KR" sz="1200" kern="1200" dirty="0">
+                <a:solidFill>
+                  <a:schemeClr val="tx1"/>
+                </a:solidFill>
+                <a:effectLst/>
+                <a:latin typeface="+mn-lt"/>
+                <a:ea typeface="+mn-ea"/>
+                <a:cs typeface="+mn-cs"/>
+              </a:rPr>
+              <a:t>[sum(x) for x in zip(list1, list2)]</a:t>
+            </a:r>
+          </a:p>
+          <a:p>
+            <a:r>
+              <a:rPr lang="es-ES" altLang="ko-KR" sz="1200" kern="1200" dirty="0">
+                <a:solidFill>
+                  <a:schemeClr val="tx1"/>
+                </a:solidFill>
+                <a:effectLst/>
+                <a:latin typeface="+mn-lt"/>
+                <a:ea typeface="+mn-ea"/>
+                <a:cs typeface="+mn-cs"/>
+              </a:rPr>
+              <a:t>x = np.array([1,2,3]) y = np.array([2,3,4]) print x+y</a:t>
+            </a:r>
+          </a:p>
+          <a:p>
+            <a:r>
+              <a:rPr lang="en-US" altLang="ko-KR" sz="1200" kern="1200" dirty="0">
+                <a:solidFill>
+                  <a:schemeClr val="tx1"/>
+                </a:solidFill>
+                <a:effectLst/>
+                <a:latin typeface="+mn-lt"/>
+                <a:ea typeface="+mn-ea"/>
+                <a:cs typeface="+mn-cs"/>
+              </a:rPr>
+              <a:t>print map(lambda </a:t>
+            </a:r>
+            <a:r>
+              <a:rPr lang="en-US" altLang="ko-KR" sz="1200" kern="1200" dirty="0" err="1">
+                <a:solidFill>
+                  <a:schemeClr val="tx1"/>
+                </a:solidFill>
+                <a:effectLst/>
+                <a:latin typeface="+mn-lt"/>
+                <a:ea typeface="+mn-ea"/>
+                <a:cs typeface="+mn-cs"/>
+              </a:rPr>
+              <a:t>x,y:x+y</a:t>
+            </a:r>
+            <a:r>
+              <a:rPr lang="en-US" altLang="ko-KR" sz="1200" kern="1200" dirty="0">
+                <a:solidFill>
+                  <a:schemeClr val="tx1"/>
+                </a:solidFill>
+                <a:effectLst/>
+                <a:latin typeface="+mn-lt"/>
+                <a:ea typeface="+mn-ea"/>
+                <a:cs typeface="+mn-cs"/>
+              </a:rPr>
+              <a:t>, list1, list2)</a:t>
+            </a:r>
+            <a:endParaRPr lang="ko-KR" altLang="en-US" dirty="0"/>
+          </a:p>
+        </p:txBody>
+      </p:sp>
+      <p:sp>
+        <p:nvSpPr>
+          <p:cNvPr id="4" name="슬라이드 번호 개체 틀 3"/>
+          <p:cNvSpPr>
+            <a:spLocks noGrp="1"/>
+          </p:cNvSpPr>
+          <p:nvPr>
+            <p:ph type="sldNum" sz="quarter" idx="10"/>
+          </p:nvPr>
+        </p:nvSpPr>
+        <p:spPr/>
+        <p:txBody>
+          <a:bodyPr/>
+          <a:lstStyle/>
+          <a:p>
+            <a:fld id="{A88B8C81-1AD2-4D05-8403-6F13377E71B5}" type="slidenum">
+              <a:rPr lang="ko-KR" altLang="en-US" smtClean="0"/>
+              <a:t>22</a:t>
+            </a:fld>
+            <a:endParaRPr lang="ko-KR" altLang="en-US"/>
+          </a:p>
+        </p:txBody>
+      </p:sp>
+    </p:spTree>
+    <p:extLst>
+      <p:ext uri="{BB962C8B-B14F-4D97-AF65-F5344CB8AC3E}">
+        <p14:creationId xmlns:p14="http://schemas.microsoft.com/office/powerpoint/2010/main" val="2545793854"/>
+      </p:ext>
+    </p:extLst>
+  </p:cSld>
+  <p:clrMapOvr>
+    <a:masterClrMapping/>
+  </p:clrMapOvr>
+</p:notes>
+</file>
+
+<file path=ppt/notesSlides/notesSlide2.xml><?xml version="1.0" encoding="utf-8"?>
+<p:notes xmlns:a="http://schemas.openxmlformats.org/drawingml/2006/main" xmlns:r="http://schemas.openxmlformats.org/officeDocument/2006/relationships" xmlns:p="http://schemas.openxmlformats.org/presentationml/2006/main">
+  <p:cSld>
+    <p:spTree>
+      <p:nvGrpSpPr>
+        <p:cNvPr id="1" name=""/>
+        <p:cNvGrpSpPr/>
+        <p:nvPr/>
+      </p:nvGrpSpPr>
+      <p:grpSpPr>
+        <a:xfrm>
+          <a:off x="0" y="0"/>
+          <a:ext cx="0" cy="0"/>
+          <a:chOff x="0" y="0"/>
+          <a:chExt cx="0" cy="0"/>
+        </a:xfrm>
+      </p:grpSpPr>
+      <p:sp>
+        <p:nvSpPr>
+          <p:cNvPr id="2" name="슬라이드 이미지 개체 틀 1"/>
+          <p:cNvSpPr>
+            <a:spLocks noGrp="1" noRot="1" noChangeAspect="1"/>
+          </p:cNvSpPr>
+          <p:nvPr>
+            <p:ph type="sldImg"/>
+          </p:nvPr>
+        </p:nvSpPr>
+        <p:spPr/>
+      </p:sp>
+      <p:sp>
+        <p:nvSpPr>
+          <p:cNvPr id="3" name="슬라이드 노트 개체 틀 2"/>
+          <p:cNvSpPr>
+            <a:spLocks noGrp="1"/>
+          </p:cNvSpPr>
+          <p:nvPr>
+            <p:ph type="body" idx="1"/>
+          </p:nvPr>
+        </p:nvSpPr>
+        <p:spPr/>
+        <p:txBody>
+          <a:bodyPr/>
+          <a:lstStyle/>
+          <a:p>
+            <a:r>
+              <a:rPr lang="en-US" altLang="ko-KR" sz="1200" kern="1200" dirty="0">
+                <a:solidFill>
+                  <a:schemeClr val="tx1"/>
+                </a:solidFill>
+                <a:effectLst/>
+                <a:latin typeface="+mn-lt"/>
+                <a:ea typeface="+mn-ea"/>
+                <a:cs typeface="+mn-cs"/>
+              </a:rPr>
+              <a:t>map(add, list1, list2)</a:t>
+            </a:r>
+          </a:p>
+          <a:p>
+            <a:r>
+              <a:rPr lang="en-US" altLang="ko-KR" sz="1200" kern="1200" dirty="0">
+                <a:solidFill>
+                  <a:schemeClr val="tx1"/>
+                </a:solidFill>
+                <a:effectLst/>
+                <a:latin typeface="+mn-lt"/>
+                <a:ea typeface="+mn-ea"/>
+                <a:cs typeface="+mn-cs"/>
+              </a:rPr>
+              <a:t>[sum(x) for x in zip(list1, list2)]</a:t>
+            </a:r>
+          </a:p>
+          <a:p>
+            <a:r>
+              <a:rPr lang="es-ES" altLang="ko-KR" sz="1200" kern="1200" dirty="0">
+                <a:solidFill>
+                  <a:schemeClr val="tx1"/>
+                </a:solidFill>
+                <a:effectLst/>
+                <a:latin typeface="+mn-lt"/>
+                <a:ea typeface="+mn-ea"/>
+                <a:cs typeface="+mn-cs"/>
+              </a:rPr>
+              <a:t>x = np.array([1,2,3]) y = np.array([2,3,4]) print x+y</a:t>
+            </a:r>
+          </a:p>
+          <a:p>
+            <a:r>
+              <a:rPr lang="en-US" altLang="ko-KR" sz="1200" kern="1200" dirty="0">
+                <a:solidFill>
+                  <a:schemeClr val="tx1"/>
+                </a:solidFill>
+                <a:effectLst/>
+                <a:latin typeface="+mn-lt"/>
+                <a:ea typeface="+mn-ea"/>
+                <a:cs typeface="+mn-cs"/>
+              </a:rPr>
+              <a:t>print map(lambda </a:t>
+            </a:r>
+            <a:r>
+              <a:rPr lang="en-US" altLang="ko-KR" sz="1200" kern="1200" dirty="0" err="1">
+                <a:solidFill>
+                  <a:schemeClr val="tx1"/>
+                </a:solidFill>
+                <a:effectLst/>
+                <a:latin typeface="+mn-lt"/>
+                <a:ea typeface="+mn-ea"/>
+                <a:cs typeface="+mn-cs"/>
+              </a:rPr>
+              <a:t>x,y:x+y</a:t>
+            </a:r>
+            <a:r>
+              <a:rPr lang="en-US" altLang="ko-KR" sz="1200" kern="1200" dirty="0">
+                <a:solidFill>
+                  <a:schemeClr val="tx1"/>
+                </a:solidFill>
+                <a:effectLst/>
+                <a:latin typeface="+mn-lt"/>
+                <a:ea typeface="+mn-ea"/>
+                <a:cs typeface="+mn-cs"/>
+              </a:rPr>
+              <a:t>, list1, list2)</a:t>
+            </a:r>
+            <a:endParaRPr lang="ko-KR" altLang="en-US" dirty="0"/>
+          </a:p>
+        </p:txBody>
+      </p:sp>
+      <p:sp>
+        <p:nvSpPr>
+          <p:cNvPr id="4" name="슬라이드 번호 개체 틀 3"/>
+          <p:cNvSpPr>
+            <a:spLocks noGrp="1"/>
+          </p:cNvSpPr>
+          <p:nvPr>
+            <p:ph type="sldNum" sz="quarter" idx="10"/>
+          </p:nvPr>
+        </p:nvSpPr>
+        <p:spPr/>
+        <p:txBody>
+          <a:bodyPr/>
+          <a:lstStyle/>
+          <a:p>
+            <a:fld id="{A88B8C81-1AD2-4D05-8403-6F13377E71B5}" type="slidenum">
+              <a:rPr lang="ko-KR" altLang="en-US" smtClean="0"/>
+              <a:t>23</a:t>
+            </a:fld>
+            <a:endParaRPr lang="ko-KR" altLang="en-US"/>
+          </a:p>
+        </p:txBody>
+      </p:sp>
+    </p:spTree>
+    <p:extLst>
+      <p:ext uri="{BB962C8B-B14F-4D97-AF65-F5344CB8AC3E}">
+        <p14:creationId xmlns:p14="http://schemas.microsoft.com/office/powerpoint/2010/main" val="1447198400"/>
+      </p:ext>
+    </p:extLst>
+  </p:cSld>
+  <p:clrMapOvr>
+    <a:masterClrMapping/>
+  </p:clrMapOvr>
+</p:notes>
 </file>
 
 <file path=ppt/slideLayouts/slideLayout1.xml><?xml version="1.0" encoding="utf-8"?>
@@ -253,7 +949,7 @@
           <a:p>
             <a:fld id="{48A87A34-81AB-432B-8DAE-1953F412C126}" type="datetimeFigureOut">
               <a:rPr lang="en-US" dirty="0"/>
-              <a:t>3/22/2018</a:t>
+              <a:t>3/29/2018</a:t>
             </a:fld>
             <a:endParaRPr lang="en-US" dirty="0"/>
           </a:p>
@@ -459,7 +1155,7 @@
           <a:p>
             <a:fld id="{48A87A34-81AB-432B-8DAE-1953F412C126}" type="datetimeFigureOut">
               <a:rPr lang="en-US" dirty="0"/>
-              <a:t>3/22/2018</a:t>
+              <a:t>3/29/2018</a:t>
             </a:fld>
             <a:endParaRPr lang="en-US" dirty="0"/>
           </a:p>
@@ -669,7 +1365,7 @@
           <a:p>
             <a:fld id="{48A87A34-81AB-432B-8DAE-1953F412C126}" type="datetimeFigureOut">
               <a:rPr lang="en-US" dirty="0"/>
-              <a:t>3/22/2018</a:t>
+              <a:t>3/29/2018</a:t>
             </a:fld>
             <a:endParaRPr lang="en-US" dirty="0"/>
           </a:p>
@@ -865,7 +1561,7 @@
           <a:p>
             <a:fld id="{48A87A34-81AB-432B-8DAE-1953F412C126}" type="datetimeFigureOut">
               <a:rPr lang="en-US" dirty="0"/>
-              <a:t>3/22/2018</a:t>
+              <a:t>3/29/2018</a:t>
             </a:fld>
             <a:endParaRPr lang="en-US" dirty="0"/>
           </a:p>
@@ -1139,7 +1835,7 @@
           <a:p>
             <a:fld id="{48A87A34-81AB-432B-8DAE-1953F412C126}" type="datetimeFigureOut">
               <a:rPr lang="en-US" dirty="0"/>
-              <a:t>3/22/2018</a:t>
+              <a:t>3/29/2018</a:t>
             </a:fld>
             <a:endParaRPr lang="en-US" dirty="0"/>
           </a:p>
@@ -1402,7 +2098,7 @@
           <a:p>
             <a:fld id="{48A87A34-81AB-432B-8DAE-1953F412C126}" type="datetimeFigureOut">
               <a:rPr lang="en-US" dirty="0"/>
-              <a:t>3/22/2018</a:t>
+              <a:t>3/29/2018</a:t>
             </a:fld>
             <a:endParaRPr lang="en-US" dirty="0"/>
           </a:p>
@@ -1813,7 +2509,7 @@
           <a:p>
             <a:fld id="{48A87A34-81AB-432B-8DAE-1953F412C126}" type="datetimeFigureOut">
               <a:rPr lang="en-US" dirty="0"/>
-              <a:t>3/22/2018</a:t>
+              <a:t>3/29/2018</a:t>
             </a:fld>
             <a:endParaRPr lang="en-US" dirty="0"/>
           </a:p>
@@ -1957,7 +2653,7 @@
           <a:p>
             <a:fld id="{48A87A34-81AB-432B-8DAE-1953F412C126}" type="datetimeFigureOut">
               <a:rPr lang="en-US" dirty="0"/>
-              <a:t>3/22/2018</a:t>
+              <a:t>3/29/2018</a:t>
             </a:fld>
             <a:endParaRPr lang="en-US" dirty="0"/>
           </a:p>
@@ -2078,7 +2774,7 @@
           <a:p>
             <a:fld id="{48A87A34-81AB-432B-8DAE-1953F412C126}" type="datetimeFigureOut">
               <a:rPr lang="en-US" dirty="0"/>
-              <a:t>3/22/2018</a:t>
+              <a:t>3/29/2018</a:t>
             </a:fld>
             <a:endParaRPr lang="en-US" dirty="0"/>
           </a:p>
@@ -2324,7 +3020,7 @@
           <a:p>
             <a:fld id="{48A87A34-81AB-432B-8DAE-1953F412C126}" type="datetimeFigureOut">
               <a:rPr lang="en-US" dirty="0"/>
-              <a:t>3/22/2018</a:t>
+              <a:t>3/29/2018</a:t>
             </a:fld>
             <a:endParaRPr lang="en-US" dirty="0"/>
           </a:p>
@@ -2765,7 +3461,7 @@
             <a:fld id="{48A87A34-81AB-432B-8DAE-1953F412C126}" type="datetimeFigureOut">
               <a:rPr lang="en-US" dirty="0"/>
               <a:pPr/>
-              <a:t>3/22/2018</a:t>
+              <a:t>3/29/2018</a:t>
             </a:fld>
             <a:endParaRPr lang="en-US" dirty="0"/>
           </a:p>
@@ -3087,7 +3783,7 @@
             <a:fld id="{48A87A34-81AB-432B-8DAE-1953F412C126}" type="datetimeFigureOut">
               <a:rPr lang="en-US" dirty="0"/>
               <a:pPr/>
-              <a:t>3/22/2018</a:t>
+              <a:t>3/29/2018</a:t>
             </a:fld>
             <a:endParaRPr lang="en-US" dirty="0"/>
           </a:p>
@@ -3640,6 +4336,4263 @@
 </p:sld>
 </file>
 
+<file path=ppt/slides/slide10.xml><?xml version="1.0" encoding="utf-8"?>
+<p:sld xmlns:a="http://schemas.openxmlformats.org/drawingml/2006/main" xmlns:r="http://schemas.openxmlformats.org/officeDocument/2006/relationships" xmlns:p="http://schemas.openxmlformats.org/presentationml/2006/main">
+  <p:cSld>
+    <p:spTree>
+      <p:nvGrpSpPr>
+        <p:cNvPr id="1" name=""/>
+        <p:cNvGrpSpPr/>
+        <p:nvPr/>
+      </p:nvGrpSpPr>
+      <p:grpSpPr>
+        <a:xfrm>
+          <a:off x="0" y="0"/>
+          <a:ext cx="0" cy="0"/>
+          <a:chOff x="0" y="0"/>
+          <a:chExt cx="0" cy="0"/>
+        </a:xfrm>
+      </p:grpSpPr>
+      <p:sp>
+        <p:nvSpPr>
+          <p:cNvPr id="2" name="제목 1">
+            <a:extLst>
+              <a:ext uri="{FF2B5EF4-FFF2-40B4-BE49-F238E27FC236}">
+                <a16:creationId xmlns:a16="http://schemas.microsoft.com/office/drawing/2014/main" id="{9D3ABC77-1795-4320-B9A9-BF9C188C0DBA}"/>
+              </a:ext>
+            </a:extLst>
+          </p:cNvPr>
+          <p:cNvSpPr>
+            <a:spLocks noGrp="1"/>
+          </p:cNvSpPr>
+          <p:nvPr>
+            <p:ph type="title"/>
+          </p:nvPr>
+        </p:nvSpPr>
+        <p:spPr/>
+        <p:txBody>
+          <a:bodyPr/>
+          <a:lstStyle/>
+          <a:p>
+            <a:r>
+              <a:rPr lang="en-US" altLang="ko-KR" dirty="0"/>
+              <a:t>inheritance</a:t>
+            </a:r>
+            <a:endParaRPr lang="ko-KR" altLang="en-US" dirty="0"/>
+          </a:p>
+        </p:txBody>
+      </p:sp>
+      <p:sp>
+        <p:nvSpPr>
+          <p:cNvPr id="3" name="내용 개체 틀 2">
+            <a:extLst>
+              <a:ext uri="{FF2B5EF4-FFF2-40B4-BE49-F238E27FC236}">
+                <a16:creationId xmlns:a16="http://schemas.microsoft.com/office/drawing/2014/main" id="{20A3384F-C008-4EEC-BED3-1B875FC65CEE}"/>
+              </a:ext>
+            </a:extLst>
+          </p:cNvPr>
+          <p:cNvSpPr>
+            <a:spLocks noGrp="1"/>
+          </p:cNvSpPr>
+          <p:nvPr>
+            <p:ph idx="1"/>
+          </p:nvPr>
+        </p:nvSpPr>
+        <p:spPr/>
+        <p:txBody>
+          <a:bodyPr>
+            <a:normAutofit fontScale="70000" lnSpcReduction="20000"/>
+          </a:bodyPr>
+          <a:lstStyle/>
+          <a:p>
+            <a:pPr lvl="2"/>
+            <a:endParaRPr lang="en-US" altLang="ko-KR" dirty="0">
+              <a:ea typeface="굴림" panose="020B0600000101010101" pitchFamily="50" charset="-127"/>
+            </a:endParaRPr>
+          </a:p>
+          <a:p>
+            <a:pPr marL="914400" lvl="2" indent="0">
+              <a:buNone/>
+            </a:pPr>
+            <a:r>
+              <a:rPr lang="en-US" altLang="ko-KR" dirty="0">
+                <a:ea typeface="굴림" panose="020B0600000101010101" pitchFamily="50" charset="-127"/>
+              </a:rPr>
+              <a:t>class </a:t>
+            </a:r>
+            <a:r>
+              <a:rPr lang="en-US" altLang="ko-KR" dirty="0" err="1">
+                <a:ea typeface="굴림" panose="020B0600000101010101" pitchFamily="50" charset="-127"/>
+              </a:rPr>
+              <a:t>qm_molecule</a:t>
+            </a:r>
+            <a:r>
+              <a:rPr lang="en-US" altLang="ko-KR" dirty="0">
+                <a:ea typeface="굴림" panose="020B0600000101010101" pitchFamily="50" charset="-127"/>
+              </a:rPr>
+              <a:t>(molecule):</a:t>
+            </a:r>
+          </a:p>
+          <a:p>
+            <a:pPr marL="914400" lvl="2" indent="0">
+              <a:buNone/>
+            </a:pPr>
+            <a:r>
+              <a:rPr lang="en-US" altLang="ko-KR" dirty="0">
+                <a:ea typeface="굴림" panose="020B0600000101010101" pitchFamily="50" charset="-127"/>
+              </a:rPr>
+              <a:t>	def </a:t>
+            </a:r>
+            <a:r>
+              <a:rPr lang="en-US" altLang="ko-KR" dirty="0" err="1">
+                <a:ea typeface="굴림" panose="020B0600000101010101" pitchFamily="50" charset="-127"/>
+              </a:rPr>
+              <a:t>addbasis</a:t>
+            </a:r>
+            <a:r>
+              <a:rPr lang="en-US" altLang="ko-KR" dirty="0">
+                <a:ea typeface="굴림" panose="020B0600000101010101" pitchFamily="50" charset="-127"/>
+              </a:rPr>
+              <a:t>(self):</a:t>
+            </a:r>
+          </a:p>
+          <a:p>
+            <a:pPr marL="914400" lvl="2" indent="0">
+              <a:buNone/>
+            </a:pPr>
+            <a:r>
+              <a:rPr lang="en-US" altLang="ko-KR" dirty="0">
+                <a:ea typeface="굴림" panose="020B0600000101010101" pitchFamily="50" charset="-127"/>
+              </a:rPr>
+              <a:t>		</a:t>
+            </a:r>
+            <a:r>
+              <a:rPr lang="en-US" altLang="ko-KR" dirty="0" err="1">
+                <a:ea typeface="굴림" panose="020B0600000101010101" pitchFamily="50" charset="-127"/>
+              </a:rPr>
+              <a:t>self.basis</a:t>
+            </a:r>
+            <a:r>
+              <a:rPr lang="en-US" altLang="ko-KR" dirty="0">
+                <a:ea typeface="굴림" panose="020B0600000101010101" pitchFamily="50" charset="-127"/>
+              </a:rPr>
+              <a:t> = []</a:t>
+            </a:r>
+          </a:p>
+          <a:p>
+            <a:pPr marL="914400" lvl="2" indent="0">
+              <a:buNone/>
+            </a:pPr>
+            <a:r>
+              <a:rPr lang="en-US" altLang="ko-KR" dirty="0">
+                <a:ea typeface="굴림" panose="020B0600000101010101" pitchFamily="50" charset="-127"/>
+              </a:rPr>
+              <a:t>		for atom in </a:t>
+            </a:r>
+            <a:r>
+              <a:rPr lang="en-US" altLang="ko-KR" dirty="0" err="1">
+                <a:ea typeface="굴림" panose="020B0600000101010101" pitchFamily="50" charset="-127"/>
+              </a:rPr>
+              <a:t>self.atomlist</a:t>
+            </a:r>
+            <a:r>
+              <a:rPr lang="en-US" altLang="ko-KR" dirty="0">
+                <a:ea typeface="굴림" panose="020B0600000101010101" pitchFamily="50" charset="-127"/>
+              </a:rPr>
+              <a:t>:</a:t>
+            </a:r>
+          </a:p>
+          <a:p>
+            <a:pPr marL="914400" lvl="2" indent="0">
+              <a:buNone/>
+            </a:pPr>
+            <a:r>
+              <a:rPr lang="en-US" altLang="ko-KR" dirty="0">
+                <a:ea typeface="굴림" panose="020B0600000101010101" pitchFamily="50" charset="-127"/>
+              </a:rPr>
+              <a:t>			</a:t>
+            </a:r>
+            <a:r>
+              <a:rPr lang="en-US" altLang="ko-KR" dirty="0" err="1">
+                <a:ea typeface="굴림" panose="020B0600000101010101" pitchFamily="50" charset="-127"/>
+              </a:rPr>
+              <a:t>self.basis</a:t>
+            </a:r>
+            <a:r>
+              <a:rPr lang="en-US" altLang="ko-KR" dirty="0">
+                <a:ea typeface="굴림" panose="020B0600000101010101" pitchFamily="50" charset="-127"/>
+              </a:rPr>
+              <a:t> = </a:t>
+            </a:r>
+            <a:r>
+              <a:rPr lang="en-US" altLang="ko-KR" dirty="0" err="1">
+                <a:ea typeface="굴림" panose="020B0600000101010101" pitchFamily="50" charset="-127"/>
+              </a:rPr>
+              <a:t>add_bf</a:t>
+            </a:r>
+            <a:r>
+              <a:rPr lang="en-US" altLang="ko-KR" dirty="0">
+                <a:ea typeface="굴림" panose="020B0600000101010101" pitchFamily="50" charset="-127"/>
+              </a:rPr>
+              <a:t>(</a:t>
+            </a:r>
+            <a:r>
+              <a:rPr lang="en-US" altLang="ko-KR" dirty="0" err="1">
+                <a:ea typeface="굴림" panose="020B0600000101010101" pitchFamily="50" charset="-127"/>
+              </a:rPr>
+              <a:t>atom,self.basis</a:t>
+            </a:r>
+            <a:r>
+              <a:rPr lang="en-US" altLang="ko-KR" dirty="0">
+                <a:ea typeface="굴림" panose="020B0600000101010101" pitchFamily="50" charset="-127"/>
+              </a:rPr>
+              <a:t>)</a:t>
+            </a:r>
+          </a:p>
+          <a:p>
+            <a:endParaRPr lang="en-US" altLang="ko-KR" dirty="0">
+              <a:ea typeface="굴림" panose="020B0600000101010101" pitchFamily="50" charset="-127"/>
+            </a:endParaRPr>
+          </a:p>
+          <a:p>
+            <a:r>
+              <a:rPr lang="en-US" altLang="ko-KR" dirty="0">
+                <a:solidFill>
+                  <a:schemeClr val="hlink"/>
+                </a:solidFill>
+                <a:ea typeface="굴림" panose="020B0600000101010101" pitchFamily="50" charset="-127"/>
+              </a:rPr>
+              <a:t>__</a:t>
+            </a:r>
+            <a:r>
+              <a:rPr lang="en-US" altLang="ko-KR" dirty="0" err="1">
+                <a:solidFill>
+                  <a:schemeClr val="hlink"/>
+                </a:solidFill>
+                <a:ea typeface="굴림" panose="020B0600000101010101" pitchFamily="50" charset="-127"/>
+              </a:rPr>
+              <a:t>init</a:t>
+            </a:r>
+            <a:r>
+              <a:rPr lang="en-US" altLang="ko-KR" dirty="0">
+                <a:solidFill>
+                  <a:schemeClr val="hlink"/>
+                </a:solidFill>
+                <a:ea typeface="굴림" panose="020B0600000101010101" pitchFamily="50" charset="-127"/>
+              </a:rPr>
+              <a:t>__, __</a:t>
+            </a:r>
+            <a:r>
+              <a:rPr lang="en-US" altLang="ko-KR" dirty="0" err="1">
+                <a:solidFill>
+                  <a:schemeClr val="hlink"/>
+                </a:solidFill>
+                <a:ea typeface="굴림" panose="020B0600000101010101" pitchFamily="50" charset="-127"/>
+              </a:rPr>
+              <a:t>repr</a:t>
+            </a:r>
+            <a:r>
+              <a:rPr lang="en-US" altLang="ko-KR" dirty="0">
+                <a:solidFill>
+                  <a:schemeClr val="hlink"/>
+                </a:solidFill>
+                <a:ea typeface="굴림" panose="020B0600000101010101" pitchFamily="50" charset="-127"/>
+              </a:rPr>
+              <a:t>__,</a:t>
+            </a:r>
+            <a:r>
+              <a:rPr lang="en-US" altLang="ko-KR" dirty="0">
+                <a:ea typeface="굴림" panose="020B0600000101010101" pitchFamily="50" charset="-127"/>
+              </a:rPr>
+              <a:t> and </a:t>
+            </a:r>
+            <a:r>
+              <a:rPr lang="en-US" altLang="ko-KR" dirty="0">
+                <a:solidFill>
+                  <a:schemeClr val="hlink"/>
+                </a:solidFill>
+                <a:ea typeface="굴림" panose="020B0600000101010101" pitchFamily="50" charset="-127"/>
+              </a:rPr>
+              <a:t>__</a:t>
+            </a:r>
+            <a:r>
+              <a:rPr lang="en-US" altLang="ko-KR" dirty="0" err="1">
+                <a:solidFill>
+                  <a:schemeClr val="hlink"/>
+                </a:solidFill>
+                <a:ea typeface="굴림" panose="020B0600000101010101" pitchFamily="50" charset="-127"/>
+              </a:rPr>
+              <a:t>addatom</a:t>
+            </a:r>
+            <a:r>
+              <a:rPr lang="en-US" altLang="ko-KR" dirty="0">
+                <a:solidFill>
+                  <a:schemeClr val="hlink"/>
+                </a:solidFill>
+                <a:ea typeface="굴림" panose="020B0600000101010101" pitchFamily="50" charset="-127"/>
+              </a:rPr>
+              <a:t>__</a:t>
+            </a:r>
+            <a:r>
+              <a:rPr lang="en-US" altLang="ko-KR" dirty="0">
+                <a:ea typeface="굴림" panose="020B0600000101010101" pitchFamily="50" charset="-127"/>
+              </a:rPr>
+              <a:t> are taken from the parent class (molecule)</a:t>
+            </a:r>
+          </a:p>
+          <a:p>
+            <a:r>
+              <a:rPr lang="en-US" altLang="ko-KR" dirty="0">
+                <a:ea typeface="굴림" panose="020B0600000101010101" pitchFamily="50" charset="-127"/>
+              </a:rPr>
+              <a:t>Added a new function </a:t>
+            </a:r>
+            <a:r>
+              <a:rPr lang="en-US" altLang="ko-KR" dirty="0" err="1">
+                <a:solidFill>
+                  <a:schemeClr val="hlink"/>
+                </a:solidFill>
+                <a:ea typeface="굴림" panose="020B0600000101010101" pitchFamily="50" charset="-127"/>
+              </a:rPr>
+              <a:t>addbasis</a:t>
+            </a:r>
+            <a:r>
+              <a:rPr lang="en-US" altLang="ko-KR" dirty="0">
+                <a:solidFill>
+                  <a:schemeClr val="hlink"/>
+                </a:solidFill>
+                <a:ea typeface="굴림" panose="020B0600000101010101" pitchFamily="50" charset="-127"/>
+              </a:rPr>
+              <a:t>()</a:t>
+            </a:r>
+            <a:r>
+              <a:rPr lang="en-US" altLang="ko-KR" dirty="0">
+                <a:ea typeface="굴림" panose="020B0600000101010101" pitchFamily="50" charset="-127"/>
+              </a:rPr>
+              <a:t> to add a basis set</a:t>
+            </a:r>
+          </a:p>
+          <a:p>
+            <a:r>
+              <a:rPr lang="en-US" altLang="ko-KR" dirty="0">
+                <a:ea typeface="굴림" panose="020B0600000101010101" pitchFamily="50" charset="-127"/>
+              </a:rPr>
+              <a:t>Another example of code reuse</a:t>
+            </a:r>
+          </a:p>
+          <a:p>
+            <a:pPr lvl="1"/>
+            <a:r>
+              <a:rPr lang="en-US" altLang="ko-KR" dirty="0">
+                <a:ea typeface="굴림" panose="020B0600000101010101" pitchFamily="50" charset="-127"/>
+              </a:rPr>
+              <a:t>Basic functions don't have to be retyped, just inherited</a:t>
+            </a:r>
+          </a:p>
+          <a:p>
+            <a:pPr lvl="1"/>
+            <a:r>
+              <a:rPr lang="en-US" altLang="ko-KR" dirty="0">
+                <a:ea typeface="굴림" panose="020B0600000101010101" pitchFamily="50" charset="-127"/>
+              </a:rPr>
+              <a:t>Less to rewrite when specifications change</a:t>
+            </a:r>
+          </a:p>
+          <a:p>
+            <a:endParaRPr lang="ko-KR" altLang="en-US" dirty="0"/>
+          </a:p>
+        </p:txBody>
+      </p:sp>
+    </p:spTree>
+    <p:extLst>
+      <p:ext uri="{BB962C8B-B14F-4D97-AF65-F5344CB8AC3E}">
+        <p14:creationId xmlns:p14="http://schemas.microsoft.com/office/powerpoint/2010/main" val="3774694574"/>
+      </p:ext>
+    </p:extLst>
+  </p:cSld>
+  <p:clrMapOvr>
+    <a:masterClrMapping/>
+  </p:clrMapOvr>
+</p:sld>
+</file>
+
+<file path=ppt/slides/slide11.xml><?xml version="1.0" encoding="utf-8"?>
+<p:sld xmlns:a="http://schemas.openxmlformats.org/drawingml/2006/main" xmlns:r="http://schemas.openxmlformats.org/officeDocument/2006/relationships" xmlns:p="http://schemas.openxmlformats.org/presentationml/2006/main">
+  <p:cSld>
+    <p:spTree>
+      <p:nvGrpSpPr>
+        <p:cNvPr id="1" name=""/>
+        <p:cNvGrpSpPr/>
+        <p:nvPr/>
+      </p:nvGrpSpPr>
+      <p:grpSpPr>
+        <a:xfrm>
+          <a:off x="0" y="0"/>
+          <a:ext cx="0" cy="0"/>
+          <a:chOff x="0" y="0"/>
+          <a:chExt cx="0" cy="0"/>
+        </a:xfrm>
+      </p:grpSpPr>
+      <p:sp>
+        <p:nvSpPr>
+          <p:cNvPr id="2" name="제목 1">
+            <a:extLst>
+              <a:ext uri="{FF2B5EF4-FFF2-40B4-BE49-F238E27FC236}">
+                <a16:creationId xmlns:a16="http://schemas.microsoft.com/office/drawing/2014/main" id="{0B2F0F7D-455A-4965-AC3D-A4B9AC965E35}"/>
+              </a:ext>
+            </a:extLst>
+          </p:cNvPr>
+          <p:cNvSpPr>
+            <a:spLocks noGrp="1"/>
+          </p:cNvSpPr>
+          <p:nvPr>
+            <p:ph type="title"/>
+          </p:nvPr>
+        </p:nvSpPr>
+        <p:spPr/>
+        <p:txBody>
+          <a:bodyPr/>
+          <a:lstStyle/>
+          <a:p>
+            <a:r>
+              <a:rPr lang="en-US" altLang="ko-KR" dirty="0"/>
+              <a:t>Overloading</a:t>
+            </a:r>
+            <a:endParaRPr lang="ko-KR" altLang="en-US" dirty="0"/>
+          </a:p>
+        </p:txBody>
+      </p:sp>
+      <p:sp>
+        <p:nvSpPr>
+          <p:cNvPr id="3" name="내용 개체 틀 2">
+            <a:extLst>
+              <a:ext uri="{FF2B5EF4-FFF2-40B4-BE49-F238E27FC236}">
+                <a16:creationId xmlns:a16="http://schemas.microsoft.com/office/drawing/2014/main" id="{15A79F16-4BD4-43DB-9A15-A481C6914A48}"/>
+              </a:ext>
+            </a:extLst>
+          </p:cNvPr>
+          <p:cNvSpPr>
+            <a:spLocks noGrp="1"/>
+          </p:cNvSpPr>
+          <p:nvPr>
+            <p:ph idx="1"/>
+          </p:nvPr>
+        </p:nvSpPr>
+        <p:spPr/>
+        <p:txBody>
+          <a:bodyPr>
+            <a:normAutofit fontScale="92500" lnSpcReduction="20000"/>
+          </a:bodyPr>
+          <a:lstStyle/>
+          <a:p>
+            <a:pPr marL="914400" lvl="2" indent="0">
+              <a:buNone/>
+            </a:pPr>
+            <a:endParaRPr lang="en-US" altLang="ko-KR" dirty="0">
+              <a:ea typeface="굴림" panose="020B0600000101010101" pitchFamily="50" charset="-127"/>
+            </a:endParaRPr>
+          </a:p>
+          <a:p>
+            <a:pPr marL="914400" lvl="2" indent="0">
+              <a:buNone/>
+            </a:pPr>
+            <a:r>
+              <a:rPr lang="en-US" altLang="ko-KR" dirty="0">
+                <a:ea typeface="굴림" panose="020B0600000101010101" pitchFamily="50" charset="-127"/>
+              </a:rPr>
+              <a:t>class </a:t>
+            </a:r>
+            <a:r>
+              <a:rPr lang="en-US" altLang="ko-KR" dirty="0" err="1">
+                <a:ea typeface="굴림" panose="020B0600000101010101" pitchFamily="50" charset="-127"/>
+              </a:rPr>
+              <a:t>qm_molecule</a:t>
+            </a:r>
+            <a:r>
+              <a:rPr lang="en-US" altLang="ko-KR" dirty="0">
+                <a:ea typeface="굴림" panose="020B0600000101010101" pitchFamily="50" charset="-127"/>
+              </a:rPr>
+              <a:t>(molecule):</a:t>
+            </a:r>
+          </a:p>
+          <a:p>
+            <a:pPr marL="914400" lvl="2" indent="0">
+              <a:buNone/>
+            </a:pPr>
+            <a:r>
+              <a:rPr lang="en-US" altLang="ko-KR" dirty="0">
+                <a:ea typeface="굴림" panose="020B0600000101010101" pitchFamily="50" charset="-127"/>
+              </a:rPr>
+              <a:t>	def __</a:t>
+            </a:r>
+            <a:r>
+              <a:rPr lang="en-US" altLang="ko-KR" dirty="0" err="1">
+                <a:ea typeface="굴림" panose="020B0600000101010101" pitchFamily="50" charset="-127"/>
+              </a:rPr>
+              <a:t>repr</a:t>
+            </a:r>
+            <a:r>
+              <a:rPr lang="en-US" altLang="ko-KR" dirty="0">
+                <a:ea typeface="굴림" panose="020B0600000101010101" pitchFamily="50" charset="-127"/>
+              </a:rPr>
+              <a:t>__(self):</a:t>
+            </a:r>
+          </a:p>
+          <a:p>
+            <a:pPr marL="914400" lvl="2" indent="0">
+              <a:buNone/>
+            </a:pPr>
+            <a:r>
+              <a:rPr lang="en-US" altLang="ko-KR" dirty="0">
+                <a:ea typeface="굴림" panose="020B0600000101010101" pitchFamily="50" charset="-127"/>
+              </a:rPr>
+              <a:t>		</a:t>
+            </a:r>
+            <a:r>
+              <a:rPr lang="en-US" altLang="ko-KR" dirty="0" err="1">
+                <a:ea typeface="굴림" panose="020B0600000101010101" pitchFamily="50" charset="-127"/>
+              </a:rPr>
+              <a:t>str</a:t>
+            </a:r>
+            <a:r>
+              <a:rPr lang="en-US" altLang="ko-KR" dirty="0">
+                <a:ea typeface="굴림" panose="020B0600000101010101" pitchFamily="50" charset="-127"/>
+              </a:rPr>
+              <a:t> = 'QM Rules!\n'</a:t>
+            </a:r>
+          </a:p>
+          <a:p>
+            <a:pPr marL="914400" lvl="2" indent="0">
+              <a:buNone/>
+            </a:pPr>
+            <a:r>
+              <a:rPr lang="en-US" altLang="ko-KR" dirty="0">
+                <a:ea typeface="굴림" panose="020B0600000101010101" pitchFamily="50" charset="-127"/>
+              </a:rPr>
+              <a:t>		for atom in </a:t>
+            </a:r>
+            <a:r>
+              <a:rPr lang="en-US" altLang="ko-KR" dirty="0" err="1">
+                <a:ea typeface="굴림" panose="020B0600000101010101" pitchFamily="50" charset="-127"/>
+              </a:rPr>
+              <a:t>self.atomlist</a:t>
+            </a:r>
+            <a:r>
+              <a:rPr lang="en-US" altLang="ko-KR" dirty="0">
+                <a:ea typeface="굴림" panose="020B0600000101010101" pitchFamily="50" charset="-127"/>
+              </a:rPr>
+              <a:t>:</a:t>
+            </a:r>
+          </a:p>
+          <a:p>
+            <a:pPr marL="914400" lvl="2" indent="0">
+              <a:buNone/>
+            </a:pPr>
+            <a:r>
+              <a:rPr lang="en-US" altLang="ko-KR" dirty="0">
+                <a:ea typeface="굴림" panose="020B0600000101010101" pitchFamily="50" charset="-127"/>
+              </a:rPr>
+              <a:t>			</a:t>
+            </a:r>
+            <a:r>
+              <a:rPr lang="en-US" altLang="ko-KR" dirty="0" err="1">
+                <a:ea typeface="굴림" panose="020B0600000101010101" pitchFamily="50" charset="-127"/>
+              </a:rPr>
+              <a:t>str</a:t>
+            </a:r>
+            <a:r>
+              <a:rPr lang="en-US" altLang="ko-KR" dirty="0">
+                <a:ea typeface="굴림" panose="020B0600000101010101" pitchFamily="50" charset="-127"/>
+              </a:rPr>
+              <a:t> = </a:t>
+            </a:r>
+            <a:r>
+              <a:rPr lang="en-US" altLang="ko-KR" dirty="0" err="1">
+                <a:ea typeface="굴림" panose="020B0600000101010101" pitchFamily="50" charset="-127"/>
+              </a:rPr>
+              <a:t>str</a:t>
+            </a:r>
+            <a:r>
+              <a:rPr lang="en-US" altLang="ko-KR" dirty="0">
+                <a:ea typeface="굴림" panose="020B0600000101010101" pitchFamily="50" charset="-127"/>
+              </a:rPr>
+              <a:t> + `atom` + '\n'</a:t>
+            </a:r>
+          </a:p>
+          <a:p>
+            <a:pPr marL="914400" lvl="2" indent="0">
+              <a:buNone/>
+            </a:pPr>
+            <a:r>
+              <a:rPr lang="en-US" altLang="ko-KR" dirty="0">
+                <a:ea typeface="굴림" panose="020B0600000101010101" pitchFamily="50" charset="-127"/>
+              </a:rPr>
+              <a:t>		return </a:t>
+            </a:r>
+            <a:r>
+              <a:rPr lang="en-US" altLang="ko-KR" dirty="0" err="1">
+                <a:ea typeface="굴림" panose="020B0600000101010101" pitchFamily="50" charset="-127"/>
+              </a:rPr>
+              <a:t>str</a:t>
+            </a:r>
+            <a:endParaRPr lang="en-US" altLang="ko-KR" dirty="0">
+              <a:ea typeface="굴림" panose="020B0600000101010101" pitchFamily="50" charset="-127"/>
+            </a:endParaRPr>
+          </a:p>
+          <a:p>
+            <a:endParaRPr lang="en-US" altLang="ko-KR" dirty="0">
+              <a:ea typeface="굴림" panose="020B0600000101010101" pitchFamily="50" charset="-127"/>
+            </a:endParaRPr>
+          </a:p>
+          <a:p>
+            <a:r>
+              <a:rPr lang="en-US" altLang="ko-KR" dirty="0">
+                <a:ea typeface="굴림" panose="020B0600000101010101" pitchFamily="50" charset="-127"/>
+              </a:rPr>
+              <a:t>Now we only inherit </a:t>
+            </a:r>
+            <a:r>
+              <a:rPr lang="en-US" altLang="ko-KR" dirty="0">
+                <a:solidFill>
+                  <a:schemeClr val="hlink"/>
+                </a:solidFill>
+                <a:ea typeface="굴림" panose="020B0600000101010101" pitchFamily="50" charset="-127"/>
+              </a:rPr>
+              <a:t>__</a:t>
+            </a:r>
+            <a:r>
+              <a:rPr lang="en-US" altLang="ko-KR" dirty="0" err="1">
+                <a:solidFill>
+                  <a:schemeClr val="hlink"/>
+                </a:solidFill>
+                <a:ea typeface="굴림" panose="020B0600000101010101" pitchFamily="50" charset="-127"/>
+              </a:rPr>
+              <a:t>init</a:t>
+            </a:r>
+            <a:r>
+              <a:rPr lang="en-US" altLang="ko-KR" dirty="0">
+                <a:solidFill>
+                  <a:schemeClr val="hlink"/>
+                </a:solidFill>
+                <a:ea typeface="굴림" panose="020B0600000101010101" pitchFamily="50" charset="-127"/>
+              </a:rPr>
+              <a:t>__</a:t>
+            </a:r>
+            <a:r>
+              <a:rPr lang="en-US" altLang="ko-KR" dirty="0">
+                <a:ea typeface="굴림" panose="020B0600000101010101" pitchFamily="50" charset="-127"/>
+              </a:rPr>
+              <a:t> and </a:t>
+            </a:r>
+            <a:r>
+              <a:rPr lang="en-US" altLang="ko-KR" dirty="0" err="1">
+                <a:solidFill>
+                  <a:schemeClr val="hlink"/>
+                </a:solidFill>
+                <a:ea typeface="굴림" panose="020B0600000101010101" pitchFamily="50" charset="-127"/>
+              </a:rPr>
+              <a:t>addatom</a:t>
+            </a:r>
+            <a:r>
+              <a:rPr lang="en-US" altLang="ko-KR" dirty="0">
+                <a:ea typeface="굴림" panose="020B0600000101010101" pitchFamily="50" charset="-127"/>
+              </a:rPr>
+              <a:t> from the parent</a:t>
+            </a:r>
+          </a:p>
+          <a:p>
+            <a:r>
+              <a:rPr lang="en-US" altLang="ko-KR" dirty="0">
+                <a:ea typeface="굴림" panose="020B0600000101010101" pitchFamily="50" charset="-127"/>
+              </a:rPr>
+              <a:t>We define a new version of </a:t>
+            </a:r>
+            <a:r>
+              <a:rPr lang="en-US" altLang="ko-KR" dirty="0">
+                <a:solidFill>
+                  <a:schemeClr val="hlink"/>
+                </a:solidFill>
+                <a:ea typeface="굴림" panose="020B0600000101010101" pitchFamily="50" charset="-127"/>
+              </a:rPr>
+              <a:t>__</a:t>
+            </a:r>
+            <a:r>
+              <a:rPr lang="en-US" altLang="ko-KR" dirty="0" err="1">
+                <a:solidFill>
+                  <a:schemeClr val="hlink"/>
+                </a:solidFill>
+                <a:ea typeface="굴림" panose="020B0600000101010101" pitchFamily="50" charset="-127"/>
+              </a:rPr>
+              <a:t>repr</a:t>
+            </a:r>
+            <a:r>
+              <a:rPr lang="en-US" altLang="ko-KR" dirty="0">
+                <a:solidFill>
+                  <a:schemeClr val="hlink"/>
+                </a:solidFill>
+                <a:ea typeface="굴림" panose="020B0600000101010101" pitchFamily="50" charset="-127"/>
+              </a:rPr>
+              <a:t>__</a:t>
+            </a:r>
+            <a:r>
+              <a:rPr lang="en-US" altLang="ko-KR" dirty="0">
+                <a:ea typeface="굴림" panose="020B0600000101010101" pitchFamily="50" charset="-127"/>
+              </a:rPr>
+              <a:t> specially for QM</a:t>
+            </a:r>
+          </a:p>
+          <a:p>
+            <a:pPr marL="0" indent="0">
+              <a:buNone/>
+            </a:pPr>
+            <a:endParaRPr lang="ko-KR" altLang="en-US" dirty="0"/>
+          </a:p>
+        </p:txBody>
+      </p:sp>
+    </p:spTree>
+    <p:extLst>
+      <p:ext uri="{BB962C8B-B14F-4D97-AF65-F5344CB8AC3E}">
+        <p14:creationId xmlns:p14="http://schemas.microsoft.com/office/powerpoint/2010/main" val="1106826307"/>
+      </p:ext>
+    </p:extLst>
+  </p:cSld>
+  <p:clrMapOvr>
+    <a:masterClrMapping/>
+  </p:clrMapOvr>
+</p:sld>
+</file>
+
+<file path=ppt/slides/slide12.xml><?xml version="1.0" encoding="utf-8"?>
+<p:sld xmlns:a="http://schemas.openxmlformats.org/drawingml/2006/main" xmlns:r="http://schemas.openxmlformats.org/officeDocument/2006/relationships" xmlns:p="http://schemas.openxmlformats.org/presentationml/2006/main">
+  <p:cSld>
+    <p:spTree>
+      <p:nvGrpSpPr>
+        <p:cNvPr id="1" name=""/>
+        <p:cNvGrpSpPr/>
+        <p:nvPr/>
+      </p:nvGrpSpPr>
+      <p:grpSpPr>
+        <a:xfrm>
+          <a:off x="0" y="0"/>
+          <a:ext cx="0" cy="0"/>
+          <a:chOff x="0" y="0"/>
+          <a:chExt cx="0" cy="0"/>
+        </a:xfrm>
+      </p:grpSpPr>
+      <p:sp>
+        <p:nvSpPr>
+          <p:cNvPr id="2" name="제목 1">
+            <a:extLst>
+              <a:ext uri="{FF2B5EF4-FFF2-40B4-BE49-F238E27FC236}">
+                <a16:creationId xmlns:a16="http://schemas.microsoft.com/office/drawing/2014/main" id="{64CF5886-C1FB-4230-AD59-E057CFCD4D1C}"/>
+              </a:ext>
+            </a:extLst>
+          </p:cNvPr>
+          <p:cNvSpPr>
+            <a:spLocks noGrp="1"/>
+          </p:cNvSpPr>
+          <p:nvPr>
+            <p:ph type="title"/>
+          </p:nvPr>
+        </p:nvSpPr>
+        <p:spPr/>
+        <p:txBody>
+          <a:bodyPr/>
+          <a:lstStyle/>
+          <a:p>
+            <a:r>
+              <a:rPr lang="en-US" altLang="ko-KR" dirty="0"/>
+              <a:t>Adding to parent function</a:t>
+            </a:r>
+            <a:endParaRPr lang="ko-KR" altLang="en-US" dirty="0"/>
+          </a:p>
+        </p:txBody>
+      </p:sp>
+      <p:sp>
+        <p:nvSpPr>
+          <p:cNvPr id="4" name="Rectangle 3">
+            <a:extLst>
+              <a:ext uri="{FF2B5EF4-FFF2-40B4-BE49-F238E27FC236}">
+                <a16:creationId xmlns:a16="http://schemas.microsoft.com/office/drawing/2014/main" id="{31EBBF67-E569-4D16-BADF-B87E2D6B1F49}"/>
+              </a:ext>
+            </a:extLst>
+          </p:cNvPr>
+          <p:cNvSpPr txBox="1">
+            <a:spLocks noChangeArrowheads="1"/>
+          </p:cNvSpPr>
+          <p:nvPr/>
+        </p:nvSpPr>
+        <p:spPr>
+          <a:xfrm>
+            <a:off x="2285301" y="2015732"/>
+            <a:ext cx="8296275" cy="4495800"/>
+          </a:xfrm>
+          <a:prstGeom prst="rect">
+            <a:avLst/>
+          </a:prstGeom>
+        </p:spPr>
+        <p:txBody>
+          <a:bodyPr vert="horz" lIns="91440" tIns="45720" rIns="91440" bIns="45720" rtlCol="0" anchor="t">
+            <a:normAutofit/>
+          </a:bodyPr>
+          <a:lstStyle>
+            <a:lvl1pPr marL="228600" indent="-228600" algn="l" defTabSz="914400" rtl="0" eaLnBrk="1" latinLnBrk="1" hangingPunct="1">
+              <a:lnSpc>
+                <a:spcPct val="120000"/>
+              </a:lnSpc>
+              <a:spcBef>
+                <a:spcPts val="1000"/>
+              </a:spcBef>
+              <a:buClr>
+                <a:schemeClr val="accent1"/>
+              </a:buClr>
+              <a:buSzPct val="100000"/>
+              <a:buFont typeface="Arial" panose="020B0604020202020204" pitchFamily="34" charset="0"/>
+              <a:buChar char="•"/>
+              <a:defRPr sz="2000" kern="1200">
+                <a:solidFill>
+                  <a:schemeClr val="tx1"/>
+                </a:solidFill>
+                <a:effectLst/>
+                <a:latin typeface="+mn-lt"/>
+                <a:ea typeface="+mn-ea"/>
+                <a:cs typeface="+mn-cs"/>
+              </a:defRPr>
+            </a:lvl1pPr>
+            <a:lvl2pPr marL="685800" indent="-228600" algn="l" defTabSz="914400" rtl="0" eaLnBrk="1" latinLnBrk="1" hangingPunct="1">
+              <a:lnSpc>
+                <a:spcPct val="120000"/>
+              </a:lnSpc>
+              <a:spcBef>
+                <a:spcPts val="500"/>
+              </a:spcBef>
+              <a:buClr>
+                <a:schemeClr val="accent1"/>
+              </a:buClr>
+              <a:buSzPct val="100000"/>
+              <a:buFont typeface="Arial" panose="020B0604020202020204" pitchFamily="34" charset="0"/>
+              <a:buChar char="•"/>
+              <a:defRPr sz="1800" kern="1200" cap="none" baseline="0">
+                <a:solidFill>
+                  <a:schemeClr val="tx1"/>
+                </a:solidFill>
+                <a:effectLst/>
+                <a:latin typeface="+mn-lt"/>
+                <a:ea typeface="+mn-ea"/>
+                <a:cs typeface="+mn-cs"/>
+              </a:defRPr>
+            </a:lvl2pPr>
+            <a:lvl3pPr marL="1143000" indent="-228600" algn="l" defTabSz="914400" rtl="0" eaLnBrk="1" latinLnBrk="1" hangingPunct="1">
+              <a:lnSpc>
+                <a:spcPct val="120000"/>
+              </a:lnSpc>
+              <a:spcBef>
+                <a:spcPts val="500"/>
+              </a:spcBef>
+              <a:buClr>
+                <a:schemeClr val="accent1"/>
+              </a:buClr>
+              <a:buSzPct val="100000"/>
+              <a:buFont typeface="Arial" panose="020B0604020202020204" pitchFamily="34" charset="0"/>
+              <a:buChar char="•"/>
+              <a:defRPr sz="1600" kern="1200">
+                <a:solidFill>
+                  <a:schemeClr val="tx1"/>
+                </a:solidFill>
+                <a:effectLst/>
+                <a:latin typeface="+mn-lt"/>
+                <a:ea typeface="+mn-ea"/>
+                <a:cs typeface="+mn-cs"/>
+              </a:defRPr>
+            </a:lvl3pPr>
+            <a:lvl4pPr marL="1600200" indent="-228600" algn="l" defTabSz="914400" rtl="0" eaLnBrk="1" latinLnBrk="1" hangingPunct="1">
+              <a:lnSpc>
+                <a:spcPct val="120000"/>
+              </a:lnSpc>
+              <a:spcBef>
+                <a:spcPts val="500"/>
+              </a:spcBef>
+              <a:buClr>
+                <a:schemeClr val="accent1"/>
+              </a:buClr>
+              <a:buSzPct val="100000"/>
+              <a:buFont typeface="Arial" panose="020B0604020202020204" pitchFamily="34" charset="0"/>
+              <a:buChar char="•"/>
+              <a:defRPr sz="1400" kern="1200" cap="none" baseline="0">
+                <a:solidFill>
+                  <a:schemeClr val="tx1"/>
+                </a:solidFill>
+                <a:effectLst/>
+                <a:latin typeface="+mn-lt"/>
+                <a:ea typeface="+mn-ea"/>
+                <a:cs typeface="+mn-cs"/>
+              </a:defRPr>
+            </a:lvl4pPr>
+            <a:lvl5pPr marL="2057400" indent="-228600" algn="l" defTabSz="914400" rtl="0" eaLnBrk="1" latinLnBrk="1" hangingPunct="1">
+              <a:lnSpc>
+                <a:spcPct val="120000"/>
+              </a:lnSpc>
+              <a:spcBef>
+                <a:spcPts val="500"/>
+              </a:spcBef>
+              <a:buClr>
+                <a:schemeClr val="accent1"/>
+              </a:buClr>
+              <a:buSzPct val="100000"/>
+              <a:buFont typeface="Arial" panose="020B0604020202020204" pitchFamily="34" charset="0"/>
+              <a:buChar char="•"/>
+              <a:defRPr sz="1200" kern="1200">
+                <a:solidFill>
+                  <a:schemeClr val="tx1"/>
+                </a:solidFill>
+                <a:effectLst/>
+                <a:latin typeface="+mn-lt"/>
+                <a:ea typeface="+mn-ea"/>
+                <a:cs typeface="+mn-cs"/>
+              </a:defRPr>
+            </a:lvl5pPr>
+            <a:lvl6pPr marL="2514600" indent="-228600" algn="l" defTabSz="914400" rtl="0" eaLnBrk="1" latinLnBrk="1" hangingPunct="1">
+              <a:lnSpc>
+                <a:spcPct val="120000"/>
+              </a:lnSpc>
+              <a:spcBef>
+                <a:spcPts val="500"/>
+              </a:spcBef>
+              <a:buClr>
+                <a:schemeClr val="accent1"/>
+              </a:buClr>
+              <a:buSzPct val="100000"/>
+              <a:buFont typeface="Arial" panose="020B0604020202020204" pitchFamily="34" charset="0"/>
+              <a:buChar char="•"/>
+              <a:defRPr sz="1200" kern="1200">
+                <a:solidFill>
+                  <a:schemeClr val="tx1"/>
+                </a:solidFill>
+                <a:effectLst/>
+                <a:latin typeface="+mn-lt"/>
+                <a:ea typeface="+mn-ea"/>
+                <a:cs typeface="+mn-cs"/>
+              </a:defRPr>
+            </a:lvl6pPr>
+            <a:lvl7pPr marL="2971800" indent="-228600" algn="l" defTabSz="914400" rtl="0" eaLnBrk="1" latinLnBrk="1" hangingPunct="1">
+              <a:lnSpc>
+                <a:spcPct val="120000"/>
+              </a:lnSpc>
+              <a:spcBef>
+                <a:spcPts val="500"/>
+              </a:spcBef>
+              <a:buClr>
+                <a:schemeClr val="accent1"/>
+              </a:buClr>
+              <a:buSzPct val="100000"/>
+              <a:buFont typeface="Arial" panose="020B0604020202020204" pitchFamily="34" charset="0"/>
+              <a:buChar char="•"/>
+              <a:defRPr sz="1200" kern="1200">
+                <a:solidFill>
+                  <a:schemeClr val="tx1"/>
+                </a:solidFill>
+                <a:effectLst/>
+                <a:latin typeface="+mn-lt"/>
+                <a:ea typeface="+mn-ea"/>
+                <a:cs typeface="+mn-cs"/>
+              </a:defRPr>
+            </a:lvl7pPr>
+            <a:lvl8pPr marL="3429000" indent="-228600" algn="l" defTabSz="914400" rtl="0" eaLnBrk="1" latinLnBrk="1" hangingPunct="1">
+              <a:lnSpc>
+                <a:spcPct val="120000"/>
+              </a:lnSpc>
+              <a:spcBef>
+                <a:spcPts val="500"/>
+              </a:spcBef>
+              <a:buClr>
+                <a:schemeClr val="accent1"/>
+              </a:buClr>
+              <a:buSzPct val="100000"/>
+              <a:buFont typeface="Arial" panose="020B0604020202020204" pitchFamily="34" charset="0"/>
+              <a:buChar char="•"/>
+              <a:defRPr sz="1200" kern="1200" baseline="0">
+                <a:solidFill>
+                  <a:schemeClr val="tx1"/>
+                </a:solidFill>
+                <a:effectLst/>
+                <a:latin typeface="+mn-lt"/>
+                <a:ea typeface="+mn-ea"/>
+                <a:cs typeface="+mn-cs"/>
+              </a:defRPr>
+            </a:lvl8pPr>
+            <a:lvl9pPr marL="3886200" indent="-228600" algn="l" defTabSz="914400" rtl="0" eaLnBrk="1" latinLnBrk="1" hangingPunct="1">
+              <a:lnSpc>
+                <a:spcPct val="120000"/>
+              </a:lnSpc>
+              <a:spcBef>
+                <a:spcPts val="500"/>
+              </a:spcBef>
+              <a:buClr>
+                <a:schemeClr val="accent1"/>
+              </a:buClr>
+              <a:buSzPct val="100000"/>
+              <a:buFont typeface="Arial" panose="020B0604020202020204" pitchFamily="34" charset="0"/>
+              <a:buChar char="•"/>
+              <a:defRPr sz="1200" kern="1200" baseline="0">
+                <a:solidFill>
+                  <a:schemeClr val="tx1"/>
+                </a:solidFill>
+                <a:effectLst/>
+                <a:latin typeface="+mn-lt"/>
+                <a:ea typeface="+mn-ea"/>
+                <a:cs typeface="+mn-cs"/>
+              </a:defRPr>
+            </a:lvl9pPr>
+          </a:lstStyle>
+          <a:p>
+            <a:r>
+              <a:rPr lang="en-US" altLang="ko-KR">
+                <a:ea typeface="굴림" panose="020B0600000101010101" pitchFamily="50" charset="-127"/>
+              </a:rPr>
+              <a:t>Sometimes you want to extend, rather than replace, the parent functions.</a:t>
+            </a:r>
+          </a:p>
+          <a:p>
+            <a:pPr lvl="2"/>
+            <a:endParaRPr lang="en-US" altLang="ko-KR">
+              <a:ea typeface="굴림" panose="020B0600000101010101" pitchFamily="50" charset="-127"/>
+            </a:endParaRPr>
+          </a:p>
+          <a:p>
+            <a:pPr lvl="2"/>
+            <a:endParaRPr lang="en-US" altLang="ko-KR">
+              <a:ea typeface="굴림" panose="020B0600000101010101" pitchFamily="50" charset="-127"/>
+            </a:endParaRPr>
+          </a:p>
+          <a:p>
+            <a:pPr lvl="2"/>
+            <a:r>
+              <a:rPr lang="en-US" altLang="ko-KR">
+                <a:ea typeface="굴림" panose="020B0600000101010101" pitchFamily="50" charset="-127"/>
+              </a:rPr>
+              <a:t>class qm_molecule(molecule):</a:t>
+            </a:r>
+          </a:p>
+          <a:p>
+            <a:pPr lvl="2"/>
+            <a:r>
+              <a:rPr lang="en-US" altLang="ko-KR">
+                <a:ea typeface="굴림" panose="020B0600000101010101" pitchFamily="50" charset="-127"/>
+              </a:rPr>
+              <a:t>	def __init__(self,name="Generic",basis="6-31G**"):</a:t>
+            </a:r>
+          </a:p>
+          <a:p>
+            <a:pPr lvl="2"/>
+            <a:r>
+              <a:rPr lang="en-US" altLang="ko-KR">
+                <a:ea typeface="굴림" panose="020B0600000101010101" pitchFamily="50" charset="-127"/>
+              </a:rPr>
+              <a:t>		self.basis = basis</a:t>
+            </a:r>
+          </a:p>
+          <a:p>
+            <a:pPr lvl="2"/>
+            <a:r>
+              <a:rPr lang="en-US" altLang="ko-KR">
+                <a:ea typeface="굴림" panose="020B0600000101010101" pitchFamily="50" charset="-127"/>
+              </a:rPr>
+              <a:t>		molecule.__init__(self,name)</a:t>
+            </a:r>
+            <a:endParaRPr lang="en-US" altLang="ko-KR" dirty="0">
+              <a:ea typeface="굴림" panose="020B0600000101010101" pitchFamily="50" charset="-127"/>
+            </a:endParaRPr>
+          </a:p>
+        </p:txBody>
+      </p:sp>
+      <p:sp>
+        <p:nvSpPr>
+          <p:cNvPr id="5" name="Text Box 4">
+            <a:extLst>
+              <a:ext uri="{FF2B5EF4-FFF2-40B4-BE49-F238E27FC236}">
+                <a16:creationId xmlns:a16="http://schemas.microsoft.com/office/drawing/2014/main" id="{ABD289F3-5A31-4020-89B0-A6E3331283C6}"/>
+              </a:ext>
+            </a:extLst>
+          </p:cNvPr>
+          <p:cNvSpPr txBox="1">
+            <a:spLocks noChangeArrowheads="1"/>
+          </p:cNvSpPr>
+          <p:nvPr/>
+        </p:nvSpPr>
+        <p:spPr bwMode="auto">
+          <a:xfrm>
+            <a:off x="7009701" y="5292332"/>
+            <a:ext cx="2914650" cy="822325"/>
+          </a:xfrm>
+          <a:prstGeom prst="rect">
+            <a:avLst/>
+          </a:prstGeom>
+          <a:noFill/>
+          <a:ln>
+            <a:noFill/>
+          </a:ln>
+          <a:effectLst/>
+          <a:extLst>
+            <a:ext uri="{909E8E84-426E-40DD-AFC4-6F175D3DCCD1}">
+              <a14:hiddenFill xmlns:a14="http://schemas.microsoft.com/office/drawing/2010/main">
+                <a:solidFill>
+                  <a:schemeClr val="accent1"/>
+                </a:solidFill>
+              </a14:hiddenFill>
+            </a:ext>
+            <a:ext uri="{91240B29-F687-4F45-9708-019B960494DF}">
+              <a14:hiddenLine xmlns:a14="http://schemas.microsoft.com/office/drawing/2010/main" w="9525">
+                <a:solidFill>
+                  <a:schemeClr val="tx1"/>
+                </a:solidFill>
+                <a:miter lim="800000"/>
+                <a:headEnd/>
+                <a:tailEnd/>
+              </a14:hiddenLine>
+            </a:ext>
+            <a:ext uri="{AF507438-7753-43E0-B8FC-AC1667EBCBE1}">
+              <a14:hiddenEffects xmlns:a14="http://schemas.microsoft.com/office/drawing/2010/main">
+                <a:effectLst>
+                  <a:outerShdw dist="35921" dir="2700000" algn="ctr" rotWithShape="0">
+                    <a:schemeClr val="bg2"/>
+                  </a:outerShdw>
+                </a:effectLst>
+              </a14:hiddenEffects>
+            </a:ext>
+          </a:extLst>
+        </p:spPr>
+        <p:txBody>
+          <a:bodyPr wrap="none" lIns="92075" tIns="46038" rIns="92075" bIns="46038">
+            <a:spAutoFit/>
+          </a:bodyPr>
+          <a:lstStyle/>
+          <a:p>
+            <a:r>
+              <a:rPr lang="en-US" altLang="ko-KR">
+                <a:solidFill>
+                  <a:schemeClr val="accent1"/>
+                </a:solidFill>
+                <a:ea typeface="굴림" panose="020B0600000101010101" pitchFamily="50" charset="-127"/>
+              </a:rPr>
+              <a:t>call the constructor</a:t>
+            </a:r>
+          </a:p>
+          <a:p>
+            <a:r>
+              <a:rPr lang="en-US" altLang="ko-KR">
+                <a:solidFill>
+                  <a:schemeClr val="accent1"/>
+                </a:solidFill>
+                <a:ea typeface="굴림" panose="020B0600000101010101" pitchFamily="50" charset="-127"/>
+              </a:rPr>
+              <a:t>for the parent function</a:t>
+            </a:r>
+          </a:p>
+        </p:txBody>
+      </p:sp>
+      <p:sp>
+        <p:nvSpPr>
+          <p:cNvPr id="6" name="Line 5">
+            <a:extLst>
+              <a:ext uri="{FF2B5EF4-FFF2-40B4-BE49-F238E27FC236}">
+                <a16:creationId xmlns:a16="http://schemas.microsoft.com/office/drawing/2014/main" id="{9CFECD15-6EB3-4A99-AA3C-0093C79F96EF}"/>
+              </a:ext>
+            </a:extLst>
+          </p:cNvPr>
+          <p:cNvSpPr>
+            <a:spLocks noChangeShapeType="1"/>
+          </p:cNvSpPr>
+          <p:nvPr/>
+        </p:nvSpPr>
+        <p:spPr bwMode="auto">
+          <a:xfrm flipH="1" flipV="1">
+            <a:off x="6095301" y="4835132"/>
+            <a:ext cx="990600" cy="457200"/>
+          </a:xfrm>
+          <a:prstGeom prst="line">
+            <a:avLst/>
+          </a:prstGeom>
+          <a:noFill/>
+          <a:ln w="9525">
+            <a:solidFill>
+              <a:schemeClr val="accent1"/>
+            </a:solidFill>
+            <a:round/>
+            <a:headEnd/>
+            <a:tailEnd type="triangle" w="lg" len="med"/>
+          </a:ln>
+          <a:effectLst/>
+          <a:extLst>
+            <a:ext uri="{909E8E84-426E-40DD-AFC4-6F175D3DCCD1}">
+              <a14:hiddenFill xmlns:a14="http://schemas.microsoft.com/office/drawing/2010/main">
+                <a:noFill/>
+              </a14:hiddenFill>
+            </a:ext>
+            <a:ext uri="{AF507438-7753-43E0-B8FC-AC1667EBCBE1}">
+              <a14:hiddenEffects xmlns:a14="http://schemas.microsoft.com/office/drawing/2010/main">
+                <a:effectLst>
+                  <a:outerShdw dist="35921" dir="2700000" algn="ctr" rotWithShape="0">
+                    <a:schemeClr val="bg2"/>
+                  </a:outerShdw>
+                </a:effectLst>
+              </a14:hiddenEffects>
+            </a:ext>
+          </a:extLst>
+        </p:spPr>
+        <p:txBody>
+          <a:bodyPr lIns="92075" tIns="46038" rIns="92075" bIns="46038"/>
+          <a:lstStyle/>
+          <a:p>
+            <a:endParaRPr lang="ko-KR" altLang="en-US"/>
+          </a:p>
+        </p:txBody>
+      </p:sp>
+      <p:sp>
+        <p:nvSpPr>
+          <p:cNvPr id="7" name="Text Box 6">
+            <a:extLst>
+              <a:ext uri="{FF2B5EF4-FFF2-40B4-BE49-F238E27FC236}">
+                <a16:creationId xmlns:a16="http://schemas.microsoft.com/office/drawing/2014/main" id="{9EFCB6A1-9639-4708-8701-0F42EBAB6173}"/>
+              </a:ext>
+            </a:extLst>
+          </p:cNvPr>
+          <p:cNvSpPr txBox="1">
+            <a:spLocks noChangeArrowheads="1"/>
+          </p:cNvSpPr>
+          <p:nvPr/>
+        </p:nvSpPr>
+        <p:spPr bwMode="auto">
+          <a:xfrm>
+            <a:off x="2361501" y="5063732"/>
+            <a:ext cx="3548063" cy="822325"/>
+          </a:xfrm>
+          <a:prstGeom prst="rect">
+            <a:avLst/>
+          </a:prstGeom>
+          <a:noFill/>
+          <a:ln>
+            <a:noFill/>
+          </a:ln>
+          <a:effectLst/>
+          <a:extLst>
+            <a:ext uri="{909E8E84-426E-40DD-AFC4-6F175D3DCCD1}">
+              <a14:hiddenFill xmlns:a14="http://schemas.microsoft.com/office/drawing/2010/main">
+                <a:solidFill>
+                  <a:schemeClr val="accent1"/>
+                </a:solidFill>
+              </a14:hiddenFill>
+            </a:ext>
+            <a:ext uri="{91240B29-F687-4F45-9708-019B960494DF}">
+              <a14:hiddenLine xmlns:a14="http://schemas.microsoft.com/office/drawing/2010/main" w="9525">
+                <a:solidFill>
+                  <a:schemeClr val="tx1"/>
+                </a:solidFill>
+                <a:miter lim="800000"/>
+                <a:headEnd/>
+                <a:tailEnd/>
+              </a14:hiddenLine>
+            </a:ext>
+            <a:ext uri="{AF507438-7753-43E0-B8FC-AC1667EBCBE1}">
+              <a14:hiddenEffects xmlns:a14="http://schemas.microsoft.com/office/drawing/2010/main">
+                <a:effectLst>
+                  <a:outerShdw dist="35921" dir="2700000" algn="ctr" rotWithShape="0">
+                    <a:schemeClr val="bg2"/>
+                  </a:outerShdw>
+                </a:effectLst>
+              </a14:hiddenEffects>
+            </a:ext>
+          </a:extLst>
+        </p:spPr>
+        <p:txBody>
+          <a:bodyPr wrap="none" lIns="92075" tIns="46038" rIns="92075" bIns="46038">
+            <a:spAutoFit/>
+          </a:bodyPr>
+          <a:lstStyle/>
+          <a:p>
+            <a:r>
+              <a:rPr lang="en-US" altLang="ko-KR">
+                <a:solidFill>
+                  <a:schemeClr val="accent1"/>
+                </a:solidFill>
+                <a:ea typeface="굴림" panose="020B0600000101010101" pitchFamily="50" charset="-127"/>
+              </a:rPr>
+              <a:t>add additional functionality</a:t>
+            </a:r>
+          </a:p>
+          <a:p>
+            <a:r>
+              <a:rPr lang="en-US" altLang="ko-KR">
+                <a:solidFill>
+                  <a:schemeClr val="accent1"/>
+                </a:solidFill>
+                <a:ea typeface="굴림" panose="020B0600000101010101" pitchFamily="50" charset="-127"/>
+              </a:rPr>
+              <a:t>to the constructor</a:t>
+            </a:r>
+          </a:p>
+        </p:txBody>
+      </p:sp>
+      <p:sp>
+        <p:nvSpPr>
+          <p:cNvPr id="8" name="Line 7">
+            <a:extLst>
+              <a:ext uri="{FF2B5EF4-FFF2-40B4-BE49-F238E27FC236}">
+                <a16:creationId xmlns:a16="http://schemas.microsoft.com/office/drawing/2014/main" id="{187FA916-1086-49AE-BD41-4AA5C416306A}"/>
+              </a:ext>
+            </a:extLst>
+          </p:cNvPr>
+          <p:cNvSpPr>
+            <a:spLocks noChangeShapeType="1"/>
+          </p:cNvSpPr>
+          <p:nvPr/>
+        </p:nvSpPr>
+        <p:spPr bwMode="auto">
+          <a:xfrm flipV="1">
+            <a:off x="3428301" y="4377932"/>
+            <a:ext cx="685800" cy="838200"/>
+          </a:xfrm>
+          <a:prstGeom prst="line">
+            <a:avLst/>
+          </a:prstGeom>
+          <a:noFill/>
+          <a:ln w="9525">
+            <a:solidFill>
+              <a:schemeClr val="accent1"/>
+            </a:solidFill>
+            <a:round/>
+            <a:headEnd/>
+            <a:tailEnd type="triangle" w="lg" len="med"/>
+          </a:ln>
+          <a:effectLst/>
+          <a:extLst>
+            <a:ext uri="{909E8E84-426E-40DD-AFC4-6F175D3DCCD1}">
+              <a14:hiddenFill xmlns:a14="http://schemas.microsoft.com/office/drawing/2010/main">
+                <a:noFill/>
+              </a14:hiddenFill>
+            </a:ext>
+            <a:ext uri="{AF507438-7753-43E0-B8FC-AC1667EBCBE1}">
+              <a14:hiddenEffects xmlns:a14="http://schemas.microsoft.com/office/drawing/2010/main">
+                <a:effectLst>
+                  <a:outerShdw dist="35921" dir="2700000" algn="ctr" rotWithShape="0">
+                    <a:schemeClr val="bg2"/>
+                  </a:outerShdw>
+                </a:effectLst>
+              </a14:hiddenEffects>
+            </a:ext>
+          </a:extLst>
+        </p:spPr>
+        <p:txBody>
+          <a:bodyPr lIns="92075" tIns="46038" rIns="92075" bIns="46038"/>
+          <a:lstStyle/>
+          <a:p>
+            <a:endParaRPr lang="ko-KR" altLang="en-US"/>
+          </a:p>
+        </p:txBody>
+      </p:sp>
+    </p:spTree>
+    <p:extLst>
+      <p:ext uri="{BB962C8B-B14F-4D97-AF65-F5344CB8AC3E}">
+        <p14:creationId xmlns:p14="http://schemas.microsoft.com/office/powerpoint/2010/main" val="1786638256"/>
+      </p:ext>
+    </p:extLst>
+  </p:cSld>
+  <p:clrMapOvr>
+    <a:masterClrMapping/>
+  </p:clrMapOvr>
+</p:sld>
+</file>
+
+<file path=ppt/slides/slide13.xml><?xml version="1.0" encoding="utf-8"?>
+<p:sld xmlns:a="http://schemas.openxmlformats.org/drawingml/2006/main" xmlns:r="http://schemas.openxmlformats.org/officeDocument/2006/relationships" xmlns:p="http://schemas.openxmlformats.org/presentationml/2006/main">
+  <p:cSld>
+    <p:spTree>
+      <p:nvGrpSpPr>
+        <p:cNvPr id="1" name=""/>
+        <p:cNvGrpSpPr/>
+        <p:nvPr/>
+      </p:nvGrpSpPr>
+      <p:grpSpPr>
+        <a:xfrm>
+          <a:off x="0" y="0"/>
+          <a:ext cx="0" cy="0"/>
+          <a:chOff x="0" y="0"/>
+          <a:chExt cx="0" cy="0"/>
+        </a:xfrm>
+      </p:grpSpPr>
+      <p:sp>
+        <p:nvSpPr>
+          <p:cNvPr id="2" name="제목 1">
+            <a:extLst>
+              <a:ext uri="{FF2B5EF4-FFF2-40B4-BE49-F238E27FC236}">
+                <a16:creationId xmlns:a16="http://schemas.microsoft.com/office/drawing/2014/main" id="{F6836BC5-84A4-44A2-B094-9B64547E8045}"/>
+              </a:ext>
+            </a:extLst>
+          </p:cNvPr>
+          <p:cNvSpPr>
+            <a:spLocks noGrp="1"/>
+          </p:cNvSpPr>
+          <p:nvPr>
+            <p:ph type="title"/>
+          </p:nvPr>
+        </p:nvSpPr>
+        <p:spPr/>
+        <p:txBody>
+          <a:bodyPr/>
+          <a:lstStyle/>
+          <a:p>
+            <a:r>
+              <a:rPr lang="en-US" altLang="ko-KR" dirty="0"/>
+              <a:t>Encapsulated Atom</a:t>
+            </a:r>
+            <a:endParaRPr lang="ko-KR" altLang="en-US" dirty="0"/>
+          </a:p>
+        </p:txBody>
+      </p:sp>
+      <p:sp>
+        <p:nvSpPr>
+          <p:cNvPr id="4" name="Rectangle 3">
+            <a:extLst>
+              <a:ext uri="{FF2B5EF4-FFF2-40B4-BE49-F238E27FC236}">
+                <a16:creationId xmlns:a16="http://schemas.microsoft.com/office/drawing/2014/main" id="{CDC3EC88-2861-4551-AEF9-4159D76EC670}"/>
+              </a:ext>
+            </a:extLst>
+          </p:cNvPr>
+          <p:cNvSpPr>
+            <a:spLocks noGrp="1" noChangeArrowheads="1"/>
+          </p:cNvSpPr>
+          <p:nvPr>
+            <p:ph idx="1"/>
+          </p:nvPr>
+        </p:nvSpPr>
+        <p:spPr/>
+        <p:txBody>
+          <a:bodyPr>
+            <a:normAutofit fontScale="92500" lnSpcReduction="20000"/>
+          </a:bodyPr>
+          <a:lstStyle/>
+          <a:p>
+            <a:pPr lvl="2"/>
+            <a:r>
+              <a:rPr lang="en-US" altLang="ko-KR" dirty="0">
+                <a:ea typeface="굴림" panose="020B0600000101010101" pitchFamily="50" charset="-127"/>
+              </a:rPr>
+              <a:t>class atom:</a:t>
+            </a:r>
+          </a:p>
+          <a:p>
+            <a:pPr lvl="2"/>
+            <a:r>
+              <a:rPr lang="en-US" altLang="ko-KR" dirty="0">
+                <a:ea typeface="굴림" panose="020B0600000101010101" pitchFamily="50" charset="-127"/>
+              </a:rPr>
+              <a:t>	def __</a:t>
+            </a:r>
+            <a:r>
+              <a:rPr lang="en-US" altLang="ko-KR" dirty="0" err="1">
+                <a:ea typeface="굴림" panose="020B0600000101010101" pitchFamily="50" charset="-127"/>
+              </a:rPr>
+              <a:t>init</a:t>
+            </a:r>
+            <a:r>
+              <a:rPr lang="en-US" altLang="ko-KR" dirty="0">
+                <a:ea typeface="굴림" panose="020B0600000101010101" pitchFamily="50" charset="-127"/>
+              </a:rPr>
+              <a:t>__(</a:t>
+            </a:r>
+            <a:r>
+              <a:rPr lang="en-US" altLang="ko-KR" dirty="0" err="1">
+                <a:ea typeface="굴림" panose="020B0600000101010101" pitchFamily="50" charset="-127"/>
+              </a:rPr>
+              <a:t>self,atno,x,y,z</a:t>
+            </a:r>
+            <a:r>
+              <a:rPr lang="en-US" altLang="ko-KR" dirty="0">
+                <a:ea typeface="굴림" panose="020B0600000101010101" pitchFamily="50" charset="-127"/>
+              </a:rPr>
+              <a:t>):</a:t>
+            </a:r>
+          </a:p>
+          <a:p>
+            <a:pPr lvl="2"/>
+            <a:r>
+              <a:rPr lang="en-US" altLang="ko-KR" dirty="0">
+                <a:ea typeface="굴림" panose="020B0600000101010101" pitchFamily="50" charset="-127"/>
+              </a:rPr>
+              <a:t>		</a:t>
+            </a:r>
+            <a:r>
+              <a:rPr lang="en-US" altLang="ko-KR" dirty="0" err="1">
+                <a:ea typeface="굴림" panose="020B0600000101010101" pitchFamily="50" charset="-127"/>
+              </a:rPr>
+              <a:t>self.atno</a:t>
+            </a:r>
+            <a:r>
+              <a:rPr lang="en-US" altLang="ko-KR" dirty="0">
+                <a:ea typeface="굴림" panose="020B0600000101010101" pitchFamily="50" charset="-127"/>
+              </a:rPr>
+              <a:t> = </a:t>
+            </a:r>
+            <a:r>
+              <a:rPr lang="en-US" altLang="ko-KR" dirty="0" err="1">
+                <a:ea typeface="굴림" panose="020B0600000101010101" pitchFamily="50" charset="-127"/>
+              </a:rPr>
+              <a:t>atno</a:t>
+            </a:r>
+            <a:endParaRPr lang="en-US" altLang="ko-KR" dirty="0">
+              <a:ea typeface="굴림" panose="020B0600000101010101" pitchFamily="50" charset="-127"/>
+            </a:endParaRPr>
+          </a:p>
+          <a:p>
+            <a:pPr lvl="2"/>
+            <a:r>
+              <a:rPr lang="en-US" altLang="ko-KR" dirty="0">
+                <a:ea typeface="굴림" panose="020B0600000101010101" pitchFamily="50" charset="-127"/>
+              </a:rPr>
+              <a:t>		</a:t>
+            </a:r>
+            <a:r>
+              <a:rPr lang="en-US" altLang="ko-KR" dirty="0" err="1">
+                <a:ea typeface="굴림" panose="020B0600000101010101" pitchFamily="50" charset="-127"/>
+              </a:rPr>
+              <a:t>self.__position</a:t>
+            </a:r>
+            <a:r>
+              <a:rPr lang="en-US" altLang="ko-KR" dirty="0">
+                <a:ea typeface="굴림" panose="020B0600000101010101" pitchFamily="50" charset="-127"/>
+              </a:rPr>
+              <a:t> = (</a:t>
+            </a:r>
+            <a:r>
+              <a:rPr lang="en-US" altLang="ko-KR" dirty="0" err="1">
+                <a:ea typeface="굴림" panose="020B0600000101010101" pitchFamily="50" charset="-127"/>
+              </a:rPr>
+              <a:t>x,y,z</a:t>
+            </a:r>
+            <a:r>
+              <a:rPr lang="en-US" altLang="ko-KR" dirty="0">
+                <a:ea typeface="굴림" panose="020B0600000101010101" pitchFamily="50" charset="-127"/>
+              </a:rPr>
+              <a:t>) </a:t>
+            </a:r>
+            <a:r>
+              <a:rPr lang="en-US" altLang="ko-KR" dirty="0">
+                <a:solidFill>
+                  <a:schemeClr val="hlink"/>
+                </a:solidFill>
+                <a:ea typeface="굴림" panose="020B0600000101010101" pitchFamily="50" charset="-127"/>
+              </a:rPr>
+              <a:t>#position is private</a:t>
+            </a:r>
+          </a:p>
+          <a:p>
+            <a:pPr lvl="2"/>
+            <a:r>
+              <a:rPr lang="en-US" altLang="ko-KR" dirty="0">
+                <a:ea typeface="굴림" panose="020B0600000101010101" pitchFamily="50" charset="-127"/>
+              </a:rPr>
+              <a:t>	def </a:t>
+            </a:r>
+            <a:r>
+              <a:rPr lang="en-US" altLang="ko-KR" dirty="0" err="1">
+                <a:ea typeface="굴림" panose="020B0600000101010101" pitchFamily="50" charset="-127"/>
+              </a:rPr>
+              <a:t>getposition</a:t>
+            </a:r>
+            <a:r>
+              <a:rPr lang="en-US" altLang="ko-KR" dirty="0">
+                <a:ea typeface="굴림" panose="020B0600000101010101" pitchFamily="50" charset="-127"/>
+              </a:rPr>
+              <a:t>(self):</a:t>
+            </a:r>
+          </a:p>
+          <a:p>
+            <a:pPr lvl="2"/>
+            <a:r>
+              <a:rPr lang="en-US" altLang="ko-KR" dirty="0">
+                <a:ea typeface="굴림" panose="020B0600000101010101" pitchFamily="50" charset="-127"/>
+              </a:rPr>
+              <a:t>		return </a:t>
+            </a:r>
+            <a:r>
+              <a:rPr lang="en-US" altLang="ko-KR" dirty="0" err="1">
+                <a:ea typeface="굴림" panose="020B0600000101010101" pitchFamily="50" charset="-127"/>
+              </a:rPr>
+              <a:t>self.__position</a:t>
+            </a:r>
+            <a:endParaRPr lang="en-US" altLang="ko-KR" dirty="0">
+              <a:ea typeface="굴림" panose="020B0600000101010101" pitchFamily="50" charset="-127"/>
+            </a:endParaRPr>
+          </a:p>
+          <a:p>
+            <a:pPr lvl="2"/>
+            <a:r>
+              <a:rPr lang="en-US" altLang="ko-KR" dirty="0">
+                <a:ea typeface="굴림" panose="020B0600000101010101" pitchFamily="50" charset="-127"/>
+              </a:rPr>
+              <a:t>	def </a:t>
+            </a:r>
+            <a:r>
+              <a:rPr lang="en-US" altLang="ko-KR" dirty="0" err="1">
+                <a:ea typeface="굴림" panose="020B0600000101010101" pitchFamily="50" charset="-127"/>
+              </a:rPr>
+              <a:t>setposition</a:t>
+            </a:r>
+            <a:r>
+              <a:rPr lang="en-US" altLang="ko-KR" dirty="0">
+                <a:ea typeface="굴림" panose="020B0600000101010101" pitchFamily="50" charset="-127"/>
+              </a:rPr>
+              <a:t>(</a:t>
+            </a:r>
+            <a:r>
+              <a:rPr lang="en-US" altLang="ko-KR" dirty="0" err="1">
+                <a:ea typeface="굴림" panose="020B0600000101010101" pitchFamily="50" charset="-127"/>
+              </a:rPr>
+              <a:t>self,x,y,z</a:t>
+            </a:r>
+            <a:r>
+              <a:rPr lang="en-US" altLang="ko-KR" dirty="0">
+                <a:ea typeface="굴림" panose="020B0600000101010101" pitchFamily="50" charset="-127"/>
+              </a:rPr>
+              <a:t>):</a:t>
+            </a:r>
+          </a:p>
+          <a:p>
+            <a:pPr lvl="2"/>
+            <a:r>
+              <a:rPr lang="en-US" altLang="ko-KR" dirty="0">
+                <a:ea typeface="굴림" panose="020B0600000101010101" pitchFamily="50" charset="-127"/>
+              </a:rPr>
+              <a:t>		</a:t>
+            </a:r>
+            <a:r>
+              <a:rPr lang="en-US" altLang="ko-KR" dirty="0" err="1">
+                <a:ea typeface="굴림" panose="020B0600000101010101" pitchFamily="50" charset="-127"/>
+              </a:rPr>
+              <a:t>self.__position</a:t>
+            </a:r>
+            <a:r>
+              <a:rPr lang="en-US" altLang="ko-KR" dirty="0">
+                <a:ea typeface="굴림" panose="020B0600000101010101" pitchFamily="50" charset="-127"/>
+              </a:rPr>
+              <a:t> = (</a:t>
+            </a:r>
+            <a:r>
+              <a:rPr lang="en-US" altLang="ko-KR" dirty="0" err="1">
+                <a:ea typeface="굴림" panose="020B0600000101010101" pitchFamily="50" charset="-127"/>
+              </a:rPr>
+              <a:t>x,y,z</a:t>
+            </a:r>
+            <a:r>
+              <a:rPr lang="en-US" altLang="ko-KR" dirty="0">
+                <a:ea typeface="굴림" panose="020B0600000101010101" pitchFamily="50" charset="-127"/>
+              </a:rPr>
+              <a:t>) </a:t>
+            </a:r>
+            <a:r>
+              <a:rPr lang="en-US" altLang="ko-KR" dirty="0">
+                <a:solidFill>
+                  <a:schemeClr val="hlink"/>
+                </a:solidFill>
+                <a:ea typeface="굴림" panose="020B0600000101010101" pitchFamily="50" charset="-127"/>
+              </a:rPr>
+              <a:t>#</a:t>
+            </a:r>
+            <a:r>
+              <a:rPr lang="en-US" altLang="ko-KR" dirty="0" err="1">
+                <a:solidFill>
+                  <a:schemeClr val="hlink"/>
+                </a:solidFill>
+                <a:ea typeface="굴림" panose="020B0600000101010101" pitchFamily="50" charset="-127"/>
+              </a:rPr>
+              <a:t>typecheck</a:t>
+            </a:r>
+            <a:r>
+              <a:rPr lang="en-US" altLang="ko-KR" dirty="0">
+                <a:solidFill>
+                  <a:schemeClr val="hlink"/>
+                </a:solidFill>
+                <a:ea typeface="굴림" panose="020B0600000101010101" pitchFamily="50" charset="-127"/>
+              </a:rPr>
+              <a:t> first!</a:t>
+            </a:r>
+          </a:p>
+          <a:p>
+            <a:pPr lvl="2"/>
+            <a:r>
+              <a:rPr lang="en-US" altLang="ko-KR" dirty="0">
+                <a:ea typeface="굴림" panose="020B0600000101010101" pitchFamily="50" charset="-127"/>
+              </a:rPr>
+              <a:t>	def translate(</a:t>
+            </a:r>
+            <a:r>
+              <a:rPr lang="en-US" altLang="ko-KR" dirty="0" err="1">
+                <a:ea typeface="굴림" panose="020B0600000101010101" pitchFamily="50" charset="-127"/>
+              </a:rPr>
+              <a:t>self,x,y,z</a:t>
+            </a:r>
+            <a:r>
+              <a:rPr lang="en-US" altLang="ko-KR" dirty="0">
+                <a:ea typeface="굴림" panose="020B0600000101010101" pitchFamily="50" charset="-127"/>
+              </a:rPr>
+              <a:t>):</a:t>
+            </a:r>
+          </a:p>
+          <a:p>
+            <a:pPr lvl="2"/>
+            <a:r>
+              <a:rPr lang="en-US" altLang="ko-KR" dirty="0">
+                <a:ea typeface="굴림" panose="020B0600000101010101" pitchFamily="50" charset="-127"/>
+              </a:rPr>
+              <a:t>		x0,y0,z0 = </a:t>
+            </a:r>
+            <a:r>
+              <a:rPr lang="en-US" altLang="ko-KR" dirty="0" err="1">
+                <a:ea typeface="굴림" panose="020B0600000101010101" pitchFamily="50" charset="-127"/>
+              </a:rPr>
+              <a:t>self.__position</a:t>
+            </a:r>
+            <a:endParaRPr lang="en-US" altLang="ko-KR" dirty="0">
+              <a:ea typeface="굴림" panose="020B0600000101010101" pitchFamily="50" charset="-127"/>
+            </a:endParaRPr>
+          </a:p>
+          <a:p>
+            <a:pPr lvl="2"/>
+            <a:r>
+              <a:rPr lang="en-US" altLang="ko-KR" dirty="0">
+                <a:ea typeface="굴림" panose="020B0600000101010101" pitchFamily="50" charset="-127"/>
+              </a:rPr>
+              <a:t>		</a:t>
+            </a:r>
+            <a:r>
+              <a:rPr lang="en-US" altLang="ko-KR" dirty="0" err="1">
+                <a:ea typeface="굴림" panose="020B0600000101010101" pitchFamily="50" charset="-127"/>
+              </a:rPr>
+              <a:t>self.__position</a:t>
+            </a:r>
+            <a:r>
+              <a:rPr lang="en-US" altLang="ko-KR" dirty="0">
+                <a:ea typeface="굴림" panose="020B0600000101010101" pitchFamily="50" charset="-127"/>
+              </a:rPr>
+              <a:t> = (x0+x,y0+y,z0+z)</a:t>
+            </a:r>
+          </a:p>
+          <a:p>
+            <a:pPr lvl="2"/>
+            <a:endParaRPr lang="en-US" altLang="ko-KR" dirty="0">
+              <a:ea typeface="굴림" panose="020B0600000101010101" pitchFamily="50" charset="-127"/>
+            </a:endParaRPr>
+          </a:p>
+        </p:txBody>
+      </p:sp>
+    </p:spTree>
+    <p:extLst>
+      <p:ext uri="{BB962C8B-B14F-4D97-AF65-F5344CB8AC3E}">
+        <p14:creationId xmlns:p14="http://schemas.microsoft.com/office/powerpoint/2010/main" val="2941383290"/>
+      </p:ext>
+    </p:extLst>
+  </p:cSld>
+  <p:clrMapOvr>
+    <a:masterClrMapping/>
+  </p:clrMapOvr>
+</p:sld>
+</file>
+
+<file path=ppt/slides/slide14.xml><?xml version="1.0" encoding="utf-8"?>
+<p:sld xmlns:a="http://schemas.openxmlformats.org/drawingml/2006/main" xmlns:r="http://schemas.openxmlformats.org/officeDocument/2006/relationships" xmlns:p="http://schemas.openxmlformats.org/presentationml/2006/main">
+  <p:cSld>
+    <p:spTree>
+      <p:nvGrpSpPr>
+        <p:cNvPr id="1" name=""/>
+        <p:cNvGrpSpPr/>
+        <p:nvPr/>
+      </p:nvGrpSpPr>
+      <p:grpSpPr>
+        <a:xfrm>
+          <a:off x="0" y="0"/>
+          <a:ext cx="0" cy="0"/>
+          <a:chOff x="0" y="0"/>
+          <a:chExt cx="0" cy="0"/>
+        </a:xfrm>
+      </p:grpSpPr>
+      <p:sp>
+        <p:nvSpPr>
+          <p:cNvPr id="2" name="제목 1">
+            <a:extLst>
+              <a:ext uri="{FF2B5EF4-FFF2-40B4-BE49-F238E27FC236}">
+                <a16:creationId xmlns:a16="http://schemas.microsoft.com/office/drawing/2014/main" id="{DE3F1FC5-5590-4EC1-B941-EED9DAF23191}"/>
+              </a:ext>
+            </a:extLst>
+          </p:cNvPr>
+          <p:cNvSpPr>
+            <a:spLocks noGrp="1"/>
+          </p:cNvSpPr>
+          <p:nvPr>
+            <p:ph type="title"/>
+          </p:nvPr>
+        </p:nvSpPr>
+        <p:spPr/>
+        <p:txBody>
+          <a:bodyPr/>
+          <a:lstStyle/>
+          <a:p>
+            <a:r>
+              <a:rPr lang="en-US" altLang="ko-KR" dirty="0"/>
+              <a:t>Why Encapsulate?</a:t>
+            </a:r>
+            <a:endParaRPr lang="ko-KR" altLang="en-US" dirty="0"/>
+          </a:p>
+        </p:txBody>
+      </p:sp>
+      <p:sp>
+        <p:nvSpPr>
+          <p:cNvPr id="4" name="Rectangle 3">
+            <a:extLst>
+              <a:ext uri="{FF2B5EF4-FFF2-40B4-BE49-F238E27FC236}">
+                <a16:creationId xmlns:a16="http://schemas.microsoft.com/office/drawing/2014/main" id="{23D96673-F3F8-41E9-A981-7874C53DD2CC}"/>
+              </a:ext>
+            </a:extLst>
+          </p:cNvPr>
+          <p:cNvSpPr>
+            <a:spLocks noGrp="1" noChangeArrowheads="1"/>
+          </p:cNvSpPr>
+          <p:nvPr>
+            <p:ph idx="1"/>
+          </p:nvPr>
+        </p:nvSpPr>
+        <p:spPr/>
+        <p:txBody>
+          <a:bodyPr/>
+          <a:lstStyle/>
+          <a:p>
+            <a:r>
+              <a:rPr lang="en-US" altLang="ko-KR" dirty="0">
+                <a:ea typeface="굴림" panose="020B0600000101010101" pitchFamily="50" charset="-127"/>
+              </a:rPr>
+              <a:t>By defining a specific interface you can keep other modules from doing anything incorrect to your data</a:t>
+            </a:r>
+          </a:p>
+          <a:p>
+            <a:r>
+              <a:rPr lang="en-US" altLang="ko-KR" dirty="0">
+                <a:ea typeface="굴림" panose="020B0600000101010101" pitchFamily="50" charset="-127"/>
+              </a:rPr>
+              <a:t>By limiting the functions you are going to support, you leave yourself free to change the internal data without messing up your users</a:t>
+            </a:r>
+          </a:p>
+          <a:p>
+            <a:pPr lvl="1"/>
+            <a:r>
+              <a:rPr lang="en-US" altLang="ko-KR" dirty="0">
+                <a:ea typeface="굴림" panose="020B0600000101010101" pitchFamily="50" charset="-127"/>
+              </a:rPr>
+              <a:t>Write to the Interface, not the </a:t>
+            </a:r>
+            <a:r>
+              <a:rPr lang="en-US" altLang="ko-KR" dirty="0" err="1">
+                <a:ea typeface="굴림" panose="020B0600000101010101" pitchFamily="50" charset="-127"/>
+              </a:rPr>
+              <a:t>the</a:t>
+            </a:r>
+            <a:r>
+              <a:rPr lang="en-US" altLang="ko-KR" dirty="0">
+                <a:ea typeface="굴림" panose="020B0600000101010101" pitchFamily="50" charset="-127"/>
+              </a:rPr>
+              <a:t> Implementation</a:t>
+            </a:r>
+          </a:p>
+          <a:p>
+            <a:pPr lvl="1"/>
+            <a:r>
+              <a:rPr lang="en-US" altLang="ko-KR" dirty="0">
+                <a:ea typeface="굴림" panose="020B0600000101010101" pitchFamily="50" charset="-127"/>
+              </a:rPr>
+              <a:t>Makes code more modular, since you can change large parts of your classes without affecting other parts of the program, so long as they only use your public functions</a:t>
+            </a:r>
+          </a:p>
+        </p:txBody>
+      </p:sp>
+    </p:spTree>
+    <p:extLst>
+      <p:ext uri="{BB962C8B-B14F-4D97-AF65-F5344CB8AC3E}">
+        <p14:creationId xmlns:p14="http://schemas.microsoft.com/office/powerpoint/2010/main" val="2905452791"/>
+      </p:ext>
+    </p:extLst>
+  </p:cSld>
+  <p:clrMapOvr>
+    <a:masterClrMapping/>
+  </p:clrMapOvr>
+</p:sld>
+</file>
+
+<file path=ppt/slides/slide15.xml><?xml version="1.0" encoding="utf-8"?>
+<p:sld xmlns:a="http://schemas.openxmlformats.org/drawingml/2006/main" xmlns:r="http://schemas.openxmlformats.org/officeDocument/2006/relationships" xmlns:p="http://schemas.openxmlformats.org/presentationml/2006/main">
+  <p:cSld>
+    <p:spTree>
+      <p:nvGrpSpPr>
+        <p:cNvPr id="1" name=""/>
+        <p:cNvGrpSpPr/>
+        <p:nvPr/>
+      </p:nvGrpSpPr>
+      <p:grpSpPr>
+        <a:xfrm>
+          <a:off x="0" y="0"/>
+          <a:ext cx="0" cy="0"/>
+          <a:chOff x="0" y="0"/>
+          <a:chExt cx="0" cy="0"/>
+        </a:xfrm>
+      </p:grpSpPr>
+      <p:sp>
+        <p:nvSpPr>
+          <p:cNvPr id="2" name="제목 1">
+            <a:extLst>
+              <a:ext uri="{FF2B5EF4-FFF2-40B4-BE49-F238E27FC236}">
+                <a16:creationId xmlns:a16="http://schemas.microsoft.com/office/drawing/2014/main" id="{55B6EB15-D8DE-43E5-9982-1CE46DDA4252}"/>
+              </a:ext>
+            </a:extLst>
+          </p:cNvPr>
+          <p:cNvSpPr>
+            <a:spLocks noGrp="1"/>
+          </p:cNvSpPr>
+          <p:nvPr>
+            <p:ph type="title"/>
+          </p:nvPr>
+        </p:nvSpPr>
+        <p:spPr/>
+        <p:txBody>
+          <a:bodyPr/>
+          <a:lstStyle/>
+          <a:p>
+            <a:r>
+              <a:rPr lang="en-US" altLang="ko-KR" dirty="0" err="1"/>
+              <a:t>UNDerstandin</a:t>
+            </a:r>
+            <a:r>
+              <a:rPr lang="en-US" altLang="ko-KR" dirty="0"/>
+              <a:t> regular expression</a:t>
+            </a:r>
+            <a:endParaRPr lang="ko-KR" altLang="en-US" dirty="0"/>
+          </a:p>
+        </p:txBody>
+      </p:sp>
+      <p:sp>
+        <p:nvSpPr>
+          <p:cNvPr id="3" name="내용 개체 틀 2">
+            <a:extLst>
+              <a:ext uri="{FF2B5EF4-FFF2-40B4-BE49-F238E27FC236}">
+                <a16:creationId xmlns:a16="http://schemas.microsoft.com/office/drawing/2014/main" id="{3F8A2DED-CBA2-4E51-A4C5-6E654837EF1A}"/>
+              </a:ext>
+            </a:extLst>
+          </p:cNvPr>
+          <p:cNvSpPr>
+            <a:spLocks noGrp="1"/>
+          </p:cNvSpPr>
+          <p:nvPr>
+            <p:ph idx="1"/>
+          </p:nvPr>
+        </p:nvSpPr>
+        <p:spPr/>
+        <p:txBody>
+          <a:bodyPr/>
+          <a:lstStyle/>
+          <a:p>
+            <a:pPr marL="1104900">
+              <a:buFont typeface="Gill Sans" charset="0"/>
+              <a:buChar char="•"/>
+              <a:defRPr/>
+            </a:pPr>
+            <a:r>
+              <a:rPr lang="en-US" altLang="ko-KR" dirty="0">
+                <a:sym typeface="Gill Sans" charset="0"/>
+              </a:rPr>
+              <a:t>Very powerful and quite cryptic</a:t>
+            </a:r>
+          </a:p>
+          <a:p>
+            <a:pPr marL="1104900">
+              <a:buFont typeface="Gill Sans" charset="0"/>
+              <a:buChar char="•"/>
+              <a:defRPr/>
+            </a:pPr>
+            <a:r>
+              <a:rPr lang="en-US" altLang="ko-KR" dirty="0">
+                <a:sym typeface="Gill Sans" charset="0"/>
+              </a:rPr>
+              <a:t>Fun once you understand them</a:t>
+            </a:r>
+          </a:p>
+          <a:p>
+            <a:pPr marL="1104900">
+              <a:buFont typeface="Gill Sans" charset="0"/>
+              <a:buChar char="•"/>
+              <a:defRPr/>
+            </a:pPr>
+            <a:r>
+              <a:rPr lang="en-US" altLang="ko-KR" dirty="0">
+                <a:sym typeface="Gill Sans" charset="0"/>
+              </a:rPr>
+              <a:t>Regular expressions are a language unto themselves</a:t>
+            </a:r>
+          </a:p>
+          <a:p>
+            <a:pPr marL="1104900">
+              <a:buFont typeface="Gill Sans" charset="0"/>
+              <a:buChar char="•"/>
+              <a:defRPr/>
+            </a:pPr>
+            <a:r>
+              <a:rPr lang="en-US" altLang="ko-KR" dirty="0">
+                <a:sym typeface="Gill Sans" charset="0"/>
+              </a:rPr>
+              <a:t>A language of "marker characters" - programming with characters</a:t>
+            </a:r>
+          </a:p>
+          <a:p>
+            <a:pPr marL="1104900">
+              <a:buFont typeface="Gill Sans" charset="0"/>
+              <a:buChar char="•"/>
+              <a:defRPr/>
+            </a:pPr>
+            <a:r>
+              <a:rPr lang="en-US" altLang="ko-KR" dirty="0">
+                <a:sym typeface="Gill Sans" charset="0"/>
+              </a:rPr>
+              <a:t>It is kind of an "old school" language - compact</a:t>
+            </a:r>
+          </a:p>
+          <a:p>
+            <a:endParaRPr lang="ko-KR" altLang="en-US" dirty="0"/>
+          </a:p>
+        </p:txBody>
+      </p:sp>
+    </p:spTree>
+    <p:extLst>
+      <p:ext uri="{BB962C8B-B14F-4D97-AF65-F5344CB8AC3E}">
+        <p14:creationId xmlns:p14="http://schemas.microsoft.com/office/powerpoint/2010/main" val="801055481"/>
+      </p:ext>
+    </p:extLst>
+  </p:cSld>
+  <p:clrMapOvr>
+    <a:masterClrMapping/>
+  </p:clrMapOvr>
+</p:sld>
+</file>
+
+<file path=ppt/slides/slide16.xml><?xml version="1.0" encoding="utf-8"?>
+<p:sld xmlns:a="http://schemas.openxmlformats.org/drawingml/2006/main" xmlns:r="http://schemas.openxmlformats.org/officeDocument/2006/relationships" xmlns:p="http://schemas.openxmlformats.org/presentationml/2006/main">
+  <p:cSld>
+    <p:spTree>
+      <p:nvGrpSpPr>
+        <p:cNvPr id="1" name=""/>
+        <p:cNvGrpSpPr/>
+        <p:nvPr/>
+      </p:nvGrpSpPr>
+      <p:grpSpPr>
+        <a:xfrm>
+          <a:off x="0" y="0"/>
+          <a:ext cx="0" cy="0"/>
+          <a:chOff x="0" y="0"/>
+          <a:chExt cx="0" cy="0"/>
+        </a:xfrm>
+      </p:grpSpPr>
+      <p:sp>
+        <p:nvSpPr>
+          <p:cNvPr id="2" name="제목 1">
+            <a:extLst>
+              <a:ext uri="{FF2B5EF4-FFF2-40B4-BE49-F238E27FC236}">
+                <a16:creationId xmlns:a16="http://schemas.microsoft.com/office/drawing/2014/main" id="{E7FF932A-B94E-4609-9E57-82AEBF10062E}"/>
+              </a:ext>
+            </a:extLst>
+          </p:cNvPr>
+          <p:cNvSpPr>
+            <a:spLocks noGrp="1"/>
+          </p:cNvSpPr>
+          <p:nvPr>
+            <p:ph type="title"/>
+          </p:nvPr>
+        </p:nvSpPr>
+        <p:spPr/>
+        <p:txBody>
+          <a:bodyPr/>
+          <a:lstStyle/>
+          <a:p>
+            <a:endParaRPr lang="ko-KR" altLang="en-US"/>
+          </a:p>
+        </p:txBody>
+      </p:sp>
+      <p:sp>
+        <p:nvSpPr>
+          <p:cNvPr id="3" name="내용 개체 틀 2">
+            <a:extLst>
+              <a:ext uri="{FF2B5EF4-FFF2-40B4-BE49-F238E27FC236}">
+                <a16:creationId xmlns:a16="http://schemas.microsoft.com/office/drawing/2014/main" id="{86402BB4-A506-4271-8354-6F8D255A9C84}"/>
+              </a:ext>
+            </a:extLst>
+          </p:cNvPr>
+          <p:cNvSpPr>
+            <a:spLocks noGrp="1"/>
+          </p:cNvSpPr>
+          <p:nvPr>
+            <p:ph idx="1"/>
+          </p:nvPr>
+        </p:nvSpPr>
+        <p:spPr/>
+        <p:txBody>
+          <a:bodyPr/>
+          <a:lstStyle/>
+          <a:p>
+            <a:endParaRPr lang="ko-KR" altLang="en-US"/>
+          </a:p>
+        </p:txBody>
+      </p:sp>
+      <p:pic>
+        <p:nvPicPr>
+          <p:cNvPr id="4" name="Picture 1">
+            <a:extLst>
+              <a:ext uri="{FF2B5EF4-FFF2-40B4-BE49-F238E27FC236}">
+                <a16:creationId xmlns:a16="http://schemas.microsoft.com/office/drawing/2014/main" id="{3E6D4E30-B22A-47F2-8CD3-1F797B97E173}"/>
+              </a:ext>
+            </a:extLst>
+          </p:cNvPr>
+          <p:cNvPicPr>
+            <a:picLocks noChangeAspect="1" noChangeArrowheads="1"/>
+          </p:cNvPicPr>
+          <p:nvPr/>
+        </p:nvPicPr>
+        <p:blipFill>
+          <a:blip r:embed="rId2">
+            <a:extLst>
+              <a:ext uri="{28A0092B-C50C-407E-A947-70E740481C1C}">
+                <a14:useLocalDpi xmlns:a14="http://schemas.microsoft.com/office/drawing/2010/main" val="0"/>
+              </a:ext>
+            </a:extLst>
+          </a:blip>
+          <a:srcRect/>
+          <a:stretch>
+            <a:fillRect/>
+          </a:stretch>
+        </p:blipFill>
+        <p:spPr bwMode="auto">
+          <a:xfrm>
+            <a:off x="3221416" y="195943"/>
+            <a:ext cx="6063600" cy="6134692"/>
+          </a:xfrm>
+          <a:prstGeom prst="rect">
+            <a:avLst/>
+          </a:prstGeom>
+          <a:noFill/>
+          <a:ln>
+            <a:noFill/>
+          </a:ln>
+          <a:extLst>
+            <a:ext uri="{909E8E84-426E-40DD-AFC4-6F175D3DCCD1}">
+              <a14:hiddenFill xmlns:a14="http://schemas.microsoft.com/office/drawing/2010/main">
+                <a:solidFill>
+                  <a:srgbClr val="FFFFFF"/>
+                </a:solidFill>
+              </a14:hiddenFill>
+            </a:ext>
+            <a:ext uri="{91240B29-F687-4F45-9708-019B960494DF}">
+              <a14:hiddenLine xmlns:a14="http://schemas.microsoft.com/office/drawing/2010/main" w="12700">
+                <a:solidFill>
+                  <a:srgbClr val="000000"/>
+                </a:solidFill>
+                <a:miter lim="800000"/>
+                <a:headEnd/>
+                <a:tailEnd/>
+              </a14:hiddenLine>
+            </a:ext>
+          </a:extLst>
+        </p:spPr>
+      </p:pic>
+    </p:spTree>
+    <p:extLst>
+      <p:ext uri="{BB962C8B-B14F-4D97-AF65-F5344CB8AC3E}">
+        <p14:creationId xmlns:p14="http://schemas.microsoft.com/office/powerpoint/2010/main" val="3443096699"/>
+      </p:ext>
+    </p:extLst>
+  </p:cSld>
+  <p:clrMapOvr>
+    <a:masterClrMapping/>
+  </p:clrMapOvr>
+</p:sld>
+</file>
+
+<file path=ppt/slides/slide17.xml><?xml version="1.0" encoding="utf-8"?>
+<p:sld xmlns:a="http://schemas.openxmlformats.org/drawingml/2006/main" xmlns:r="http://schemas.openxmlformats.org/officeDocument/2006/relationships" xmlns:p="http://schemas.openxmlformats.org/presentationml/2006/main">
+  <p:cSld>
+    <p:spTree>
+      <p:nvGrpSpPr>
+        <p:cNvPr id="1" name=""/>
+        <p:cNvGrpSpPr/>
+        <p:nvPr/>
+      </p:nvGrpSpPr>
+      <p:grpSpPr>
+        <a:xfrm>
+          <a:off x="0" y="0"/>
+          <a:ext cx="0" cy="0"/>
+          <a:chOff x="0" y="0"/>
+          <a:chExt cx="0" cy="0"/>
+        </a:xfrm>
+      </p:grpSpPr>
+      <p:sp>
+        <p:nvSpPr>
+          <p:cNvPr id="23553" name="Rectangle 1">
+            <a:extLst>
+              <a:ext uri="{FF2B5EF4-FFF2-40B4-BE49-F238E27FC236}">
+                <a16:creationId xmlns:a16="http://schemas.microsoft.com/office/drawing/2014/main" id="{DEE134F4-51DF-4851-B0D5-D84B477E10D1}"/>
+              </a:ext>
+            </a:extLst>
+          </p:cNvPr>
+          <p:cNvSpPr>
+            <a:spLocks noGrp="1" noChangeArrowheads="1"/>
+          </p:cNvSpPr>
+          <p:nvPr>
+            <p:ph type="title"/>
+          </p:nvPr>
+        </p:nvSpPr>
+        <p:spPr>
+          <a:xfrm>
+            <a:off x="1538196" y="597365"/>
+            <a:ext cx="9925050" cy="1181100"/>
+          </a:xfrm>
+        </p:spPr>
+        <p:txBody>
+          <a:bodyPr/>
+          <a:lstStyle/>
+          <a:p>
+            <a:pPr eaLnBrk="1" hangingPunct="1">
+              <a:defRPr/>
+            </a:pPr>
+            <a:r>
+              <a:rPr lang="en-US" dirty="0">
+                <a:solidFill>
+                  <a:srgbClr val="FF0000"/>
+                </a:solidFill>
+                <a:sym typeface="Gill Sans" charset="0"/>
+              </a:rPr>
+              <a:t>Regular Expression Quick Guide</a:t>
+            </a:r>
+          </a:p>
+        </p:txBody>
+      </p:sp>
+      <p:sp>
+        <p:nvSpPr>
+          <p:cNvPr id="23554" name="Rectangle 2">
+            <a:extLst>
+              <a:ext uri="{FF2B5EF4-FFF2-40B4-BE49-F238E27FC236}">
+                <a16:creationId xmlns:a16="http://schemas.microsoft.com/office/drawing/2014/main" id="{176D284E-207C-4397-91DB-F39ADD0ADA57}"/>
+              </a:ext>
+            </a:extLst>
+          </p:cNvPr>
+          <p:cNvSpPr>
+            <a:spLocks/>
+          </p:cNvSpPr>
+          <p:nvPr/>
+        </p:nvSpPr>
+        <p:spPr bwMode="auto">
+          <a:xfrm>
+            <a:off x="1429494" y="1778465"/>
+            <a:ext cx="10142454" cy="4708059"/>
+          </a:xfrm>
+          <a:prstGeom prst="rect">
+            <a:avLst/>
+          </a:prstGeom>
+          <a:noFill/>
+          <a:ln>
+            <a:noFill/>
+          </a:ln>
+          <a:extLst>
+            <a:ext uri="{909E8E84-426E-40DD-AFC4-6F175D3DCCD1}">
+              <a14:hiddenFill xmlns:a14="http://schemas.microsoft.com/office/drawing/2010/main">
+                <a:solidFill>
+                  <a:srgbClr val="FFFFFF"/>
+                </a:solidFill>
+              </a14:hiddenFill>
+            </a:ext>
+            <a:ext uri="{91240B29-F687-4F45-9708-019B960494DF}">
+              <a14:hiddenLine xmlns:a14="http://schemas.microsoft.com/office/drawing/2010/main" w="12700">
+                <a:solidFill>
+                  <a:srgbClr val="000000"/>
+                </a:solidFill>
+                <a:miter lim="800000"/>
+                <a:headEnd/>
+                <a:tailEnd/>
+              </a14:hiddenLine>
+            </a:ext>
+          </a:extLst>
+        </p:spPr>
+        <p:txBody>
+          <a:bodyPr lIns="0" tIns="0" rIns="0" bIns="0" anchor="ctr"/>
+          <a:lstStyle>
+            <a:lvl1pPr eaLnBrk="0" hangingPunct="0">
+              <a:defRPr sz="3600">
+                <a:solidFill>
+                  <a:srgbClr val="FFFFFF"/>
+                </a:solidFill>
+                <a:latin typeface="Gill Sans" pitchFamily="-84" charset="0"/>
+                <a:ea typeface="ヒラギノ角ゴ ProN W3" pitchFamily="-84" charset="-128"/>
+                <a:sym typeface="Gill Sans" pitchFamily="-84" charset="0"/>
+              </a:defRPr>
+            </a:lvl1pPr>
+            <a:lvl2pPr marL="742950" indent="-285750" eaLnBrk="0" hangingPunct="0">
+              <a:defRPr sz="3600">
+                <a:solidFill>
+                  <a:srgbClr val="FFFFFF"/>
+                </a:solidFill>
+                <a:latin typeface="Gill Sans" pitchFamily="-84" charset="0"/>
+                <a:ea typeface="ヒラギノ角ゴ ProN W3" pitchFamily="-84" charset="-128"/>
+                <a:sym typeface="Gill Sans" pitchFamily="-84" charset="0"/>
+              </a:defRPr>
+            </a:lvl2pPr>
+            <a:lvl3pPr marL="1143000" indent="-228600" eaLnBrk="0" hangingPunct="0">
+              <a:defRPr sz="3600">
+                <a:solidFill>
+                  <a:srgbClr val="FFFFFF"/>
+                </a:solidFill>
+                <a:latin typeface="Gill Sans" pitchFamily="-84" charset="0"/>
+                <a:ea typeface="ヒラギノ角ゴ ProN W3" pitchFamily="-84" charset="-128"/>
+                <a:sym typeface="Gill Sans" pitchFamily="-84" charset="0"/>
+              </a:defRPr>
+            </a:lvl3pPr>
+            <a:lvl4pPr marL="1600200" indent="-228600" eaLnBrk="0" hangingPunct="0">
+              <a:defRPr sz="3600">
+                <a:solidFill>
+                  <a:srgbClr val="FFFFFF"/>
+                </a:solidFill>
+                <a:latin typeface="Gill Sans" pitchFamily="-84" charset="0"/>
+                <a:ea typeface="ヒラギノ角ゴ ProN W3" pitchFamily="-84" charset="-128"/>
+                <a:sym typeface="Gill Sans" pitchFamily="-84" charset="0"/>
+              </a:defRPr>
+            </a:lvl4pPr>
+            <a:lvl5pPr marL="2057400" indent="-228600" eaLnBrk="0" hangingPunct="0">
+              <a:defRPr sz="3600">
+                <a:solidFill>
+                  <a:srgbClr val="FFFFFF"/>
+                </a:solidFill>
+                <a:latin typeface="Gill Sans" pitchFamily="-84" charset="0"/>
+                <a:ea typeface="ヒラギノ角ゴ ProN W3" pitchFamily="-84" charset="-128"/>
+                <a:sym typeface="Gill Sans" pitchFamily="-84" charset="0"/>
+              </a:defRPr>
+            </a:lvl5pPr>
+            <a:lvl6pPr marL="2514600" indent="-228600" algn="ctr" eaLnBrk="0" fontAlgn="base" hangingPunct="0">
+              <a:spcBef>
+                <a:spcPct val="0"/>
+              </a:spcBef>
+              <a:spcAft>
+                <a:spcPct val="0"/>
+              </a:spcAft>
+              <a:defRPr sz="3600">
+                <a:solidFill>
+                  <a:srgbClr val="FFFFFF"/>
+                </a:solidFill>
+                <a:latin typeface="Gill Sans" pitchFamily="-84" charset="0"/>
+                <a:ea typeface="ヒラギノ角ゴ ProN W3" pitchFamily="-84" charset="-128"/>
+                <a:sym typeface="Gill Sans" pitchFamily="-84" charset="0"/>
+              </a:defRPr>
+            </a:lvl6pPr>
+            <a:lvl7pPr marL="2971800" indent="-228600" algn="ctr" eaLnBrk="0" fontAlgn="base" hangingPunct="0">
+              <a:spcBef>
+                <a:spcPct val="0"/>
+              </a:spcBef>
+              <a:spcAft>
+                <a:spcPct val="0"/>
+              </a:spcAft>
+              <a:defRPr sz="3600">
+                <a:solidFill>
+                  <a:srgbClr val="FFFFFF"/>
+                </a:solidFill>
+                <a:latin typeface="Gill Sans" pitchFamily="-84" charset="0"/>
+                <a:ea typeface="ヒラギノ角ゴ ProN W3" pitchFamily="-84" charset="-128"/>
+                <a:sym typeface="Gill Sans" pitchFamily="-84" charset="0"/>
+              </a:defRPr>
+            </a:lvl7pPr>
+            <a:lvl8pPr marL="3429000" indent="-228600" algn="ctr" eaLnBrk="0" fontAlgn="base" hangingPunct="0">
+              <a:spcBef>
+                <a:spcPct val="0"/>
+              </a:spcBef>
+              <a:spcAft>
+                <a:spcPct val="0"/>
+              </a:spcAft>
+              <a:defRPr sz="3600">
+                <a:solidFill>
+                  <a:srgbClr val="FFFFFF"/>
+                </a:solidFill>
+                <a:latin typeface="Gill Sans" pitchFamily="-84" charset="0"/>
+                <a:ea typeface="ヒラギノ角ゴ ProN W3" pitchFamily="-84" charset="-128"/>
+                <a:sym typeface="Gill Sans" pitchFamily="-84" charset="0"/>
+              </a:defRPr>
+            </a:lvl8pPr>
+            <a:lvl9pPr marL="3886200" indent="-228600" algn="ctr" eaLnBrk="0" fontAlgn="base" hangingPunct="0">
+              <a:spcBef>
+                <a:spcPct val="0"/>
+              </a:spcBef>
+              <a:spcAft>
+                <a:spcPct val="0"/>
+              </a:spcAft>
+              <a:defRPr sz="3600">
+                <a:solidFill>
+                  <a:srgbClr val="FFFFFF"/>
+                </a:solidFill>
+                <a:latin typeface="Gill Sans" pitchFamily="-84" charset="0"/>
+                <a:ea typeface="ヒラギノ角ゴ ProN W3" pitchFamily="-84" charset="-128"/>
+                <a:sym typeface="Gill Sans" pitchFamily="-84" charset="0"/>
+              </a:defRPr>
+            </a:lvl9pPr>
+          </a:lstStyle>
+          <a:p>
+            <a:pPr algn="l" eaLnBrk="1" hangingPunct="1"/>
+            <a:r>
+              <a:rPr lang="en-US" altLang="ko-KR" sz="2175" dirty="0">
+                <a:solidFill>
+                  <a:srgbClr val="FF0000"/>
+                </a:solidFill>
+                <a:latin typeface="Monaco" pitchFamily="-84" charset="0"/>
+                <a:ea typeface="MS PGothic" panose="020B0600070205080204" pitchFamily="34" charset="-128"/>
+                <a:sym typeface="Monaco" pitchFamily="-84" charset="0"/>
+              </a:rPr>
+              <a:t>^</a:t>
+            </a:r>
+            <a:r>
+              <a:rPr lang="en-US" altLang="ko-KR" sz="2175" dirty="0">
+                <a:solidFill>
+                  <a:srgbClr val="00FF00"/>
+                </a:solidFill>
+                <a:latin typeface="Monaco" pitchFamily="-84" charset="0"/>
+                <a:ea typeface="MS PGothic" panose="020B0600070205080204" pitchFamily="34" charset="-128"/>
+                <a:sym typeface="Monaco" pitchFamily="-84" charset="0"/>
+              </a:rPr>
+              <a:t> </a:t>
+            </a:r>
+            <a:r>
+              <a:rPr lang="en-US" altLang="ko-KR" sz="2175" dirty="0">
+                <a:solidFill>
+                  <a:schemeClr val="tx1"/>
+                </a:solidFill>
+                <a:latin typeface="Monaco" pitchFamily="-84" charset="0"/>
+                <a:ea typeface="MS PGothic" panose="020B0600070205080204" pitchFamily="34" charset="-128"/>
+                <a:sym typeface="Monaco" pitchFamily="-84" charset="0"/>
+              </a:rPr>
+              <a:t>       Matches the </a:t>
+            </a:r>
+            <a:r>
+              <a:rPr lang="en-US" altLang="ko-KR" sz="2175" dirty="0">
+                <a:solidFill>
+                  <a:srgbClr val="FF00FF"/>
+                </a:solidFill>
+                <a:latin typeface="Monaco" pitchFamily="-84" charset="0"/>
+                <a:ea typeface="MS PGothic" panose="020B0600070205080204" pitchFamily="34" charset="-128"/>
+                <a:sym typeface="Monaco" pitchFamily="-84" charset="0"/>
+              </a:rPr>
+              <a:t>beginning</a:t>
+            </a:r>
+            <a:r>
+              <a:rPr lang="en-US" altLang="ko-KR" sz="2175" dirty="0">
+                <a:solidFill>
+                  <a:schemeClr val="tx1"/>
+                </a:solidFill>
+                <a:latin typeface="Monaco" pitchFamily="-84" charset="0"/>
+                <a:ea typeface="MS PGothic" panose="020B0600070205080204" pitchFamily="34" charset="-128"/>
+                <a:sym typeface="Monaco" pitchFamily="-84" charset="0"/>
+              </a:rPr>
+              <a:t> of a line</a:t>
+            </a:r>
+          </a:p>
+          <a:p>
+            <a:pPr algn="l" eaLnBrk="1" hangingPunct="1"/>
+            <a:r>
+              <a:rPr lang="en-US" altLang="ko-KR" sz="2175" dirty="0">
+                <a:solidFill>
+                  <a:srgbClr val="FF0000"/>
+                </a:solidFill>
+                <a:latin typeface="Monaco" pitchFamily="-84" charset="0"/>
+                <a:ea typeface="MS PGothic" panose="020B0600070205080204" pitchFamily="34" charset="-128"/>
+                <a:sym typeface="Monaco" pitchFamily="-84" charset="0"/>
+              </a:rPr>
+              <a:t>$</a:t>
+            </a:r>
+            <a:r>
+              <a:rPr lang="en-US" altLang="ko-KR" sz="2175" dirty="0">
+                <a:solidFill>
+                  <a:srgbClr val="00FF00"/>
+                </a:solidFill>
+                <a:latin typeface="Monaco" pitchFamily="-84" charset="0"/>
+                <a:ea typeface="MS PGothic" panose="020B0600070205080204" pitchFamily="34" charset="-128"/>
+                <a:sym typeface="Monaco" pitchFamily="-84" charset="0"/>
+              </a:rPr>
+              <a:t>  </a:t>
+            </a:r>
+            <a:r>
+              <a:rPr lang="en-US" altLang="ko-KR" sz="2175" dirty="0">
+                <a:solidFill>
+                  <a:schemeClr val="tx1"/>
+                </a:solidFill>
+                <a:latin typeface="Monaco" pitchFamily="-84" charset="0"/>
+                <a:ea typeface="MS PGothic" panose="020B0600070205080204" pitchFamily="34" charset="-128"/>
+                <a:sym typeface="Monaco" pitchFamily="-84" charset="0"/>
+              </a:rPr>
+              <a:t>      Matches the </a:t>
+            </a:r>
+            <a:r>
+              <a:rPr lang="en-US" altLang="ko-KR" sz="2175" dirty="0">
+                <a:solidFill>
+                  <a:srgbClr val="FF00FF"/>
+                </a:solidFill>
+                <a:latin typeface="Monaco" pitchFamily="-84" charset="0"/>
+                <a:ea typeface="MS PGothic" panose="020B0600070205080204" pitchFamily="34" charset="-128"/>
+                <a:sym typeface="Monaco" pitchFamily="-84" charset="0"/>
+              </a:rPr>
+              <a:t>end</a:t>
+            </a:r>
+            <a:r>
+              <a:rPr lang="en-US" altLang="ko-KR" sz="2175" dirty="0">
+                <a:solidFill>
+                  <a:schemeClr val="tx1"/>
+                </a:solidFill>
+                <a:latin typeface="Monaco" pitchFamily="-84" charset="0"/>
+                <a:ea typeface="MS PGothic" panose="020B0600070205080204" pitchFamily="34" charset="-128"/>
+                <a:sym typeface="Monaco" pitchFamily="-84" charset="0"/>
+              </a:rPr>
+              <a:t> of the line</a:t>
+            </a:r>
+          </a:p>
+          <a:p>
+            <a:pPr algn="l" eaLnBrk="1" hangingPunct="1"/>
+            <a:r>
+              <a:rPr lang="en-US" altLang="ko-KR" sz="2175" dirty="0">
+                <a:solidFill>
+                  <a:srgbClr val="FF0000"/>
+                </a:solidFill>
+                <a:latin typeface="Monaco" pitchFamily="-84" charset="0"/>
+                <a:ea typeface="MS PGothic" panose="020B0600070205080204" pitchFamily="34" charset="-128"/>
+                <a:sym typeface="Monaco" pitchFamily="-84" charset="0"/>
+              </a:rPr>
+              <a:t>. </a:t>
+            </a:r>
+            <a:r>
+              <a:rPr lang="en-US" altLang="ko-KR" sz="2175" dirty="0">
+                <a:solidFill>
+                  <a:schemeClr val="tx1"/>
+                </a:solidFill>
+                <a:latin typeface="Monaco" pitchFamily="-84" charset="0"/>
+                <a:ea typeface="MS PGothic" panose="020B0600070205080204" pitchFamily="34" charset="-128"/>
+                <a:sym typeface="Monaco" pitchFamily="-84" charset="0"/>
+              </a:rPr>
+              <a:t>       Matches </a:t>
+            </a:r>
+            <a:r>
+              <a:rPr lang="en-US" altLang="ko-KR" sz="2175" dirty="0">
+                <a:solidFill>
+                  <a:srgbClr val="FF00FF"/>
+                </a:solidFill>
+                <a:latin typeface="Monaco" pitchFamily="-84" charset="0"/>
+                <a:ea typeface="MS PGothic" panose="020B0600070205080204" pitchFamily="34" charset="-128"/>
+                <a:sym typeface="Monaco" pitchFamily="-84" charset="0"/>
+              </a:rPr>
+              <a:t>any</a:t>
+            </a:r>
+            <a:r>
+              <a:rPr lang="en-US" altLang="ko-KR" sz="2175" dirty="0">
+                <a:solidFill>
+                  <a:schemeClr val="tx1"/>
+                </a:solidFill>
+                <a:latin typeface="Monaco" pitchFamily="-84" charset="0"/>
+                <a:ea typeface="MS PGothic" panose="020B0600070205080204" pitchFamily="34" charset="-128"/>
+                <a:sym typeface="Monaco" pitchFamily="-84" charset="0"/>
+              </a:rPr>
+              <a:t> character</a:t>
+            </a:r>
+          </a:p>
+          <a:p>
+            <a:pPr algn="l" eaLnBrk="1" hangingPunct="1"/>
+            <a:r>
+              <a:rPr lang="en-US" altLang="ko-KR" sz="2175" dirty="0">
+                <a:solidFill>
+                  <a:srgbClr val="FF0000"/>
+                </a:solidFill>
+                <a:latin typeface="Monaco" pitchFamily="-84" charset="0"/>
+                <a:ea typeface="MS PGothic" panose="020B0600070205080204" pitchFamily="34" charset="-128"/>
+                <a:sym typeface="Monaco" pitchFamily="-84" charset="0"/>
+              </a:rPr>
+              <a:t>\s       </a:t>
+            </a:r>
+            <a:r>
+              <a:rPr lang="en-US" altLang="ko-KR" sz="2175" dirty="0">
+                <a:solidFill>
+                  <a:schemeClr val="tx1"/>
+                </a:solidFill>
+                <a:latin typeface="Monaco" pitchFamily="-84" charset="0"/>
+                <a:ea typeface="MS PGothic" panose="020B0600070205080204" pitchFamily="34" charset="-128"/>
+                <a:sym typeface="Monaco" pitchFamily="-84" charset="0"/>
+              </a:rPr>
+              <a:t>Matches </a:t>
+            </a:r>
+            <a:r>
+              <a:rPr lang="en-US" altLang="ko-KR" sz="2175" dirty="0">
+                <a:solidFill>
+                  <a:srgbClr val="FF00FF"/>
+                </a:solidFill>
+                <a:latin typeface="Monaco" pitchFamily="-84" charset="0"/>
+                <a:ea typeface="MS PGothic" panose="020B0600070205080204" pitchFamily="34" charset="-128"/>
+                <a:sym typeface="Monaco" pitchFamily="-84" charset="0"/>
+              </a:rPr>
+              <a:t>whitespace</a:t>
+            </a:r>
+            <a:endParaRPr lang="en-US" altLang="ko-KR" sz="2175" dirty="0">
+              <a:solidFill>
+                <a:schemeClr val="tx1"/>
+              </a:solidFill>
+              <a:latin typeface="Monaco" pitchFamily="-84" charset="0"/>
+              <a:ea typeface="MS PGothic" panose="020B0600070205080204" pitchFamily="34" charset="-128"/>
+              <a:sym typeface="Monaco" pitchFamily="-84" charset="0"/>
+            </a:endParaRPr>
+          </a:p>
+          <a:p>
+            <a:pPr algn="l" eaLnBrk="1" hangingPunct="1"/>
+            <a:r>
+              <a:rPr lang="en-US" altLang="ko-KR" sz="2175" dirty="0">
+                <a:solidFill>
+                  <a:srgbClr val="FF0000"/>
+                </a:solidFill>
+                <a:latin typeface="Monaco" pitchFamily="-84" charset="0"/>
+                <a:ea typeface="MS PGothic" panose="020B0600070205080204" pitchFamily="34" charset="-128"/>
+                <a:sym typeface="Monaco" pitchFamily="-84" charset="0"/>
+              </a:rPr>
+              <a:t>\S       </a:t>
+            </a:r>
+            <a:r>
+              <a:rPr lang="en-US" altLang="ko-KR" sz="2175" dirty="0">
+                <a:solidFill>
+                  <a:schemeClr val="tx1"/>
+                </a:solidFill>
+                <a:latin typeface="Monaco" pitchFamily="-84" charset="0"/>
+                <a:ea typeface="MS PGothic" panose="020B0600070205080204" pitchFamily="34" charset="-128"/>
+                <a:sym typeface="Monaco" pitchFamily="-84" charset="0"/>
+              </a:rPr>
+              <a:t>Matches any </a:t>
+            </a:r>
+            <a:r>
+              <a:rPr lang="en-US" altLang="ko-KR" sz="2175" dirty="0">
+                <a:solidFill>
+                  <a:srgbClr val="FF00FF"/>
+                </a:solidFill>
+                <a:latin typeface="Monaco" pitchFamily="-84" charset="0"/>
+                <a:ea typeface="MS PGothic" panose="020B0600070205080204" pitchFamily="34" charset="-128"/>
+                <a:sym typeface="Monaco" pitchFamily="-84" charset="0"/>
+              </a:rPr>
+              <a:t>non-whitespace</a:t>
+            </a:r>
+            <a:r>
+              <a:rPr lang="en-US" altLang="ko-KR" sz="2175" dirty="0">
+                <a:solidFill>
+                  <a:schemeClr val="tx1"/>
+                </a:solidFill>
+                <a:latin typeface="Monaco" pitchFamily="-84" charset="0"/>
+                <a:ea typeface="MS PGothic" panose="020B0600070205080204" pitchFamily="34" charset="-128"/>
+                <a:sym typeface="Monaco" pitchFamily="-84" charset="0"/>
+              </a:rPr>
+              <a:t> character</a:t>
+            </a:r>
+          </a:p>
+          <a:p>
+            <a:pPr algn="l" eaLnBrk="1" hangingPunct="1"/>
+            <a:r>
+              <a:rPr lang="en-US" altLang="ko-KR" sz="2175" dirty="0">
+                <a:solidFill>
+                  <a:srgbClr val="FF0000"/>
+                </a:solidFill>
+                <a:latin typeface="Monaco" pitchFamily="-84" charset="0"/>
+                <a:ea typeface="MS PGothic" panose="020B0600070205080204" pitchFamily="34" charset="-128"/>
+                <a:sym typeface="Monaco" pitchFamily="-84" charset="0"/>
+              </a:rPr>
+              <a:t>*</a:t>
+            </a:r>
+            <a:r>
+              <a:rPr lang="en-US" altLang="ko-KR" sz="2175" dirty="0">
+                <a:solidFill>
+                  <a:schemeClr val="tx1"/>
+                </a:solidFill>
+                <a:latin typeface="Monaco" pitchFamily="-84" charset="0"/>
+                <a:ea typeface="MS PGothic" panose="020B0600070205080204" pitchFamily="34" charset="-128"/>
+                <a:sym typeface="Monaco" pitchFamily="-84" charset="0"/>
+              </a:rPr>
+              <a:t>        </a:t>
+            </a:r>
+            <a:r>
+              <a:rPr lang="en-US" altLang="ko-KR" sz="2175" dirty="0">
+                <a:solidFill>
+                  <a:srgbClr val="FF00FF"/>
+                </a:solidFill>
+                <a:latin typeface="Monaco" pitchFamily="-84" charset="0"/>
+                <a:ea typeface="MS PGothic" panose="020B0600070205080204" pitchFamily="34" charset="-128"/>
+                <a:sym typeface="Monaco" pitchFamily="-84" charset="0"/>
+              </a:rPr>
+              <a:t>Repeats</a:t>
+            </a:r>
+            <a:r>
+              <a:rPr lang="en-US" altLang="ko-KR" sz="2175" dirty="0">
+                <a:solidFill>
+                  <a:schemeClr val="tx1"/>
+                </a:solidFill>
+                <a:latin typeface="Monaco" pitchFamily="-84" charset="0"/>
+                <a:ea typeface="MS PGothic" panose="020B0600070205080204" pitchFamily="34" charset="-128"/>
+                <a:sym typeface="Monaco" pitchFamily="-84" charset="0"/>
+              </a:rPr>
+              <a:t> a character zero or more times</a:t>
+            </a:r>
+          </a:p>
+          <a:p>
+            <a:pPr algn="l" eaLnBrk="1" hangingPunct="1"/>
+            <a:r>
+              <a:rPr lang="en-US" altLang="ko-KR" sz="2175" dirty="0">
+                <a:solidFill>
+                  <a:srgbClr val="FF0000"/>
+                </a:solidFill>
+                <a:latin typeface="Monaco" pitchFamily="-84" charset="0"/>
+                <a:ea typeface="MS PGothic" panose="020B0600070205080204" pitchFamily="34" charset="-128"/>
+                <a:sym typeface="Monaco" pitchFamily="-84" charset="0"/>
+              </a:rPr>
+              <a:t>*?</a:t>
+            </a:r>
+            <a:r>
+              <a:rPr lang="en-US" altLang="ko-KR" sz="2175" dirty="0">
+                <a:solidFill>
+                  <a:srgbClr val="00FF00"/>
+                </a:solidFill>
+                <a:latin typeface="Monaco" pitchFamily="-84" charset="0"/>
+                <a:ea typeface="MS PGothic" panose="020B0600070205080204" pitchFamily="34" charset="-128"/>
+                <a:sym typeface="Monaco" pitchFamily="-84" charset="0"/>
+              </a:rPr>
+              <a:t>   </a:t>
+            </a:r>
+            <a:r>
+              <a:rPr lang="en-US" altLang="ko-KR" sz="2175" dirty="0">
+                <a:solidFill>
+                  <a:schemeClr val="tx1"/>
+                </a:solidFill>
+                <a:latin typeface="Monaco" pitchFamily="-84" charset="0"/>
+                <a:ea typeface="MS PGothic" panose="020B0600070205080204" pitchFamily="34" charset="-128"/>
+                <a:sym typeface="Monaco" pitchFamily="-84" charset="0"/>
+              </a:rPr>
+              <a:t>    </a:t>
+            </a:r>
+            <a:r>
+              <a:rPr lang="en-US" altLang="ko-KR" sz="2175" dirty="0">
+                <a:solidFill>
+                  <a:srgbClr val="FF00FF"/>
+                </a:solidFill>
+                <a:latin typeface="Monaco" pitchFamily="-84" charset="0"/>
+                <a:ea typeface="MS PGothic" panose="020B0600070205080204" pitchFamily="34" charset="-128"/>
+                <a:sym typeface="Monaco" pitchFamily="-84" charset="0"/>
+              </a:rPr>
+              <a:t>Repeats</a:t>
+            </a:r>
+            <a:r>
+              <a:rPr lang="en-US" altLang="ko-KR" sz="2175" dirty="0">
+                <a:solidFill>
+                  <a:schemeClr val="tx1"/>
+                </a:solidFill>
+                <a:latin typeface="Monaco" pitchFamily="-84" charset="0"/>
+                <a:ea typeface="MS PGothic" panose="020B0600070205080204" pitchFamily="34" charset="-128"/>
+                <a:sym typeface="Monaco" pitchFamily="-84" charset="0"/>
+              </a:rPr>
+              <a:t> a character zero or more times (non-greedy)</a:t>
+            </a:r>
+          </a:p>
+          <a:p>
+            <a:pPr algn="l" eaLnBrk="1" hangingPunct="1"/>
+            <a:r>
+              <a:rPr lang="en-US" altLang="ko-KR" sz="2175" dirty="0">
+                <a:solidFill>
+                  <a:srgbClr val="FF0000"/>
+                </a:solidFill>
+                <a:latin typeface="Monaco" pitchFamily="-84" charset="0"/>
+                <a:ea typeface="MS PGothic" panose="020B0600070205080204" pitchFamily="34" charset="-128"/>
+                <a:sym typeface="Monaco" pitchFamily="-84" charset="0"/>
+              </a:rPr>
+              <a:t>+</a:t>
+            </a:r>
+            <a:r>
+              <a:rPr lang="en-US" altLang="ko-KR" sz="2175" dirty="0">
+                <a:solidFill>
+                  <a:schemeClr val="tx1"/>
+                </a:solidFill>
+                <a:latin typeface="Monaco" pitchFamily="-84" charset="0"/>
+                <a:ea typeface="MS PGothic" panose="020B0600070205080204" pitchFamily="34" charset="-128"/>
+                <a:sym typeface="Monaco" pitchFamily="-84" charset="0"/>
+              </a:rPr>
+              <a:t>        </a:t>
+            </a:r>
+            <a:r>
+              <a:rPr lang="en-US" altLang="ko-KR" sz="2175" dirty="0">
+                <a:solidFill>
+                  <a:srgbClr val="FF00FF"/>
+                </a:solidFill>
+                <a:latin typeface="Monaco" pitchFamily="-84" charset="0"/>
+                <a:ea typeface="MS PGothic" panose="020B0600070205080204" pitchFamily="34" charset="-128"/>
+                <a:sym typeface="Monaco" pitchFamily="-84" charset="0"/>
+              </a:rPr>
+              <a:t>Repeats</a:t>
+            </a:r>
+            <a:r>
+              <a:rPr lang="en-US" altLang="ko-KR" sz="2175" dirty="0">
+                <a:solidFill>
+                  <a:schemeClr val="tx1"/>
+                </a:solidFill>
+                <a:latin typeface="Monaco" pitchFamily="-84" charset="0"/>
+                <a:ea typeface="MS PGothic" panose="020B0600070205080204" pitchFamily="34" charset="-128"/>
+                <a:sym typeface="Monaco" pitchFamily="-84" charset="0"/>
+              </a:rPr>
+              <a:t> a </a:t>
+            </a:r>
+            <a:r>
+              <a:rPr lang="en-US" altLang="ko-KR" sz="2175" dirty="0" err="1">
+                <a:solidFill>
+                  <a:schemeClr val="tx1"/>
+                </a:solidFill>
+                <a:latin typeface="Monaco" pitchFamily="-84" charset="0"/>
+                <a:ea typeface="MS PGothic" panose="020B0600070205080204" pitchFamily="34" charset="-128"/>
+                <a:sym typeface="Monaco" pitchFamily="-84" charset="0"/>
+              </a:rPr>
+              <a:t>chracter</a:t>
+            </a:r>
+            <a:r>
+              <a:rPr lang="en-US" altLang="ko-KR" sz="2175" dirty="0">
+                <a:solidFill>
+                  <a:schemeClr val="tx1"/>
+                </a:solidFill>
+                <a:latin typeface="Monaco" pitchFamily="-84" charset="0"/>
+                <a:ea typeface="MS PGothic" panose="020B0600070205080204" pitchFamily="34" charset="-128"/>
+                <a:sym typeface="Monaco" pitchFamily="-84" charset="0"/>
+              </a:rPr>
+              <a:t> one or more times</a:t>
+            </a:r>
+          </a:p>
+          <a:p>
+            <a:pPr algn="l" eaLnBrk="1" hangingPunct="1"/>
+            <a:r>
+              <a:rPr lang="en-US" altLang="ko-KR" sz="2175" dirty="0">
+                <a:solidFill>
+                  <a:srgbClr val="FF0000"/>
+                </a:solidFill>
+                <a:latin typeface="Monaco" pitchFamily="-84" charset="0"/>
+                <a:ea typeface="MS PGothic" panose="020B0600070205080204" pitchFamily="34" charset="-128"/>
+                <a:sym typeface="Monaco" pitchFamily="-84" charset="0"/>
+              </a:rPr>
+              <a:t>+?</a:t>
+            </a:r>
+            <a:r>
+              <a:rPr lang="en-US" altLang="ko-KR" sz="2175" dirty="0">
+                <a:solidFill>
+                  <a:srgbClr val="00FF00"/>
+                </a:solidFill>
+                <a:latin typeface="Monaco" pitchFamily="-84" charset="0"/>
+                <a:ea typeface="MS PGothic" panose="020B0600070205080204" pitchFamily="34" charset="-128"/>
+                <a:sym typeface="Monaco" pitchFamily="-84" charset="0"/>
+              </a:rPr>
+              <a:t> </a:t>
+            </a:r>
+            <a:r>
+              <a:rPr lang="en-US" altLang="ko-KR" sz="2175" dirty="0">
+                <a:solidFill>
+                  <a:schemeClr val="tx1"/>
+                </a:solidFill>
+                <a:latin typeface="Monaco" pitchFamily="-84" charset="0"/>
+                <a:ea typeface="MS PGothic" panose="020B0600070205080204" pitchFamily="34" charset="-128"/>
+                <a:sym typeface="Monaco" pitchFamily="-84" charset="0"/>
+              </a:rPr>
+              <a:t>      </a:t>
+            </a:r>
+            <a:r>
+              <a:rPr lang="en-US" altLang="ko-KR" sz="2175" dirty="0">
+                <a:solidFill>
+                  <a:srgbClr val="FF00FF"/>
+                </a:solidFill>
+                <a:latin typeface="Monaco" pitchFamily="-84" charset="0"/>
+                <a:ea typeface="MS PGothic" panose="020B0600070205080204" pitchFamily="34" charset="-128"/>
+                <a:sym typeface="Monaco" pitchFamily="-84" charset="0"/>
+              </a:rPr>
+              <a:t>Repeats</a:t>
+            </a:r>
+            <a:r>
+              <a:rPr lang="en-US" altLang="ko-KR" sz="2175" dirty="0">
+                <a:solidFill>
+                  <a:schemeClr val="tx1"/>
+                </a:solidFill>
+                <a:latin typeface="Monaco" pitchFamily="-84" charset="0"/>
+                <a:ea typeface="MS PGothic" panose="020B0600070205080204" pitchFamily="34" charset="-128"/>
+                <a:sym typeface="Monaco" pitchFamily="-84" charset="0"/>
+              </a:rPr>
+              <a:t> a character one or more times (non-greedy)</a:t>
+            </a:r>
+          </a:p>
+          <a:p>
+            <a:pPr algn="l" eaLnBrk="1" hangingPunct="1"/>
+            <a:r>
+              <a:rPr lang="en-US" altLang="ko-KR" sz="2175" dirty="0">
+                <a:solidFill>
+                  <a:srgbClr val="FF0000"/>
+                </a:solidFill>
+                <a:latin typeface="Monaco" pitchFamily="-84" charset="0"/>
+                <a:ea typeface="MS PGothic" panose="020B0600070205080204" pitchFamily="34" charset="-128"/>
+                <a:sym typeface="Monaco" pitchFamily="-84" charset="0"/>
+              </a:rPr>
+              <a:t>[</a:t>
+            </a:r>
+            <a:r>
+              <a:rPr lang="en-US" altLang="ko-KR" sz="2175" dirty="0" err="1">
+                <a:solidFill>
+                  <a:srgbClr val="FF0000"/>
+                </a:solidFill>
+                <a:latin typeface="Monaco" pitchFamily="-84" charset="0"/>
+                <a:ea typeface="MS PGothic" panose="020B0600070205080204" pitchFamily="34" charset="-128"/>
+                <a:sym typeface="Monaco" pitchFamily="-84" charset="0"/>
+              </a:rPr>
+              <a:t>aeiou</a:t>
+            </a:r>
+            <a:r>
+              <a:rPr lang="en-US" altLang="ko-KR" sz="2175" dirty="0">
+                <a:solidFill>
+                  <a:srgbClr val="FF0000"/>
+                </a:solidFill>
+                <a:latin typeface="Monaco" pitchFamily="-84" charset="0"/>
+                <a:ea typeface="MS PGothic" panose="020B0600070205080204" pitchFamily="34" charset="-128"/>
+                <a:sym typeface="Monaco" pitchFamily="-84" charset="0"/>
+              </a:rPr>
+              <a:t>]</a:t>
+            </a:r>
+            <a:r>
+              <a:rPr lang="en-US" altLang="ko-KR" sz="2175" dirty="0">
+                <a:solidFill>
+                  <a:schemeClr val="tx1"/>
+                </a:solidFill>
+                <a:latin typeface="Monaco" pitchFamily="-84" charset="0"/>
+                <a:ea typeface="MS PGothic" panose="020B0600070205080204" pitchFamily="34" charset="-128"/>
+                <a:sym typeface="Monaco" pitchFamily="-84" charset="0"/>
+              </a:rPr>
+              <a:t>  Matches a single character in the listed </a:t>
+            </a:r>
+            <a:r>
+              <a:rPr lang="en-US" altLang="ko-KR" sz="2175" dirty="0">
+                <a:solidFill>
+                  <a:srgbClr val="FF00FF"/>
+                </a:solidFill>
+                <a:latin typeface="Monaco" pitchFamily="-84" charset="0"/>
+                <a:ea typeface="MS PGothic" panose="020B0600070205080204" pitchFamily="34" charset="-128"/>
+                <a:sym typeface="Monaco" pitchFamily="-84" charset="0"/>
+              </a:rPr>
+              <a:t>set</a:t>
+            </a:r>
+            <a:endParaRPr lang="en-US" altLang="ko-KR" sz="2175" dirty="0">
+              <a:solidFill>
+                <a:schemeClr val="tx1"/>
+              </a:solidFill>
+              <a:latin typeface="Monaco" pitchFamily="-84" charset="0"/>
+              <a:ea typeface="MS PGothic" panose="020B0600070205080204" pitchFamily="34" charset="-128"/>
+              <a:sym typeface="Monaco" pitchFamily="-84" charset="0"/>
+            </a:endParaRPr>
+          </a:p>
+          <a:p>
+            <a:pPr algn="l" eaLnBrk="1" hangingPunct="1"/>
+            <a:r>
+              <a:rPr lang="en-US" altLang="ko-KR" sz="2175" dirty="0">
+                <a:solidFill>
+                  <a:srgbClr val="FF0000"/>
+                </a:solidFill>
+                <a:latin typeface="Monaco" pitchFamily="-84" charset="0"/>
+                <a:ea typeface="MS PGothic" panose="020B0600070205080204" pitchFamily="34" charset="-128"/>
+                <a:sym typeface="Monaco" pitchFamily="-84" charset="0"/>
+              </a:rPr>
+              <a:t>[^XYZ]   </a:t>
+            </a:r>
+            <a:r>
+              <a:rPr lang="en-US" altLang="ko-KR" sz="2175" dirty="0">
+                <a:solidFill>
+                  <a:schemeClr val="tx1"/>
+                </a:solidFill>
+                <a:latin typeface="Monaco" pitchFamily="-84" charset="0"/>
+                <a:ea typeface="MS PGothic" panose="020B0600070205080204" pitchFamily="34" charset="-128"/>
+                <a:sym typeface="Monaco" pitchFamily="-84" charset="0"/>
+              </a:rPr>
+              <a:t>Matches a single character </a:t>
+            </a:r>
+            <a:r>
+              <a:rPr lang="en-US" altLang="ko-KR" sz="2175" dirty="0">
+                <a:solidFill>
+                  <a:srgbClr val="FF00FF"/>
+                </a:solidFill>
+                <a:latin typeface="Monaco" pitchFamily="-84" charset="0"/>
+                <a:ea typeface="MS PGothic" panose="020B0600070205080204" pitchFamily="34" charset="-128"/>
+                <a:sym typeface="Monaco" pitchFamily="-84" charset="0"/>
+              </a:rPr>
+              <a:t>not in</a:t>
+            </a:r>
+            <a:r>
+              <a:rPr lang="en-US" altLang="ko-KR" sz="2175" dirty="0">
+                <a:solidFill>
+                  <a:schemeClr val="tx1"/>
+                </a:solidFill>
+                <a:latin typeface="Monaco" pitchFamily="-84" charset="0"/>
+                <a:ea typeface="MS PGothic" panose="020B0600070205080204" pitchFamily="34" charset="-128"/>
+                <a:sym typeface="Monaco" pitchFamily="-84" charset="0"/>
+              </a:rPr>
+              <a:t> the listed </a:t>
+            </a:r>
+            <a:r>
+              <a:rPr lang="en-US" altLang="ko-KR" sz="2175" dirty="0">
+                <a:solidFill>
+                  <a:srgbClr val="FF00FF"/>
+                </a:solidFill>
+                <a:latin typeface="Monaco" pitchFamily="-84" charset="0"/>
+                <a:ea typeface="MS PGothic" panose="020B0600070205080204" pitchFamily="34" charset="-128"/>
+                <a:sym typeface="Monaco" pitchFamily="-84" charset="0"/>
+              </a:rPr>
+              <a:t>set</a:t>
+            </a:r>
+            <a:endParaRPr lang="en-US" altLang="ko-KR" sz="2175" dirty="0">
+              <a:solidFill>
+                <a:schemeClr val="tx1"/>
+              </a:solidFill>
+              <a:latin typeface="Monaco" pitchFamily="-84" charset="0"/>
+              <a:ea typeface="MS PGothic" panose="020B0600070205080204" pitchFamily="34" charset="-128"/>
+              <a:sym typeface="Monaco" pitchFamily="-84" charset="0"/>
+            </a:endParaRPr>
+          </a:p>
+          <a:p>
+            <a:pPr algn="l" eaLnBrk="1" hangingPunct="1"/>
+            <a:r>
+              <a:rPr lang="en-US" altLang="ko-KR" sz="2175" dirty="0">
+                <a:solidFill>
+                  <a:srgbClr val="FF0000"/>
+                </a:solidFill>
+                <a:latin typeface="Monaco" pitchFamily="-84" charset="0"/>
+                <a:ea typeface="MS PGothic" panose="020B0600070205080204" pitchFamily="34" charset="-128"/>
+                <a:sym typeface="Monaco" pitchFamily="-84" charset="0"/>
+              </a:rPr>
+              <a:t>[a-z0-9]</a:t>
+            </a:r>
+            <a:r>
+              <a:rPr lang="en-US" altLang="ko-KR" sz="2175" dirty="0">
+                <a:solidFill>
+                  <a:schemeClr val="tx1"/>
+                </a:solidFill>
+                <a:latin typeface="Monaco" pitchFamily="-84" charset="0"/>
+                <a:ea typeface="MS PGothic" panose="020B0600070205080204" pitchFamily="34" charset="-128"/>
+                <a:sym typeface="Monaco" pitchFamily="-84" charset="0"/>
+              </a:rPr>
+              <a:t> The set of characters can include a </a:t>
+            </a:r>
+            <a:r>
+              <a:rPr lang="en-US" altLang="ko-KR" sz="2175" dirty="0">
+                <a:solidFill>
+                  <a:srgbClr val="FF00FF"/>
+                </a:solidFill>
+                <a:latin typeface="Monaco" pitchFamily="-84" charset="0"/>
+                <a:ea typeface="MS PGothic" panose="020B0600070205080204" pitchFamily="34" charset="-128"/>
+                <a:sym typeface="Monaco" pitchFamily="-84" charset="0"/>
+              </a:rPr>
+              <a:t>range</a:t>
+            </a:r>
+            <a:endParaRPr lang="en-US" altLang="ko-KR" sz="2175" dirty="0">
+              <a:solidFill>
+                <a:schemeClr val="tx1"/>
+              </a:solidFill>
+              <a:latin typeface="Monaco" pitchFamily="-84" charset="0"/>
+              <a:ea typeface="MS PGothic" panose="020B0600070205080204" pitchFamily="34" charset="-128"/>
+              <a:sym typeface="Monaco" pitchFamily="-84" charset="0"/>
+            </a:endParaRPr>
+          </a:p>
+          <a:p>
+            <a:pPr algn="l" eaLnBrk="1" hangingPunct="1"/>
+            <a:r>
+              <a:rPr lang="en-US" altLang="ko-KR" sz="2175" dirty="0">
+                <a:solidFill>
+                  <a:srgbClr val="FF0000"/>
+                </a:solidFill>
+                <a:latin typeface="Monaco" pitchFamily="-84" charset="0"/>
+                <a:ea typeface="MS PGothic" panose="020B0600070205080204" pitchFamily="34" charset="-128"/>
+                <a:sym typeface="Monaco" pitchFamily="-84" charset="0"/>
+              </a:rPr>
+              <a:t>(</a:t>
+            </a:r>
+            <a:r>
+              <a:rPr lang="en-US" altLang="ko-KR" sz="2175" dirty="0">
+                <a:solidFill>
+                  <a:srgbClr val="00FF00"/>
+                </a:solidFill>
+                <a:latin typeface="Monaco" pitchFamily="-84" charset="0"/>
+                <a:ea typeface="MS PGothic" panose="020B0600070205080204" pitchFamily="34" charset="-128"/>
+                <a:sym typeface="Monaco" pitchFamily="-84" charset="0"/>
+              </a:rPr>
+              <a:t> </a:t>
+            </a:r>
+            <a:r>
+              <a:rPr lang="en-US" altLang="ko-KR" sz="2175" dirty="0">
+                <a:solidFill>
+                  <a:schemeClr val="tx1"/>
+                </a:solidFill>
+                <a:latin typeface="Monaco" pitchFamily="-84" charset="0"/>
+                <a:ea typeface="MS PGothic" panose="020B0600070205080204" pitchFamily="34" charset="-128"/>
+                <a:sym typeface="Monaco" pitchFamily="-84" charset="0"/>
+              </a:rPr>
+              <a:t>       Indicates where string </a:t>
+            </a:r>
+            <a:r>
+              <a:rPr lang="en-US" altLang="ko-KR" sz="2175" dirty="0">
+                <a:solidFill>
+                  <a:srgbClr val="FF00FF"/>
+                </a:solidFill>
+                <a:latin typeface="Monaco" pitchFamily="-84" charset="0"/>
+                <a:ea typeface="MS PGothic" panose="020B0600070205080204" pitchFamily="34" charset="-128"/>
+                <a:sym typeface="Monaco" pitchFamily="-84" charset="0"/>
+              </a:rPr>
+              <a:t>extraction</a:t>
+            </a:r>
+            <a:r>
+              <a:rPr lang="en-US" altLang="ko-KR" sz="2175" dirty="0">
+                <a:solidFill>
+                  <a:schemeClr val="tx1"/>
+                </a:solidFill>
+                <a:latin typeface="Monaco" pitchFamily="-84" charset="0"/>
+                <a:ea typeface="MS PGothic" panose="020B0600070205080204" pitchFamily="34" charset="-128"/>
+                <a:sym typeface="Monaco" pitchFamily="-84" charset="0"/>
+              </a:rPr>
+              <a:t> is to start</a:t>
+            </a:r>
+          </a:p>
+          <a:p>
+            <a:pPr algn="l" eaLnBrk="1" hangingPunct="1"/>
+            <a:r>
+              <a:rPr lang="en-US" altLang="ko-KR" sz="2175" dirty="0">
+                <a:solidFill>
+                  <a:srgbClr val="FF0000"/>
+                </a:solidFill>
+                <a:latin typeface="Monaco" pitchFamily="-84" charset="0"/>
+                <a:ea typeface="MS PGothic" panose="020B0600070205080204" pitchFamily="34" charset="-128"/>
+                <a:sym typeface="Monaco" pitchFamily="-84" charset="0"/>
+              </a:rPr>
+              <a:t>) </a:t>
+            </a:r>
+            <a:r>
+              <a:rPr lang="en-US" altLang="ko-KR" sz="2175" dirty="0">
+                <a:solidFill>
+                  <a:srgbClr val="00FF00"/>
+                </a:solidFill>
+                <a:latin typeface="Monaco" pitchFamily="-84" charset="0"/>
+                <a:ea typeface="MS PGothic" panose="020B0600070205080204" pitchFamily="34" charset="-128"/>
+                <a:sym typeface="Monaco" pitchFamily="-84" charset="0"/>
+              </a:rPr>
+              <a:t> </a:t>
+            </a:r>
+            <a:r>
+              <a:rPr lang="en-US" altLang="ko-KR" sz="2175" dirty="0">
+                <a:solidFill>
+                  <a:schemeClr val="tx1"/>
+                </a:solidFill>
+                <a:latin typeface="Monaco" pitchFamily="-84" charset="0"/>
+                <a:ea typeface="MS PGothic" panose="020B0600070205080204" pitchFamily="34" charset="-128"/>
+                <a:sym typeface="Monaco" pitchFamily="-84" charset="0"/>
+              </a:rPr>
+              <a:t>      Indicates where string </a:t>
+            </a:r>
+            <a:r>
+              <a:rPr lang="en-US" altLang="ko-KR" sz="2175" dirty="0">
+                <a:solidFill>
+                  <a:srgbClr val="FF00FF"/>
+                </a:solidFill>
+                <a:latin typeface="Monaco" pitchFamily="-84" charset="0"/>
+                <a:ea typeface="MS PGothic" panose="020B0600070205080204" pitchFamily="34" charset="-128"/>
+                <a:sym typeface="Monaco" pitchFamily="-84" charset="0"/>
+              </a:rPr>
+              <a:t>extraction</a:t>
+            </a:r>
+            <a:r>
+              <a:rPr lang="en-US" altLang="ko-KR" sz="2175" dirty="0">
+                <a:solidFill>
+                  <a:schemeClr val="tx1"/>
+                </a:solidFill>
+                <a:latin typeface="Monaco" pitchFamily="-84" charset="0"/>
+                <a:ea typeface="MS PGothic" panose="020B0600070205080204" pitchFamily="34" charset="-128"/>
+                <a:sym typeface="Monaco" pitchFamily="-84" charset="0"/>
+              </a:rPr>
+              <a:t> is to end</a:t>
+            </a:r>
+          </a:p>
+        </p:txBody>
+      </p:sp>
+    </p:spTree>
+    <p:extLst>
+      <p:ext uri="{BB962C8B-B14F-4D97-AF65-F5344CB8AC3E}">
+        <p14:creationId xmlns:p14="http://schemas.microsoft.com/office/powerpoint/2010/main" val="1896815747"/>
+      </p:ext>
+    </p:extLst>
+  </p:cSld>
+  <p:clrMapOvr>
+    <a:masterClrMapping/>
+  </p:clrMapOvr>
+</p:sld>
+</file>
+
+<file path=ppt/slides/slide18.xml><?xml version="1.0" encoding="utf-8"?>
+<p:sld xmlns:a="http://schemas.openxmlformats.org/drawingml/2006/main" xmlns:r="http://schemas.openxmlformats.org/officeDocument/2006/relationships" xmlns:p="http://schemas.openxmlformats.org/presentationml/2006/main">
+  <p:cSld>
+    <p:spTree>
+      <p:nvGrpSpPr>
+        <p:cNvPr id="1" name=""/>
+        <p:cNvGrpSpPr/>
+        <p:nvPr/>
+      </p:nvGrpSpPr>
+      <p:grpSpPr>
+        <a:xfrm>
+          <a:off x="0" y="0"/>
+          <a:ext cx="0" cy="0"/>
+          <a:chOff x="0" y="0"/>
+          <a:chExt cx="0" cy="0"/>
+        </a:xfrm>
+      </p:grpSpPr>
+      <p:sp>
+        <p:nvSpPr>
+          <p:cNvPr id="2" name="제목 1">
+            <a:extLst>
+              <a:ext uri="{FF2B5EF4-FFF2-40B4-BE49-F238E27FC236}">
+                <a16:creationId xmlns:a16="http://schemas.microsoft.com/office/drawing/2014/main" id="{AB89A0F0-BACC-4ABF-92CF-5E461CD8B0C8}"/>
+              </a:ext>
+            </a:extLst>
+          </p:cNvPr>
+          <p:cNvSpPr>
+            <a:spLocks noGrp="1"/>
+          </p:cNvSpPr>
+          <p:nvPr>
+            <p:ph type="title"/>
+          </p:nvPr>
+        </p:nvSpPr>
+        <p:spPr/>
+        <p:txBody>
+          <a:bodyPr/>
+          <a:lstStyle/>
+          <a:p>
+            <a:r>
+              <a:rPr lang="en-US" altLang="ko-KR" dirty="0">
+                <a:sym typeface="Gill Sans" charset="0"/>
+              </a:rPr>
+              <a:t>The Regular Expression Module</a:t>
+            </a:r>
+            <a:endParaRPr lang="ko-KR" altLang="en-US" dirty="0"/>
+          </a:p>
+        </p:txBody>
+      </p:sp>
+      <p:sp>
+        <p:nvSpPr>
+          <p:cNvPr id="3" name="내용 개체 틀 2">
+            <a:extLst>
+              <a:ext uri="{FF2B5EF4-FFF2-40B4-BE49-F238E27FC236}">
+                <a16:creationId xmlns:a16="http://schemas.microsoft.com/office/drawing/2014/main" id="{4CE8BDBB-1DE9-4710-8793-302BC4A792BA}"/>
+              </a:ext>
+            </a:extLst>
+          </p:cNvPr>
+          <p:cNvSpPr>
+            <a:spLocks noGrp="1"/>
+          </p:cNvSpPr>
+          <p:nvPr>
+            <p:ph idx="1"/>
+          </p:nvPr>
+        </p:nvSpPr>
+        <p:spPr/>
+        <p:txBody>
+          <a:bodyPr/>
+          <a:lstStyle/>
+          <a:p>
+            <a:pPr marL="749300">
+              <a:buFont typeface="Gill Sans" charset="0"/>
+              <a:buChar char="•"/>
+              <a:defRPr/>
+            </a:pPr>
+            <a:r>
+              <a:rPr lang="en-US" altLang="ko-KR" dirty="0">
+                <a:sym typeface="Gill Sans" charset="0"/>
+              </a:rPr>
+              <a:t>Before you can use regular expressions in your program, you must import the library using "</a:t>
+            </a:r>
+            <a:r>
+              <a:rPr lang="en-US" altLang="ko-KR" dirty="0">
+                <a:solidFill>
+                  <a:srgbClr val="00FF00"/>
+                </a:solidFill>
+                <a:sym typeface="Gill Sans" charset="0"/>
+              </a:rPr>
+              <a:t>import re</a:t>
+            </a:r>
+            <a:r>
+              <a:rPr lang="en-US" altLang="ko-KR" dirty="0">
+                <a:sym typeface="Gill Sans" charset="0"/>
+              </a:rPr>
+              <a:t>"</a:t>
+            </a:r>
+          </a:p>
+          <a:p>
+            <a:pPr marL="749300">
+              <a:buFont typeface="Gill Sans" charset="0"/>
+              <a:buChar char="•"/>
+              <a:defRPr/>
+            </a:pPr>
+            <a:r>
+              <a:rPr lang="en-US" altLang="ko-KR" dirty="0">
+                <a:sym typeface="Gill Sans" charset="0"/>
+              </a:rPr>
+              <a:t>You can use </a:t>
+            </a:r>
+            <a:r>
+              <a:rPr lang="en-US" altLang="ko-KR" dirty="0" err="1">
+                <a:solidFill>
+                  <a:srgbClr val="00FF00"/>
+                </a:solidFill>
+                <a:sym typeface="Gill Sans" charset="0"/>
+              </a:rPr>
+              <a:t>re.search</a:t>
+            </a:r>
+            <a:r>
+              <a:rPr lang="en-US" altLang="ko-KR" dirty="0">
+                <a:solidFill>
+                  <a:srgbClr val="00FF00"/>
+                </a:solidFill>
+                <a:sym typeface="Gill Sans" charset="0"/>
+              </a:rPr>
+              <a:t>()</a:t>
+            </a:r>
+            <a:r>
+              <a:rPr lang="en-US" altLang="ko-KR" dirty="0">
+                <a:sym typeface="Gill Sans" charset="0"/>
+              </a:rPr>
+              <a:t> to see if a string matches a regular expression similar to using the </a:t>
+            </a:r>
+            <a:r>
+              <a:rPr lang="en-US" altLang="ko-KR" dirty="0">
+                <a:solidFill>
+                  <a:srgbClr val="FF00FF"/>
+                </a:solidFill>
+                <a:sym typeface="Gill Sans" charset="0"/>
+              </a:rPr>
+              <a:t>find()</a:t>
+            </a:r>
+            <a:r>
+              <a:rPr lang="en-US" altLang="ko-KR" dirty="0">
+                <a:sym typeface="Gill Sans" charset="0"/>
+              </a:rPr>
+              <a:t> method for strings</a:t>
+            </a:r>
+          </a:p>
+          <a:p>
+            <a:pPr marL="749300">
+              <a:buFont typeface="Gill Sans" charset="0"/>
+              <a:buChar char="•"/>
+              <a:defRPr/>
+            </a:pPr>
+            <a:r>
+              <a:rPr lang="en-US" altLang="ko-KR" dirty="0">
+                <a:sym typeface="Gill Sans" charset="0"/>
+              </a:rPr>
+              <a:t>You can use </a:t>
+            </a:r>
+            <a:r>
+              <a:rPr lang="en-US" altLang="ko-KR" dirty="0" err="1">
+                <a:solidFill>
+                  <a:srgbClr val="00FF00"/>
+                </a:solidFill>
+                <a:sym typeface="Gill Sans" charset="0"/>
+              </a:rPr>
+              <a:t>re.findall</a:t>
+            </a:r>
+            <a:r>
+              <a:rPr lang="en-US" altLang="ko-KR" dirty="0">
+                <a:solidFill>
+                  <a:srgbClr val="00FF00"/>
+                </a:solidFill>
+                <a:sym typeface="Gill Sans" charset="0"/>
+              </a:rPr>
+              <a:t>()</a:t>
+            </a:r>
+            <a:r>
+              <a:rPr lang="en-US" altLang="ko-KR" dirty="0">
+                <a:sym typeface="Gill Sans" charset="0"/>
+              </a:rPr>
+              <a:t> extract portions of a string that match your regular expression similar to a combination of </a:t>
+            </a:r>
+            <a:r>
+              <a:rPr lang="en-US" altLang="ko-KR" dirty="0">
+                <a:solidFill>
+                  <a:srgbClr val="FF00FF"/>
+                </a:solidFill>
+                <a:sym typeface="Gill Sans" charset="0"/>
+              </a:rPr>
+              <a:t>find()</a:t>
+            </a:r>
+            <a:r>
+              <a:rPr lang="en-US" altLang="ko-KR" dirty="0">
+                <a:sym typeface="Gill Sans" charset="0"/>
+              </a:rPr>
+              <a:t> and slicing:       </a:t>
+            </a:r>
+            <a:r>
+              <a:rPr lang="en-US" altLang="ko-KR" dirty="0" err="1">
+                <a:solidFill>
+                  <a:srgbClr val="FF00FF"/>
+                </a:solidFill>
+                <a:sym typeface="Gill Sans" charset="0"/>
+              </a:rPr>
+              <a:t>var</a:t>
+            </a:r>
+            <a:r>
+              <a:rPr lang="en-US" altLang="ko-KR" dirty="0">
+                <a:solidFill>
+                  <a:srgbClr val="FF00FF"/>
+                </a:solidFill>
+                <a:sym typeface="Gill Sans" charset="0"/>
+              </a:rPr>
+              <a:t>[5:10] </a:t>
+            </a:r>
+          </a:p>
+          <a:p>
+            <a:endParaRPr lang="ko-KR" altLang="en-US" dirty="0"/>
+          </a:p>
+        </p:txBody>
+      </p:sp>
+    </p:spTree>
+    <p:extLst>
+      <p:ext uri="{BB962C8B-B14F-4D97-AF65-F5344CB8AC3E}">
+        <p14:creationId xmlns:p14="http://schemas.microsoft.com/office/powerpoint/2010/main" val="1870220354"/>
+      </p:ext>
+    </p:extLst>
+  </p:cSld>
+  <p:clrMapOvr>
+    <a:masterClrMapping/>
+  </p:clrMapOvr>
+</p:sld>
+</file>
+
+<file path=ppt/slides/slide19.xml><?xml version="1.0" encoding="utf-8"?>
+<p:sld xmlns:a="http://schemas.openxmlformats.org/drawingml/2006/main" xmlns:r="http://schemas.openxmlformats.org/officeDocument/2006/relationships" xmlns:p="http://schemas.openxmlformats.org/presentationml/2006/main">
+  <p:cSld>
+    <p:spTree>
+      <p:nvGrpSpPr>
+        <p:cNvPr id="1" name=""/>
+        <p:cNvGrpSpPr/>
+        <p:nvPr/>
+      </p:nvGrpSpPr>
+      <p:grpSpPr>
+        <a:xfrm>
+          <a:off x="0" y="0"/>
+          <a:ext cx="0" cy="0"/>
+          <a:chOff x="0" y="0"/>
+          <a:chExt cx="0" cy="0"/>
+        </a:xfrm>
+      </p:grpSpPr>
+      <p:sp>
+        <p:nvSpPr>
+          <p:cNvPr id="2" name="제목 1">
+            <a:extLst>
+              <a:ext uri="{FF2B5EF4-FFF2-40B4-BE49-F238E27FC236}">
+                <a16:creationId xmlns:a16="http://schemas.microsoft.com/office/drawing/2014/main" id="{AB9EFA7C-9479-4DAB-8513-FD480BA44E46}"/>
+              </a:ext>
+            </a:extLst>
+          </p:cNvPr>
+          <p:cNvSpPr>
+            <a:spLocks noGrp="1"/>
+          </p:cNvSpPr>
+          <p:nvPr>
+            <p:ph type="title"/>
+          </p:nvPr>
+        </p:nvSpPr>
+        <p:spPr>
+          <a:xfrm>
+            <a:off x="1451579" y="804519"/>
+            <a:ext cx="9603275" cy="1049235"/>
+          </a:xfrm>
+        </p:spPr>
+        <p:txBody>
+          <a:bodyPr/>
+          <a:lstStyle/>
+          <a:p>
+            <a:r>
+              <a:rPr lang="en-US" altLang="ko-KR" dirty="0">
+                <a:sym typeface="Gill Sans" charset="0"/>
+              </a:rPr>
+              <a:t>Using </a:t>
+            </a:r>
+            <a:r>
+              <a:rPr lang="en-US" altLang="ko-KR" dirty="0" err="1">
+                <a:solidFill>
+                  <a:srgbClr val="00FF00"/>
+                </a:solidFill>
+                <a:sym typeface="Gill Sans" charset="0"/>
+              </a:rPr>
+              <a:t>re.search</a:t>
+            </a:r>
+            <a:r>
+              <a:rPr lang="en-US" altLang="ko-KR" dirty="0">
+                <a:solidFill>
+                  <a:srgbClr val="00FF00"/>
+                </a:solidFill>
+                <a:sym typeface="Gill Sans" charset="0"/>
+              </a:rPr>
+              <a:t>()</a:t>
+            </a:r>
+            <a:r>
+              <a:rPr lang="en-US" altLang="ko-KR" dirty="0">
+                <a:sym typeface="Gill Sans" charset="0"/>
+              </a:rPr>
+              <a:t> like </a:t>
+            </a:r>
+            <a:r>
+              <a:rPr lang="en-US" altLang="ko-KR" dirty="0">
+                <a:solidFill>
+                  <a:srgbClr val="FF00FF"/>
+                </a:solidFill>
+                <a:sym typeface="Gill Sans" charset="0"/>
+              </a:rPr>
+              <a:t>find()</a:t>
+            </a:r>
+            <a:endParaRPr lang="ko-KR" altLang="en-US" dirty="0"/>
+          </a:p>
+        </p:txBody>
+      </p:sp>
+      <p:sp>
+        <p:nvSpPr>
+          <p:cNvPr id="4" name="Rectangle 2">
+            <a:extLst>
+              <a:ext uri="{FF2B5EF4-FFF2-40B4-BE49-F238E27FC236}">
+                <a16:creationId xmlns:a16="http://schemas.microsoft.com/office/drawing/2014/main" id="{71CE03D8-7D7A-4F53-810C-9AA40E496D11}"/>
+              </a:ext>
+            </a:extLst>
+          </p:cNvPr>
+          <p:cNvSpPr>
+            <a:spLocks/>
+          </p:cNvSpPr>
+          <p:nvPr/>
+        </p:nvSpPr>
+        <p:spPr bwMode="auto">
+          <a:xfrm>
+            <a:off x="6983922" y="2577836"/>
+            <a:ext cx="3899144" cy="2693045"/>
+          </a:xfrm>
+          <a:prstGeom prst="rect">
+            <a:avLst/>
+          </a:prstGeom>
+          <a:noFill/>
+          <a:ln>
+            <a:noFill/>
+          </a:ln>
+          <a:extLst>
+            <a:ext uri="{909E8E84-426E-40DD-AFC4-6F175D3DCCD1}">
+              <a14:hiddenFill xmlns:a14="http://schemas.microsoft.com/office/drawing/2010/main">
+                <a:solidFill>
+                  <a:srgbClr val="FFFFFF"/>
+                </a:solidFill>
+              </a14:hiddenFill>
+            </a:ext>
+            <a:ext uri="{91240B29-F687-4F45-9708-019B960494DF}">
+              <a14:hiddenLine xmlns:a14="http://schemas.microsoft.com/office/drawing/2010/main" w="12700">
+                <a:solidFill>
+                  <a:srgbClr val="000000"/>
+                </a:solidFill>
+                <a:miter lim="800000"/>
+                <a:headEnd/>
+                <a:tailEnd/>
+              </a14:hiddenLine>
+            </a:ext>
+          </a:extLst>
+        </p:spPr>
+        <p:txBody>
+          <a:bodyPr wrap="none" lIns="0" tIns="0" rIns="0" bIns="0" anchor="ctr">
+            <a:spAutoFit/>
+          </a:bodyPr>
+          <a:lstStyle>
+            <a:lvl1pPr eaLnBrk="0" hangingPunct="0">
+              <a:defRPr sz="3600">
+                <a:solidFill>
+                  <a:srgbClr val="FFFFFF"/>
+                </a:solidFill>
+                <a:latin typeface="Gill Sans" pitchFamily="-84" charset="0"/>
+                <a:ea typeface="ヒラギノ角ゴ ProN W3" pitchFamily="-84" charset="-128"/>
+                <a:sym typeface="Gill Sans" pitchFamily="-84" charset="0"/>
+              </a:defRPr>
+            </a:lvl1pPr>
+            <a:lvl2pPr marL="742950" indent="-285750" eaLnBrk="0" hangingPunct="0">
+              <a:defRPr sz="3600">
+                <a:solidFill>
+                  <a:srgbClr val="FFFFFF"/>
+                </a:solidFill>
+                <a:latin typeface="Gill Sans" pitchFamily="-84" charset="0"/>
+                <a:ea typeface="ヒラギノ角ゴ ProN W3" pitchFamily="-84" charset="-128"/>
+                <a:sym typeface="Gill Sans" pitchFamily="-84" charset="0"/>
+              </a:defRPr>
+            </a:lvl2pPr>
+            <a:lvl3pPr marL="1143000" indent="-228600" eaLnBrk="0" hangingPunct="0">
+              <a:defRPr sz="3600">
+                <a:solidFill>
+                  <a:srgbClr val="FFFFFF"/>
+                </a:solidFill>
+                <a:latin typeface="Gill Sans" pitchFamily="-84" charset="0"/>
+                <a:ea typeface="ヒラギノ角ゴ ProN W3" pitchFamily="-84" charset="-128"/>
+                <a:sym typeface="Gill Sans" pitchFamily="-84" charset="0"/>
+              </a:defRPr>
+            </a:lvl3pPr>
+            <a:lvl4pPr marL="1600200" indent="-228600" eaLnBrk="0" hangingPunct="0">
+              <a:defRPr sz="3600">
+                <a:solidFill>
+                  <a:srgbClr val="FFFFFF"/>
+                </a:solidFill>
+                <a:latin typeface="Gill Sans" pitchFamily="-84" charset="0"/>
+                <a:ea typeface="ヒラギノ角ゴ ProN W3" pitchFamily="-84" charset="-128"/>
+                <a:sym typeface="Gill Sans" pitchFamily="-84" charset="0"/>
+              </a:defRPr>
+            </a:lvl4pPr>
+            <a:lvl5pPr marL="2057400" indent="-228600" eaLnBrk="0" hangingPunct="0">
+              <a:defRPr sz="3600">
+                <a:solidFill>
+                  <a:srgbClr val="FFFFFF"/>
+                </a:solidFill>
+                <a:latin typeface="Gill Sans" pitchFamily="-84" charset="0"/>
+                <a:ea typeface="ヒラギノ角ゴ ProN W3" pitchFamily="-84" charset="-128"/>
+                <a:sym typeface="Gill Sans" pitchFamily="-84" charset="0"/>
+              </a:defRPr>
+            </a:lvl5pPr>
+            <a:lvl6pPr marL="2514600" indent="-228600" algn="ctr" eaLnBrk="0" fontAlgn="base" hangingPunct="0">
+              <a:spcBef>
+                <a:spcPct val="0"/>
+              </a:spcBef>
+              <a:spcAft>
+                <a:spcPct val="0"/>
+              </a:spcAft>
+              <a:defRPr sz="3600">
+                <a:solidFill>
+                  <a:srgbClr val="FFFFFF"/>
+                </a:solidFill>
+                <a:latin typeface="Gill Sans" pitchFamily="-84" charset="0"/>
+                <a:ea typeface="ヒラギノ角ゴ ProN W3" pitchFamily="-84" charset="-128"/>
+                <a:sym typeface="Gill Sans" pitchFamily="-84" charset="0"/>
+              </a:defRPr>
+            </a:lvl6pPr>
+            <a:lvl7pPr marL="2971800" indent="-228600" algn="ctr" eaLnBrk="0" fontAlgn="base" hangingPunct="0">
+              <a:spcBef>
+                <a:spcPct val="0"/>
+              </a:spcBef>
+              <a:spcAft>
+                <a:spcPct val="0"/>
+              </a:spcAft>
+              <a:defRPr sz="3600">
+                <a:solidFill>
+                  <a:srgbClr val="FFFFFF"/>
+                </a:solidFill>
+                <a:latin typeface="Gill Sans" pitchFamily="-84" charset="0"/>
+                <a:ea typeface="ヒラギノ角ゴ ProN W3" pitchFamily="-84" charset="-128"/>
+                <a:sym typeface="Gill Sans" pitchFamily="-84" charset="0"/>
+              </a:defRPr>
+            </a:lvl7pPr>
+            <a:lvl8pPr marL="3429000" indent="-228600" algn="ctr" eaLnBrk="0" fontAlgn="base" hangingPunct="0">
+              <a:spcBef>
+                <a:spcPct val="0"/>
+              </a:spcBef>
+              <a:spcAft>
+                <a:spcPct val="0"/>
+              </a:spcAft>
+              <a:defRPr sz="3600">
+                <a:solidFill>
+                  <a:srgbClr val="FFFFFF"/>
+                </a:solidFill>
+                <a:latin typeface="Gill Sans" pitchFamily="-84" charset="0"/>
+                <a:ea typeface="ヒラギノ角ゴ ProN W3" pitchFamily="-84" charset="-128"/>
+                <a:sym typeface="Gill Sans" pitchFamily="-84" charset="0"/>
+              </a:defRPr>
+            </a:lvl8pPr>
+            <a:lvl9pPr marL="3886200" indent="-228600" algn="ctr" eaLnBrk="0" fontAlgn="base" hangingPunct="0">
+              <a:spcBef>
+                <a:spcPct val="0"/>
+              </a:spcBef>
+              <a:spcAft>
+                <a:spcPct val="0"/>
+              </a:spcAft>
+              <a:defRPr sz="3600">
+                <a:solidFill>
+                  <a:srgbClr val="FFFFFF"/>
+                </a:solidFill>
+                <a:latin typeface="Gill Sans" pitchFamily="-84" charset="0"/>
+                <a:ea typeface="ヒラギノ角ゴ ProN W3" pitchFamily="-84" charset="-128"/>
+                <a:sym typeface="Gill Sans" pitchFamily="-84" charset="0"/>
+              </a:defRPr>
+            </a:lvl9pPr>
+          </a:lstStyle>
+          <a:p>
+            <a:pPr algn="l" eaLnBrk="1" hangingPunct="1"/>
+            <a:r>
+              <a:rPr lang="en-US" altLang="ko-KR" sz="2500" dirty="0">
+                <a:solidFill>
+                  <a:srgbClr val="00FF00"/>
+                </a:solidFill>
+                <a:ea typeface="MS PGothic" panose="020B0600070205080204" pitchFamily="34" charset="-128"/>
+              </a:rPr>
+              <a:t>import re</a:t>
+            </a:r>
+          </a:p>
+          <a:p>
+            <a:pPr algn="l" eaLnBrk="1" hangingPunct="1"/>
+            <a:endParaRPr lang="en-US" altLang="ko-KR" sz="2500" dirty="0">
+              <a:solidFill>
+                <a:srgbClr val="00FF00"/>
+              </a:solidFill>
+              <a:ea typeface="MS PGothic" panose="020B0600070205080204" pitchFamily="34" charset="-128"/>
+            </a:endParaRPr>
+          </a:p>
+          <a:p>
+            <a:pPr algn="l" eaLnBrk="1" hangingPunct="1"/>
+            <a:r>
+              <a:rPr lang="en-US" altLang="ko-KR" sz="2500" dirty="0">
+                <a:solidFill>
+                  <a:schemeClr val="tx1"/>
+                </a:solidFill>
+                <a:ea typeface="MS PGothic" panose="020B0600070205080204" pitchFamily="34" charset="-128"/>
+              </a:rPr>
+              <a:t>hand = open(</a:t>
+            </a:r>
+            <a:r>
+              <a:rPr lang="fr-FR" altLang="ko-KR" sz="2500" dirty="0">
+                <a:solidFill>
+                  <a:schemeClr val="tx1"/>
+                </a:solidFill>
+                <a:ea typeface="MS PGothic" panose="020B0600070205080204" pitchFamily="34" charset="-128"/>
+              </a:rPr>
+              <a:t>'</a:t>
+            </a:r>
+            <a:r>
+              <a:rPr lang="en-US" altLang="ko-KR" sz="2500" dirty="0">
+                <a:solidFill>
+                  <a:schemeClr val="tx1"/>
+                </a:solidFill>
+                <a:ea typeface="MS PGothic" panose="020B0600070205080204" pitchFamily="34" charset="-128"/>
+              </a:rPr>
+              <a:t>mbox-short.txt</a:t>
+            </a:r>
+            <a:r>
+              <a:rPr lang="fr-FR" altLang="ko-KR" sz="2500" dirty="0">
+                <a:solidFill>
+                  <a:schemeClr val="tx1"/>
+                </a:solidFill>
+                <a:ea typeface="MS PGothic" panose="020B0600070205080204" pitchFamily="34" charset="-128"/>
+              </a:rPr>
+              <a:t>'</a:t>
+            </a:r>
+            <a:r>
+              <a:rPr lang="en-US" altLang="ko-KR" sz="2500" dirty="0">
+                <a:solidFill>
+                  <a:schemeClr val="tx1"/>
+                </a:solidFill>
+                <a:ea typeface="MS PGothic" panose="020B0600070205080204" pitchFamily="34" charset="-128"/>
+              </a:rPr>
+              <a:t>)</a:t>
+            </a:r>
+          </a:p>
+          <a:p>
+            <a:pPr algn="l" eaLnBrk="1" hangingPunct="1"/>
+            <a:r>
+              <a:rPr lang="en-US" altLang="ko-KR" sz="2500" dirty="0">
+                <a:solidFill>
+                  <a:schemeClr val="tx1"/>
+                </a:solidFill>
+                <a:ea typeface="MS PGothic" panose="020B0600070205080204" pitchFamily="34" charset="-128"/>
+              </a:rPr>
+              <a:t>for line in hand:</a:t>
+            </a:r>
+          </a:p>
+          <a:p>
+            <a:pPr algn="l" eaLnBrk="1" hangingPunct="1"/>
+            <a:r>
+              <a:rPr lang="en-US" altLang="ko-KR" sz="2500" dirty="0">
+                <a:solidFill>
+                  <a:schemeClr val="tx1"/>
+                </a:solidFill>
+                <a:ea typeface="MS PGothic" panose="020B0600070205080204" pitchFamily="34" charset="-128"/>
+              </a:rPr>
+              <a:t>    line = </a:t>
+            </a:r>
+            <a:r>
+              <a:rPr lang="en-US" altLang="ko-KR" sz="2500" dirty="0" err="1">
+                <a:solidFill>
+                  <a:schemeClr val="tx1"/>
+                </a:solidFill>
+                <a:ea typeface="MS PGothic" panose="020B0600070205080204" pitchFamily="34" charset="-128"/>
+              </a:rPr>
+              <a:t>line.rstrip</a:t>
+            </a:r>
+            <a:r>
+              <a:rPr lang="en-US" altLang="ko-KR" sz="2500" dirty="0">
+                <a:solidFill>
+                  <a:schemeClr val="tx1"/>
+                </a:solidFill>
+                <a:ea typeface="MS PGothic" panose="020B0600070205080204" pitchFamily="34" charset="-128"/>
+              </a:rPr>
+              <a:t>()</a:t>
+            </a:r>
+          </a:p>
+          <a:p>
+            <a:pPr algn="l" eaLnBrk="1" hangingPunct="1"/>
+            <a:r>
+              <a:rPr lang="en-US" altLang="ko-KR" sz="2500" dirty="0">
+                <a:solidFill>
+                  <a:schemeClr val="tx1"/>
+                </a:solidFill>
+                <a:ea typeface="MS PGothic" panose="020B0600070205080204" pitchFamily="34" charset="-128"/>
+              </a:rPr>
+              <a:t>    if </a:t>
+            </a:r>
+            <a:r>
+              <a:rPr lang="en-US" altLang="ko-KR" sz="2500" dirty="0" err="1">
+                <a:solidFill>
+                  <a:srgbClr val="00FF00"/>
+                </a:solidFill>
+                <a:ea typeface="MS PGothic" panose="020B0600070205080204" pitchFamily="34" charset="-128"/>
+              </a:rPr>
+              <a:t>re.search</a:t>
+            </a:r>
+            <a:r>
+              <a:rPr lang="en-US" altLang="ko-KR" sz="2500" dirty="0">
+                <a:solidFill>
+                  <a:srgbClr val="00FF00"/>
+                </a:solidFill>
+                <a:ea typeface="MS PGothic" panose="020B0600070205080204" pitchFamily="34" charset="-128"/>
+              </a:rPr>
+              <a:t>(</a:t>
+            </a:r>
+            <a:r>
+              <a:rPr lang="fr-FR" altLang="ko-KR" sz="2500" dirty="0">
+                <a:solidFill>
+                  <a:srgbClr val="00FF00"/>
+                </a:solidFill>
+                <a:ea typeface="MS PGothic" panose="020B0600070205080204" pitchFamily="34" charset="-128"/>
+              </a:rPr>
+              <a:t>'</a:t>
+            </a:r>
+            <a:r>
+              <a:rPr lang="en-US" altLang="ko-KR" sz="2500" dirty="0">
+                <a:solidFill>
+                  <a:srgbClr val="00FF00"/>
+                </a:solidFill>
+                <a:ea typeface="MS PGothic" panose="020B0600070205080204" pitchFamily="34" charset="-128"/>
+              </a:rPr>
+              <a:t>From:</a:t>
+            </a:r>
+            <a:r>
+              <a:rPr lang="fr-FR" altLang="ko-KR" sz="2500" dirty="0">
+                <a:solidFill>
+                  <a:srgbClr val="00FF00"/>
+                </a:solidFill>
+                <a:ea typeface="MS PGothic" panose="020B0600070205080204" pitchFamily="34" charset="-128"/>
+              </a:rPr>
+              <a:t>'</a:t>
+            </a:r>
+            <a:r>
+              <a:rPr lang="en-US" altLang="ko-KR" sz="2500" dirty="0">
+                <a:solidFill>
+                  <a:srgbClr val="00FF00"/>
+                </a:solidFill>
+                <a:ea typeface="MS PGothic" panose="020B0600070205080204" pitchFamily="34" charset="-128"/>
+              </a:rPr>
+              <a:t>, line)</a:t>
+            </a:r>
+            <a:r>
+              <a:rPr lang="en-US" altLang="ko-KR" sz="2500" dirty="0">
+                <a:solidFill>
+                  <a:schemeClr val="tx1"/>
+                </a:solidFill>
+                <a:ea typeface="MS PGothic" panose="020B0600070205080204" pitchFamily="34" charset="-128"/>
+              </a:rPr>
+              <a:t> :</a:t>
+            </a:r>
+          </a:p>
+          <a:p>
+            <a:pPr algn="l" eaLnBrk="1" hangingPunct="1"/>
+            <a:r>
+              <a:rPr lang="en-US" altLang="ko-KR" sz="2500" dirty="0">
+                <a:solidFill>
+                  <a:schemeClr val="tx1"/>
+                </a:solidFill>
+                <a:ea typeface="MS PGothic" panose="020B0600070205080204" pitchFamily="34" charset="-128"/>
+              </a:rPr>
+              <a:t>        </a:t>
+            </a:r>
+            <a:r>
+              <a:rPr lang="en-US" altLang="ko-KR" sz="2500">
+                <a:solidFill>
+                  <a:schemeClr val="tx1"/>
+                </a:solidFill>
+                <a:ea typeface="MS PGothic" panose="020B0600070205080204" pitchFamily="34" charset="-128"/>
+              </a:rPr>
+              <a:t>print (line)</a:t>
+            </a:r>
+            <a:endParaRPr lang="en-US" altLang="ko-KR" sz="2500" dirty="0">
+              <a:solidFill>
+                <a:schemeClr val="tx1"/>
+              </a:solidFill>
+              <a:ea typeface="MS PGothic" panose="020B0600070205080204" pitchFamily="34" charset="-128"/>
+            </a:endParaRPr>
+          </a:p>
+        </p:txBody>
+      </p:sp>
+      <p:sp>
+        <p:nvSpPr>
+          <p:cNvPr id="5" name="Rectangle 3">
+            <a:extLst>
+              <a:ext uri="{FF2B5EF4-FFF2-40B4-BE49-F238E27FC236}">
+                <a16:creationId xmlns:a16="http://schemas.microsoft.com/office/drawing/2014/main" id="{4C0BBAA5-89EE-4D47-9C63-4638AA605E79}"/>
+              </a:ext>
+            </a:extLst>
+          </p:cNvPr>
+          <p:cNvSpPr>
+            <a:spLocks/>
+          </p:cNvSpPr>
+          <p:nvPr/>
+        </p:nvSpPr>
+        <p:spPr bwMode="auto">
+          <a:xfrm>
+            <a:off x="1451579" y="3080643"/>
+            <a:ext cx="3899144" cy="1923604"/>
+          </a:xfrm>
+          <a:prstGeom prst="rect">
+            <a:avLst/>
+          </a:prstGeom>
+          <a:noFill/>
+          <a:ln>
+            <a:noFill/>
+          </a:ln>
+          <a:extLst>
+            <a:ext uri="{909E8E84-426E-40DD-AFC4-6F175D3DCCD1}">
+              <a14:hiddenFill xmlns:a14="http://schemas.microsoft.com/office/drawing/2010/main">
+                <a:solidFill>
+                  <a:srgbClr val="FFFFFF"/>
+                </a:solidFill>
+              </a14:hiddenFill>
+            </a:ext>
+            <a:ext uri="{91240B29-F687-4F45-9708-019B960494DF}">
+              <a14:hiddenLine xmlns:a14="http://schemas.microsoft.com/office/drawing/2010/main" w="12700">
+                <a:solidFill>
+                  <a:srgbClr val="000000"/>
+                </a:solidFill>
+                <a:miter lim="800000"/>
+                <a:headEnd/>
+                <a:tailEnd/>
+              </a14:hiddenLine>
+            </a:ext>
+          </a:extLst>
+        </p:spPr>
+        <p:txBody>
+          <a:bodyPr wrap="none" lIns="0" tIns="0" rIns="0" bIns="0" anchor="ctr">
+            <a:spAutoFit/>
+          </a:bodyPr>
+          <a:lstStyle>
+            <a:lvl1pPr eaLnBrk="0" hangingPunct="0">
+              <a:defRPr sz="3600">
+                <a:solidFill>
+                  <a:srgbClr val="FFFFFF"/>
+                </a:solidFill>
+                <a:latin typeface="Gill Sans" pitchFamily="-84" charset="0"/>
+                <a:ea typeface="ヒラギノ角ゴ ProN W3" pitchFamily="-84" charset="-128"/>
+                <a:sym typeface="Gill Sans" pitchFamily="-84" charset="0"/>
+              </a:defRPr>
+            </a:lvl1pPr>
+            <a:lvl2pPr marL="742950" indent="-285750" eaLnBrk="0" hangingPunct="0">
+              <a:defRPr sz="3600">
+                <a:solidFill>
+                  <a:srgbClr val="FFFFFF"/>
+                </a:solidFill>
+                <a:latin typeface="Gill Sans" pitchFamily="-84" charset="0"/>
+                <a:ea typeface="ヒラギノ角ゴ ProN W3" pitchFamily="-84" charset="-128"/>
+                <a:sym typeface="Gill Sans" pitchFamily="-84" charset="0"/>
+              </a:defRPr>
+            </a:lvl2pPr>
+            <a:lvl3pPr marL="1143000" indent="-228600" eaLnBrk="0" hangingPunct="0">
+              <a:defRPr sz="3600">
+                <a:solidFill>
+                  <a:srgbClr val="FFFFFF"/>
+                </a:solidFill>
+                <a:latin typeface="Gill Sans" pitchFamily="-84" charset="0"/>
+                <a:ea typeface="ヒラギノ角ゴ ProN W3" pitchFamily="-84" charset="-128"/>
+                <a:sym typeface="Gill Sans" pitchFamily="-84" charset="0"/>
+              </a:defRPr>
+            </a:lvl3pPr>
+            <a:lvl4pPr marL="1600200" indent="-228600" eaLnBrk="0" hangingPunct="0">
+              <a:defRPr sz="3600">
+                <a:solidFill>
+                  <a:srgbClr val="FFFFFF"/>
+                </a:solidFill>
+                <a:latin typeface="Gill Sans" pitchFamily="-84" charset="0"/>
+                <a:ea typeface="ヒラギノ角ゴ ProN W3" pitchFamily="-84" charset="-128"/>
+                <a:sym typeface="Gill Sans" pitchFamily="-84" charset="0"/>
+              </a:defRPr>
+            </a:lvl4pPr>
+            <a:lvl5pPr marL="2057400" indent="-228600" eaLnBrk="0" hangingPunct="0">
+              <a:defRPr sz="3600">
+                <a:solidFill>
+                  <a:srgbClr val="FFFFFF"/>
+                </a:solidFill>
+                <a:latin typeface="Gill Sans" pitchFamily="-84" charset="0"/>
+                <a:ea typeface="ヒラギノ角ゴ ProN W3" pitchFamily="-84" charset="-128"/>
+                <a:sym typeface="Gill Sans" pitchFamily="-84" charset="0"/>
+              </a:defRPr>
+            </a:lvl5pPr>
+            <a:lvl6pPr marL="2514600" indent="-228600" algn="ctr" eaLnBrk="0" fontAlgn="base" hangingPunct="0">
+              <a:spcBef>
+                <a:spcPct val="0"/>
+              </a:spcBef>
+              <a:spcAft>
+                <a:spcPct val="0"/>
+              </a:spcAft>
+              <a:defRPr sz="3600">
+                <a:solidFill>
+                  <a:srgbClr val="FFFFFF"/>
+                </a:solidFill>
+                <a:latin typeface="Gill Sans" pitchFamily="-84" charset="0"/>
+                <a:ea typeface="ヒラギノ角ゴ ProN W3" pitchFamily="-84" charset="-128"/>
+                <a:sym typeface="Gill Sans" pitchFamily="-84" charset="0"/>
+              </a:defRPr>
+            </a:lvl6pPr>
+            <a:lvl7pPr marL="2971800" indent="-228600" algn="ctr" eaLnBrk="0" fontAlgn="base" hangingPunct="0">
+              <a:spcBef>
+                <a:spcPct val="0"/>
+              </a:spcBef>
+              <a:spcAft>
+                <a:spcPct val="0"/>
+              </a:spcAft>
+              <a:defRPr sz="3600">
+                <a:solidFill>
+                  <a:srgbClr val="FFFFFF"/>
+                </a:solidFill>
+                <a:latin typeface="Gill Sans" pitchFamily="-84" charset="0"/>
+                <a:ea typeface="ヒラギノ角ゴ ProN W3" pitchFamily="-84" charset="-128"/>
+                <a:sym typeface="Gill Sans" pitchFamily="-84" charset="0"/>
+              </a:defRPr>
+            </a:lvl7pPr>
+            <a:lvl8pPr marL="3429000" indent="-228600" algn="ctr" eaLnBrk="0" fontAlgn="base" hangingPunct="0">
+              <a:spcBef>
+                <a:spcPct val="0"/>
+              </a:spcBef>
+              <a:spcAft>
+                <a:spcPct val="0"/>
+              </a:spcAft>
+              <a:defRPr sz="3600">
+                <a:solidFill>
+                  <a:srgbClr val="FFFFFF"/>
+                </a:solidFill>
+                <a:latin typeface="Gill Sans" pitchFamily="-84" charset="0"/>
+                <a:ea typeface="ヒラギノ角ゴ ProN W3" pitchFamily="-84" charset="-128"/>
+                <a:sym typeface="Gill Sans" pitchFamily="-84" charset="0"/>
+              </a:defRPr>
+            </a:lvl8pPr>
+            <a:lvl9pPr marL="3886200" indent="-228600" algn="ctr" eaLnBrk="0" fontAlgn="base" hangingPunct="0">
+              <a:spcBef>
+                <a:spcPct val="0"/>
+              </a:spcBef>
+              <a:spcAft>
+                <a:spcPct val="0"/>
+              </a:spcAft>
+              <a:defRPr sz="3600">
+                <a:solidFill>
+                  <a:srgbClr val="FFFFFF"/>
+                </a:solidFill>
+                <a:latin typeface="Gill Sans" pitchFamily="-84" charset="0"/>
+                <a:ea typeface="ヒラギノ角ゴ ProN W3" pitchFamily="-84" charset="-128"/>
+                <a:sym typeface="Gill Sans" pitchFamily="-84" charset="0"/>
+              </a:defRPr>
+            </a:lvl9pPr>
+          </a:lstStyle>
+          <a:p>
+            <a:pPr algn="l" eaLnBrk="1" hangingPunct="1"/>
+            <a:r>
+              <a:rPr lang="en-US" altLang="ko-KR" sz="2500" dirty="0">
+                <a:solidFill>
+                  <a:schemeClr val="tx1"/>
+                </a:solidFill>
+                <a:ea typeface="MS PGothic" panose="020B0600070205080204" pitchFamily="34" charset="-128"/>
+              </a:rPr>
+              <a:t>hand = open(</a:t>
+            </a:r>
+            <a:r>
+              <a:rPr lang="fr-FR" altLang="ko-KR" sz="2500" dirty="0">
+                <a:solidFill>
+                  <a:schemeClr val="tx1"/>
+                </a:solidFill>
+                <a:ea typeface="MS PGothic" panose="020B0600070205080204" pitchFamily="34" charset="-128"/>
+              </a:rPr>
+              <a:t>'</a:t>
+            </a:r>
+            <a:r>
+              <a:rPr lang="en-US" altLang="ko-KR" sz="2500" dirty="0">
+                <a:solidFill>
+                  <a:schemeClr val="tx1"/>
+                </a:solidFill>
+                <a:ea typeface="MS PGothic" panose="020B0600070205080204" pitchFamily="34" charset="-128"/>
+              </a:rPr>
+              <a:t>mbox-short.txt</a:t>
+            </a:r>
+            <a:r>
+              <a:rPr lang="fr-FR" altLang="ko-KR" sz="2500" dirty="0">
+                <a:solidFill>
+                  <a:schemeClr val="tx1"/>
+                </a:solidFill>
+                <a:ea typeface="MS PGothic" panose="020B0600070205080204" pitchFamily="34" charset="-128"/>
+              </a:rPr>
+              <a:t>'</a:t>
+            </a:r>
+            <a:r>
+              <a:rPr lang="en-US" altLang="ko-KR" sz="2500" dirty="0">
+                <a:solidFill>
+                  <a:schemeClr val="tx1"/>
+                </a:solidFill>
+                <a:ea typeface="MS PGothic" panose="020B0600070205080204" pitchFamily="34" charset="-128"/>
+              </a:rPr>
+              <a:t>)</a:t>
+            </a:r>
+          </a:p>
+          <a:p>
+            <a:pPr algn="l" eaLnBrk="1" hangingPunct="1"/>
+            <a:r>
+              <a:rPr lang="en-US" altLang="ko-KR" sz="2500" dirty="0">
+                <a:solidFill>
+                  <a:schemeClr val="tx1"/>
+                </a:solidFill>
+                <a:ea typeface="MS PGothic" panose="020B0600070205080204" pitchFamily="34" charset="-128"/>
+              </a:rPr>
+              <a:t>for line in hand:</a:t>
+            </a:r>
+          </a:p>
+          <a:p>
+            <a:pPr algn="l" eaLnBrk="1" hangingPunct="1"/>
+            <a:r>
+              <a:rPr lang="en-US" altLang="ko-KR" sz="2500" dirty="0">
+                <a:solidFill>
+                  <a:schemeClr val="tx1"/>
+                </a:solidFill>
+                <a:ea typeface="MS PGothic" panose="020B0600070205080204" pitchFamily="34" charset="-128"/>
+              </a:rPr>
+              <a:t>    line = </a:t>
+            </a:r>
+            <a:r>
+              <a:rPr lang="en-US" altLang="ko-KR" sz="2500" dirty="0" err="1">
+                <a:solidFill>
+                  <a:schemeClr val="tx1"/>
+                </a:solidFill>
+                <a:ea typeface="MS PGothic" panose="020B0600070205080204" pitchFamily="34" charset="-128"/>
+              </a:rPr>
+              <a:t>line.rstrip</a:t>
+            </a:r>
+            <a:r>
+              <a:rPr lang="en-US" altLang="ko-KR" sz="2500" dirty="0">
+                <a:solidFill>
+                  <a:schemeClr val="tx1"/>
+                </a:solidFill>
+                <a:ea typeface="MS PGothic" panose="020B0600070205080204" pitchFamily="34" charset="-128"/>
+              </a:rPr>
+              <a:t>()</a:t>
+            </a:r>
+          </a:p>
+          <a:p>
+            <a:pPr algn="l" eaLnBrk="1" hangingPunct="1"/>
+            <a:r>
+              <a:rPr lang="en-US" altLang="ko-KR" sz="2500" dirty="0">
+                <a:solidFill>
+                  <a:schemeClr val="tx1"/>
+                </a:solidFill>
+                <a:ea typeface="MS PGothic" panose="020B0600070205080204" pitchFamily="34" charset="-128"/>
+              </a:rPr>
+              <a:t>    if </a:t>
+            </a:r>
+            <a:r>
+              <a:rPr lang="en-US" altLang="ko-KR" sz="2500" dirty="0" err="1">
+                <a:solidFill>
+                  <a:srgbClr val="FF00FF"/>
+                </a:solidFill>
+                <a:ea typeface="MS PGothic" panose="020B0600070205080204" pitchFamily="34" charset="-128"/>
+              </a:rPr>
+              <a:t>line.find</a:t>
+            </a:r>
+            <a:r>
+              <a:rPr lang="en-US" altLang="ko-KR" sz="2500" dirty="0">
+                <a:solidFill>
+                  <a:srgbClr val="FF00FF"/>
+                </a:solidFill>
+                <a:ea typeface="MS PGothic" panose="020B0600070205080204" pitchFamily="34" charset="-128"/>
+              </a:rPr>
+              <a:t>(</a:t>
+            </a:r>
+            <a:r>
+              <a:rPr lang="fr-FR" altLang="ko-KR" sz="2500" dirty="0">
+                <a:solidFill>
+                  <a:srgbClr val="FF00FF"/>
+                </a:solidFill>
+                <a:ea typeface="MS PGothic" panose="020B0600070205080204" pitchFamily="34" charset="-128"/>
+              </a:rPr>
+              <a:t>'</a:t>
+            </a:r>
+            <a:r>
+              <a:rPr lang="en-US" altLang="ko-KR" sz="2500" dirty="0">
+                <a:solidFill>
+                  <a:srgbClr val="FF00FF"/>
+                </a:solidFill>
+                <a:ea typeface="MS PGothic" panose="020B0600070205080204" pitchFamily="34" charset="-128"/>
+              </a:rPr>
+              <a:t>From:</a:t>
+            </a:r>
+            <a:r>
+              <a:rPr lang="fr-FR" altLang="ko-KR" sz="2500" dirty="0">
+                <a:solidFill>
+                  <a:srgbClr val="FF00FF"/>
+                </a:solidFill>
+                <a:ea typeface="MS PGothic" panose="020B0600070205080204" pitchFamily="34" charset="-128"/>
+              </a:rPr>
+              <a:t>'</a:t>
+            </a:r>
+            <a:r>
+              <a:rPr lang="en-US" altLang="ko-KR" sz="2500" dirty="0">
+                <a:solidFill>
+                  <a:srgbClr val="FF00FF"/>
+                </a:solidFill>
+                <a:ea typeface="MS PGothic" panose="020B0600070205080204" pitchFamily="34" charset="-128"/>
+              </a:rPr>
+              <a:t>)</a:t>
+            </a:r>
+            <a:r>
+              <a:rPr lang="en-US" altLang="ko-KR" sz="2500" dirty="0">
+                <a:solidFill>
+                  <a:schemeClr val="tx1"/>
+                </a:solidFill>
+                <a:ea typeface="MS PGothic" panose="020B0600070205080204" pitchFamily="34" charset="-128"/>
+              </a:rPr>
+              <a:t> &gt;= 0:</a:t>
+            </a:r>
+          </a:p>
+          <a:p>
+            <a:pPr algn="l" eaLnBrk="1" hangingPunct="1"/>
+            <a:r>
+              <a:rPr lang="en-US" altLang="ko-KR" sz="2500" dirty="0">
+                <a:solidFill>
+                  <a:schemeClr val="tx1"/>
+                </a:solidFill>
+                <a:ea typeface="MS PGothic" panose="020B0600070205080204" pitchFamily="34" charset="-128"/>
+              </a:rPr>
+              <a:t>        print (line)</a:t>
+            </a:r>
+          </a:p>
+        </p:txBody>
+      </p:sp>
+    </p:spTree>
+    <p:extLst>
+      <p:ext uri="{BB962C8B-B14F-4D97-AF65-F5344CB8AC3E}">
+        <p14:creationId xmlns:p14="http://schemas.microsoft.com/office/powerpoint/2010/main" val="2695435165"/>
+      </p:ext>
+    </p:extLst>
+  </p:cSld>
+  <p:clrMapOvr>
+    <a:masterClrMapping/>
+  </p:clrMapOvr>
+</p:sld>
+</file>
+
 <file path=ppt/slides/slide2.xml><?xml version="1.0" encoding="utf-8"?>
 <p:sld xmlns:a="http://schemas.openxmlformats.org/drawingml/2006/main" xmlns:r="http://schemas.openxmlformats.org/officeDocument/2006/relationships" xmlns:p="http://schemas.openxmlformats.org/presentationml/2006/main">
   <p:cSld>
@@ -3739,7 +8692,7 @@
           <a:p>
             <a:r>
               <a:rPr lang="en-US" altLang="ko-KR" dirty="0"/>
-              <a:t>Networking</a:t>
+              <a:t>Networking - continue</a:t>
             </a:r>
             <a:endParaRPr lang="ko-KR" altLang="en-US" dirty="0"/>
           </a:p>
@@ -3749,6 +8702,580 @@
     <p:extLst>
       <p:ext uri="{BB962C8B-B14F-4D97-AF65-F5344CB8AC3E}">
         <p14:creationId xmlns:p14="http://schemas.microsoft.com/office/powerpoint/2010/main" val="3591205736"/>
+      </p:ext>
+    </p:extLst>
+  </p:cSld>
+  <p:clrMapOvr>
+    <a:masterClrMapping/>
+  </p:clrMapOvr>
+</p:sld>
+</file>
+
+<file path=ppt/slides/slide20.xml><?xml version="1.0" encoding="utf-8"?>
+<p:sld xmlns:a="http://schemas.openxmlformats.org/drawingml/2006/main" xmlns:r="http://schemas.openxmlformats.org/officeDocument/2006/relationships" xmlns:p="http://schemas.openxmlformats.org/presentationml/2006/main">
+  <p:cSld>
+    <p:spTree>
+      <p:nvGrpSpPr>
+        <p:cNvPr id="1" name=""/>
+        <p:cNvGrpSpPr/>
+        <p:nvPr/>
+      </p:nvGrpSpPr>
+      <p:grpSpPr>
+        <a:xfrm>
+          <a:off x="0" y="0"/>
+          <a:ext cx="0" cy="0"/>
+          <a:chOff x="0" y="0"/>
+          <a:chExt cx="0" cy="0"/>
+        </a:xfrm>
+      </p:grpSpPr>
+      <p:sp>
+        <p:nvSpPr>
+          <p:cNvPr id="2" name="제목 1">
+            <a:extLst>
+              <a:ext uri="{FF2B5EF4-FFF2-40B4-BE49-F238E27FC236}">
+                <a16:creationId xmlns:a16="http://schemas.microsoft.com/office/drawing/2014/main" id="{BCBB2912-E436-4CBD-A06E-6A6D70CC9C7C}"/>
+              </a:ext>
+            </a:extLst>
+          </p:cNvPr>
+          <p:cNvSpPr>
+            <a:spLocks noGrp="1"/>
+          </p:cNvSpPr>
+          <p:nvPr>
+            <p:ph type="title"/>
+          </p:nvPr>
+        </p:nvSpPr>
+        <p:spPr/>
+        <p:txBody>
+          <a:bodyPr/>
+          <a:lstStyle/>
+          <a:p>
+            <a:r>
+              <a:rPr lang="en-US" altLang="ko-KR" dirty="0"/>
+              <a:t>Multi</a:t>
+            </a:r>
+            <a:r>
+              <a:rPr lang="ko-KR" altLang="en-US" dirty="0"/>
+              <a:t> </a:t>
+            </a:r>
+            <a:r>
+              <a:rPr lang="en-US" altLang="ko-KR" dirty="0"/>
+              <a:t>threading</a:t>
+            </a:r>
+            <a:r>
+              <a:rPr lang="ko-KR" altLang="en-US" dirty="0"/>
+              <a:t> </a:t>
+            </a:r>
+            <a:r>
+              <a:rPr lang="en-US" altLang="ko-KR" dirty="0"/>
+              <a:t>and</a:t>
+            </a:r>
+            <a:r>
+              <a:rPr lang="ko-KR" altLang="en-US" dirty="0"/>
+              <a:t> </a:t>
+            </a:r>
+            <a:r>
+              <a:rPr lang="en-US" altLang="ko-KR" dirty="0"/>
+              <a:t>multi</a:t>
+            </a:r>
+            <a:r>
+              <a:rPr lang="ko-KR" altLang="en-US" dirty="0"/>
+              <a:t> </a:t>
+            </a:r>
+            <a:r>
+              <a:rPr lang="en-US" altLang="ko-KR" dirty="0"/>
+              <a:t>processing</a:t>
+            </a:r>
+            <a:endParaRPr lang="ko-KR" altLang="en-US" dirty="0"/>
+          </a:p>
+        </p:txBody>
+      </p:sp>
+      <p:sp>
+        <p:nvSpPr>
+          <p:cNvPr id="3" name="내용 개체 틀 2">
+            <a:extLst>
+              <a:ext uri="{FF2B5EF4-FFF2-40B4-BE49-F238E27FC236}">
+                <a16:creationId xmlns:a16="http://schemas.microsoft.com/office/drawing/2014/main" id="{091005EC-B113-4BE9-BDF8-2F061E4FB28A}"/>
+              </a:ext>
+            </a:extLst>
+          </p:cNvPr>
+          <p:cNvSpPr>
+            <a:spLocks noGrp="1"/>
+          </p:cNvSpPr>
+          <p:nvPr>
+            <p:ph idx="1"/>
+          </p:nvPr>
+        </p:nvSpPr>
+        <p:spPr/>
+        <p:txBody>
+          <a:bodyPr>
+            <a:normAutofit fontScale="77500" lnSpcReduction="20000"/>
+          </a:bodyPr>
+          <a:lstStyle/>
+          <a:p>
+            <a:r>
+              <a:rPr lang="en-US" altLang="ko-KR" dirty="0"/>
+              <a:t>Each folder will include studying material</a:t>
+            </a:r>
+          </a:p>
+          <a:p>
+            <a:r>
+              <a:rPr lang="en-US" altLang="ko-KR" dirty="0"/>
+              <a:t>The threading module uses threads, the multiprocessing module uses processes. </a:t>
+            </a:r>
+          </a:p>
+          <a:p>
+            <a:r>
+              <a:rPr lang="en-US" altLang="ko-KR" dirty="0"/>
+              <a:t>The difference is that threads run in the same memory space, while processes have separate memory. </a:t>
+            </a:r>
+          </a:p>
+          <a:p>
+            <a:r>
+              <a:rPr lang="en-US" altLang="ko-KR" dirty="0"/>
+              <a:t>This makes it a bit harder to share objects between processes with multiprocessing. </a:t>
+            </a:r>
+          </a:p>
+          <a:p>
+            <a:r>
+              <a:rPr lang="en-US" altLang="ko-KR" dirty="0"/>
+              <a:t>Since threads use the same memory, precautions have to be taken or two threads will write to the same memory at the same time.</a:t>
+            </a:r>
+          </a:p>
+          <a:p>
+            <a:r>
+              <a:rPr lang="en-US" altLang="ko-KR" dirty="0"/>
+              <a:t> This is what the global interpreter lock is for.</a:t>
+            </a:r>
+          </a:p>
+          <a:p>
+            <a:endParaRPr lang="en-US" altLang="ko-KR" dirty="0"/>
+          </a:p>
+          <a:p>
+            <a:r>
+              <a:rPr lang="en-US" altLang="ko-KR" dirty="0"/>
+              <a:t>Spawning processes is a bit slower than spawning threads. Once they are running, there is not much difference.</a:t>
+            </a:r>
+            <a:endParaRPr lang="ko-KR" altLang="en-US" dirty="0"/>
+          </a:p>
+        </p:txBody>
+      </p:sp>
+    </p:spTree>
+    <p:extLst>
+      <p:ext uri="{BB962C8B-B14F-4D97-AF65-F5344CB8AC3E}">
+        <p14:creationId xmlns:p14="http://schemas.microsoft.com/office/powerpoint/2010/main" val="2848107964"/>
+      </p:ext>
+    </p:extLst>
+  </p:cSld>
+  <p:clrMapOvr>
+    <a:masterClrMapping/>
+  </p:clrMapOvr>
+</p:sld>
+</file>
+
+<file path=ppt/slides/slide21.xml><?xml version="1.0" encoding="utf-8"?>
+<p:sld xmlns:a="http://schemas.openxmlformats.org/drawingml/2006/main" xmlns:r="http://schemas.openxmlformats.org/officeDocument/2006/relationships" xmlns:p="http://schemas.openxmlformats.org/presentationml/2006/main">
+  <p:cSld>
+    <p:spTree>
+      <p:nvGrpSpPr>
+        <p:cNvPr id="1" name=""/>
+        <p:cNvGrpSpPr/>
+        <p:nvPr/>
+      </p:nvGrpSpPr>
+      <p:grpSpPr>
+        <a:xfrm>
+          <a:off x="0" y="0"/>
+          <a:ext cx="0" cy="0"/>
+          <a:chOff x="0" y="0"/>
+          <a:chExt cx="0" cy="0"/>
+        </a:xfrm>
+      </p:grpSpPr>
+      <p:sp>
+        <p:nvSpPr>
+          <p:cNvPr id="2" name="제목 1">
+            <a:extLst>
+              <a:ext uri="{FF2B5EF4-FFF2-40B4-BE49-F238E27FC236}">
+                <a16:creationId xmlns:a16="http://schemas.microsoft.com/office/drawing/2014/main" id="{B8CE394E-08B3-4DC5-8462-42503229DC29}"/>
+              </a:ext>
+            </a:extLst>
+          </p:cNvPr>
+          <p:cNvSpPr>
+            <a:spLocks noGrp="1"/>
+          </p:cNvSpPr>
+          <p:nvPr>
+            <p:ph type="title"/>
+          </p:nvPr>
+        </p:nvSpPr>
+        <p:spPr/>
+        <p:txBody>
+          <a:bodyPr/>
+          <a:lstStyle/>
+          <a:p>
+            <a:r>
+              <a:rPr lang="en-US" altLang="ko-KR" dirty="0"/>
+              <a:t>Certain perspective of python</a:t>
+            </a:r>
+            <a:endParaRPr lang="ko-KR" altLang="en-US" dirty="0"/>
+          </a:p>
+        </p:txBody>
+      </p:sp>
+      <p:sp>
+        <p:nvSpPr>
+          <p:cNvPr id="3" name="내용 개체 틀 2">
+            <a:extLst>
+              <a:ext uri="{FF2B5EF4-FFF2-40B4-BE49-F238E27FC236}">
+                <a16:creationId xmlns:a16="http://schemas.microsoft.com/office/drawing/2014/main" id="{C740D03E-B19D-4DD1-8A57-51334926A31E}"/>
+              </a:ext>
+            </a:extLst>
+          </p:cNvPr>
+          <p:cNvSpPr>
+            <a:spLocks noGrp="1"/>
+          </p:cNvSpPr>
+          <p:nvPr>
+            <p:ph idx="1"/>
+          </p:nvPr>
+        </p:nvSpPr>
+        <p:spPr/>
+        <p:txBody>
+          <a:bodyPr/>
+          <a:lstStyle/>
+          <a:p>
+            <a:r>
+              <a:rPr lang="en-US" altLang="ko-KR" dirty="0"/>
+              <a:t>Python is generally much slower than most of other language</a:t>
+            </a:r>
+          </a:p>
+          <a:p>
+            <a:r>
+              <a:rPr lang="en-US" altLang="ko-KR" dirty="0"/>
+              <a:t>So it is not ideal to use this language for faster performance.</a:t>
+            </a:r>
+          </a:p>
+          <a:p>
+            <a:r>
+              <a:rPr lang="en-US" altLang="ko-KR" dirty="0"/>
+              <a:t>However, there are multiple ways of boosting the speed while coding</a:t>
+            </a:r>
+            <a:endParaRPr lang="ko-KR" altLang="en-US" dirty="0"/>
+          </a:p>
+        </p:txBody>
+      </p:sp>
+    </p:spTree>
+    <p:extLst>
+      <p:ext uri="{BB962C8B-B14F-4D97-AF65-F5344CB8AC3E}">
+        <p14:creationId xmlns:p14="http://schemas.microsoft.com/office/powerpoint/2010/main" val="2284345220"/>
+      </p:ext>
+    </p:extLst>
+  </p:cSld>
+  <p:clrMapOvr>
+    <a:masterClrMapping/>
+  </p:clrMapOvr>
+</p:sld>
+</file>
+
+<file path=ppt/slides/slide22.xml><?xml version="1.0" encoding="utf-8"?>
+<p:sld xmlns:a="http://schemas.openxmlformats.org/drawingml/2006/main" xmlns:r="http://schemas.openxmlformats.org/officeDocument/2006/relationships" xmlns:p="http://schemas.openxmlformats.org/presentationml/2006/main">
+  <p:cSld>
+    <p:spTree>
+      <p:nvGrpSpPr>
+        <p:cNvPr id="1" name=""/>
+        <p:cNvGrpSpPr/>
+        <p:nvPr/>
+      </p:nvGrpSpPr>
+      <p:grpSpPr>
+        <a:xfrm>
+          <a:off x="0" y="0"/>
+          <a:ext cx="0" cy="0"/>
+          <a:chOff x="0" y="0"/>
+          <a:chExt cx="0" cy="0"/>
+        </a:xfrm>
+      </p:grpSpPr>
+      <p:sp>
+        <p:nvSpPr>
+          <p:cNvPr id="2" name="제목 1">
+            <a:extLst>
+              <a:ext uri="{FF2B5EF4-FFF2-40B4-BE49-F238E27FC236}">
+                <a16:creationId xmlns:a16="http://schemas.microsoft.com/office/drawing/2014/main" id="{E31A6CDD-9690-4F86-9C90-1983EA5DF3D3}"/>
+              </a:ext>
+            </a:extLst>
+          </p:cNvPr>
+          <p:cNvSpPr>
+            <a:spLocks noGrp="1"/>
+          </p:cNvSpPr>
+          <p:nvPr>
+            <p:ph type="title"/>
+          </p:nvPr>
+        </p:nvSpPr>
+        <p:spPr/>
+        <p:txBody>
+          <a:bodyPr/>
+          <a:lstStyle/>
+          <a:p>
+            <a:r>
+              <a:rPr lang="en-US" altLang="ko-KR" dirty="0"/>
+              <a:t>Example 1</a:t>
+            </a:r>
+            <a:endParaRPr lang="ko-KR" altLang="en-US" dirty="0"/>
+          </a:p>
+        </p:txBody>
+      </p:sp>
+      <p:sp>
+        <p:nvSpPr>
+          <p:cNvPr id="6" name="TextBox 5">
+            <a:extLst>
+              <a:ext uri="{FF2B5EF4-FFF2-40B4-BE49-F238E27FC236}">
+                <a16:creationId xmlns:a16="http://schemas.microsoft.com/office/drawing/2014/main" id="{87894D1E-2DA1-4FEA-87DB-BB2DD3FCA308}"/>
+              </a:ext>
+            </a:extLst>
+          </p:cNvPr>
+          <p:cNvSpPr txBox="1"/>
+          <p:nvPr/>
+        </p:nvSpPr>
+        <p:spPr>
+          <a:xfrm>
+            <a:off x="1451579" y="2248250"/>
+            <a:ext cx="9772891" cy="3416320"/>
+          </a:xfrm>
+          <a:prstGeom prst="rect">
+            <a:avLst/>
+          </a:prstGeom>
+          <a:noFill/>
+        </p:spPr>
+        <p:txBody>
+          <a:bodyPr wrap="square" rtlCol="0">
+            <a:spAutoFit/>
+          </a:bodyPr>
+          <a:lstStyle/>
+          <a:p>
+            <a:r>
+              <a:rPr lang="en-US" altLang="ko-KR" dirty="0"/>
+              <a:t>How to create and set increment value into it?</a:t>
+            </a:r>
+          </a:p>
+          <a:p>
+            <a:r>
+              <a:rPr lang="en-US" altLang="ko-KR" dirty="0"/>
+              <a:t>	a = [0, 1, 2, 3, 4, …, n]</a:t>
+            </a:r>
+          </a:p>
+          <a:p>
+            <a:r>
+              <a:rPr lang="en-US" altLang="ko-KR" dirty="0"/>
+              <a:t>How to create certain number of lists?</a:t>
+            </a:r>
+          </a:p>
+          <a:p>
+            <a:r>
+              <a:rPr lang="en-US" altLang="ko-KR" dirty="0"/>
+              <a:t>	a = [ 1, 2, 3, 4, 5, 6] is 7</a:t>
+            </a:r>
+          </a:p>
+          <a:p>
+            <a:r>
+              <a:rPr lang="en-US" altLang="ko-KR" dirty="0"/>
+              <a:t>Function </a:t>
+            </a:r>
+            <a:r>
+              <a:rPr lang="en-US" altLang="ko-KR" dirty="0" err="1"/>
+              <a:t>Overide</a:t>
+            </a:r>
+            <a:r>
+              <a:rPr lang="en-US" altLang="ko-KR" dirty="0"/>
+              <a:t>?</a:t>
+            </a:r>
+          </a:p>
+          <a:p>
+            <a:r>
+              <a:rPr lang="en-US" altLang="ko-KR" dirty="0"/>
+              <a:t>	a = None</a:t>
+            </a:r>
+          </a:p>
+          <a:p>
+            <a:r>
+              <a:rPr lang="en-US" altLang="ko-KR" dirty="0"/>
+              <a:t>Removing certain duplicates in list</a:t>
+            </a:r>
+          </a:p>
+          <a:p>
+            <a:r>
+              <a:rPr lang="en-US" altLang="ko-KR" dirty="0"/>
+              <a:t>	using set?</a:t>
+            </a:r>
+          </a:p>
+          <a:p>
+            <a:r>
+              <a:rPr lang="en-US" altLang="ko-KR" dirty="0"/>
+              <a:t>Two or more inputs?</a:t>
+            </a:r>
+          </a:p>
+          <a:p>
+            <a:r>
+              <a:rPr lang="en-US" altLang="ko-KR" dirty="0"/>
+              <a:t>Addition of two lists</a:t>
+            </a:r>
+          </a:p>
+          <a:p>
+            <a:r>
+              <a:rPr lang="en-US" altLang="ko-KR" dirty="0"/>
+              <a:t>	[1, 2,  3] + [4, 5, 6] = [5, 7, 9]</a:t>
+            </a:r>
+          </a:p>
+          <a:p>
+            <a:endParaRPr lang="en-US" altLang="ko-KR" dirty="0"/>
+          </a:p>
+        </p:txBody>
+      </p:sp>
+    </p:spTree>
+    <p:extLst>
+      <p:ext uri="{BB962C8B-B14F-4D97-AF65-F5344CB8AC3E}">
+        <p14:creationId xmlns:p14="http://schemas.microsoft.com/office/powerpoint/2010/main" val="2975975967"/>
+      </p:ext>
+    </p:extLst>
+  </p:cSld>
+  <p:clrMapOvr>
+    <a:masterClrMapping/>
+  </p:clrMapOvr>
+</p:sld>
+</file>
+
+<file path=ppt/slides/slide23.xml><?xml version="1.0" encoding="utf-8"?>
+<p:sld xmlns:a="http://schemas.openxmlformats.org/drawingml/2006/main" xmlns:r="http://schemas.openxmlformats.org/officeDocument/2006/relationships" xmlns:p="http://schemas.openxmlformats.org/presentationml/2006/main">
+  <p:cSld>
+    <p:spTree>
+      <p:nvGrpSpPr>
+        <p:cNvPr id="1" name=""/>
+        <p:cNvGrpSpPr/>
+        <p:nvPr/>
+      </p:nvGrpSpPr>
+      <p:grpSpPr>
+        <a:xfrm>
+          <a:off x="0" y="0"/>
+          <a:ext cx="0" cy="0"/>
+          <a:chOff x="0" y="0"/>
+          <a:chExt cx="0" cy="0"/>
+        </a:xfrm>
+      </p:grpSpPr>
+      <p:sp>
+        <p:nvSpPr>
+          <p:cNvPr id="2" name="제목 1">
+            <a:extLst>
+              <a:ext uri="{FF2B5EF4-FFF2-40B4-BE49-F238E27FC236}">
+                <a16:creationId xmlns:a16="http://schemas.microsoft.com/office/drawing/2014/main" id="{E31A6CDD-9690-4F86-9C90-1983EA5DF3D3}"/>
+              </a:ext>
+            </a:extLst>
+          </p:cNvPr>
+          <p:cNvSpPr>
+            <a:spLocks noGrp="1"/>
+          </p:cNvSpPr>
+          <p:nvPr>
+            <p:ph type="title"/>
+          </p:nvPr>
+        </p:nvSpPr>
+        <p:spPr/>
+        <p:txBody>
+          <a:bodyPr/>
+          <a:lstStyle/>
+          <a:p>
+            <a:r>
+              <a:rPr lang="en-US" altLang="ko-KR" dirty="0"/>
+              <a:t>Example 2</a:t>
+            </a:r>
+            <a:endParaRPr lang="ko-KR" altLang="en-US" dirty="0"/>
+          </a:p>
+        </p:txBody>
+      </p:sp>
+      <p:sp>
+        <p:nvSpPr>
+          <p:cNvPr id="6" name="TextBox 5">
+            <a:extLst>
+              <a:ext uri="{FF2B5EF4-FFF2-40B4-BE49-F238E27FC236}">
+                <a16:creationId xmlns:a16="http://schemas.microsoft.com/office/drawing/2014/main" id="{87894D1E-2DA1-4FEA-87DB-BB2DD3FCA308}"/>
+              </a:ext>
+            </a:extLst>
+          </p:cNvPr>
+          <p:cNvSpPr txBox="1"/>
+          <p:nvPr/>
+        </p:nvSpPr>
+        <p:spPr>
+          <a:xfrm>
+            <a:off x="1451580" y="2248250"/>
+            <a:ext cx="5348716" cy="2031325"/>
+          </a:xfrm>
+          <a:prstGeom prst="rect">
+            <a:avLst/>
+          </a:prstGeom>
+          <a:noFill/>
+        </p:spPr>
+        <p:txBody>
+          <a:bodyPr wrap="square" rtlCol="0">
+            <a:spAutoFit/>
+          </a:bodyPr>
+          <a:lstStyle/>
+          <a:p>
+            <a:r>
+              <a:rPr lang="en-US" altLang="ko-KR" dirty="0"/>
+              <a:t>From the above idea can you make this code shorter?</a:t>
+            </a:r>
+          </a:p>
+          <a:p>
+            <a:endParaRPr lang="en-US" altLang="ko-KR" dirty="0"/>
+          </a:p>
+          <a:p>
+            <a:endParaRPr lang="en-US" altLang="ko-KR" dirty="0"/>
+          </a:p>
+          <a:p>
+            <a:r>
+              <a:rPr lang="en-US" altLang="ko-KR" dirty="0"/>
+              <a:t>&gt;&gt;a = </a:t>
+            </a:r>
+            <a:r>
+              <a:rPr lang="en-US" altLang="ko-KR" dirty="0" err="1"/>
+              <a:t>int</a:t>
+            </a:r>
+            <a:r>
+              <a:rPr lang="en-US" altLang="ko-KR" dirty="0"/>
+              <a:t>(input())</a:t>
+            </a:r>
+          </a:p>
+          <a:p>
+            <a:r>
+              <a:rPr lang="en-US" altLang="ko-KR" dirty="0"/>
+              <a:t>&gt;&gt;b = []*a</a:t>
+            </a:r>
+          </a:p>
+          <a:p>
+            <a:r>
+              <a:rPr lang="en-US" altLang="ko-KR" dirty="0"/>
+              <a:t>&gt;&gt;for I in range(0, a):</a:t>
+            </a:r>
+          </a:p>
+          <a:p>
+            <a:r>
+              <a:rPr lang="en-US" altLang="ko-KR" dirty="0"/>
+              <a:t>&gt;&gt;	b[</a:t>
+            </a:r>
+            <a:r>
+              <a:rPr lang="en-US" altLang="ko-KR" dirty="0" err="1"/>
+              <a:t>i</a:t>
+            </a:r>
+            <a:r>
+              <a:rPr lang="en-US" altLang="ko-KR" dirty="0"/>
+              <a:t>] = </a:t>
+            </a:r>
+            <a:r>
+              <a:rPr lang="en-US" altLang="ko-KR" dirty="0" err="1"/>
+              <a:t>int</a:t>
+            </a:r>
+            <a:r>
+              <a:rPr lang="en-US" altLang="ko-KR" dirty="0"/>
+              <a:t>(input())</a:t>
+            </a:r>
+          </a:p>
+        </p:txBody>
+      </p:sp>
+    </p:spTree>
+    <p:extLst>
+      <p:ext uri="{BB962C8B-B14F-4D97-AF65-F5344CB8AC3E}">
+        <p14:creationId xmlns:p14="http://schemas.microsoft.com/office/powerpoint/2010/main" val="3078765625"/>
       </p:ext>
     </p:extLst>
   </p:cSld>
@@ -5233,7 +10760,7 @@
           <p:cNvPr id="2" name="제목 1">
             <a:extLst>
               <a:ext uri="{FF2B5EF4-FFF2-40B4-BE49-F238E27FC236}">
-                <a16:creationId xmlns:a16="http://schemas.microsoft.com/office/drawing/2014/main" id="{96487388-9725-4FED-B182-AC32253A70D0}"/>
+                <a16:creationId xmlns:a16="http://schemas.microsoft.com/office/drawing/2014/main" id="{E472AEE3-79F7-4263-8E73-7C0B141DF721}"/>
               </a:ext>
             </a:extLst>
           </p:cNvPr>
@@ -5251,7 +10778,15 @@
           <a:p>
             <a:r>
               <a:rPr lang="en-US" altLang="ko-KR" dirty="0"/>
-              <a:t>Molecule class</a:t>
+              <a:t>Molecule</a:t>
+            </a:r>
+            <a:r>
+              <a:rPr lang="ko-KR" altLang="en-US" dirty="0"/>
+              <a:t> </a:t>
+            </a:r>
+            <a:r>
+              <a:rPr lang="en-US" altLang="ko-KR" dirty="0"/>
+              <a:t>class</a:t>
             </a:r>
             <a:endParaRPr lang="ko-KR" altLang="en-US" dirty="0"/>
           </a:p>
@@ -5259,10 +10794,367 @@
       </p:sp>
       <p:sp>
         <p:nvSpPr>
-          <p:cNvPr id="3" name="내용 개체 틀 2">
+          <p:cNvPr id="4" name="Rectangle 3">
             <a:extLst>
               <a:ext uri="{FF2B5EF4-FFF2-40B4-BE49-F238E27FC236}">
-                <a16:creationId xmlns:a16="http://schemas.microsoft.com/office/drawing/2014/main" id="{8039669F-4203-43D3-A996-5A111EEB0711}"/>
+                <a16:creationId xmlns:a16="http://schemas.microsoft.com/office/drawing/2014/main" id="{8FFF51C7-3E70-4EB5-A2E4-F4A2ADA77A10}"/>
+              </a:ext>
+            </a:extLst>
+          </p:cNvPr>
+          <p:cNvSpPr>
+            <a:spLocks noGrp="1" noChangeArrowheads="1"/>
+          </p:cNvSpPr>
+          <p:nvPr>
+            <p:ph idx="1"/>
+          </p:nvPr>
+        </p:nvSpPr>
+        <p:spPr/>
+        <p:txBody>
+          <a:bodyPr>
+            <a:normAutofit fontScale="85000" lnSpcReduction="20000"/>
+          </a:bodyPr>
+          <a:lstStyle/>
+          <a:p>
+            <a:pPr lvl="2"/>
+            <a:r>
+              <a:rPr lang="en-US" altLang="ko-KR" dirty="0">
+                <a:ea typeface="굴림" panose="020B0600000101010101" pitchFamily="50" charset="-127"/>
+              </a:rPr>
+              <a:t>class molecule:</a:t>
+            </a:r>
+          </a:p>
+          <a:p>
+            <a:pPr lvl="2"/>
+            <a:r>
+              <a:rPr lang="en-US" altLang="ko-KR" dirty="0">
+                <a:ea typeface="굴림" panose="020B0600000101010101" pitchFamily="50" charset="-127"/>
+              </a:rPr>
+              <a:t>	def __</a:t>
+            </a:r>
+            <a:r>
+              <a:rPr lang="en-US" altLang="ko-KR" dirty="0" err="1">
+                <a:ea typeface="굴림" panose="020B0600000101010101" pitchFamily="50" charset="-127"/>
+              </a:rPr>
+              <a:t>init</a:t>
+            </a:r>
+            <a:r>
+              <a:rPr lang="en-US" altLang="ko-KR" dirty="0">
+                <a:ea typeface="굴림" panose="020B0600000101010101" pitchFamily="50" charset="-127"/>
+              </a:rPr>
+              <a:t>__(</a:t>
+            </a:r>
+            <a:r>
+              <a:rPr lang="en-US" altLang="ko-KR" dirty="0" err="1">
+                <a:ea typeface="굴림" panose="020B0600000101010101" pitchFamily="50" charset="-127"/>
+              </a:rPr>
+              <a:t>self,name</a:t>
+            </a:r>
+            <a:r>
+              <a:rPr lang="en-US" altLang="ko-KR" dirty="0">
+                <a:ea typeface="굴림" panose="020B0600000101010101" pitchFamily="50" charset="-127"/>
+              </a:rPr>
+              <a:t>='Generic'):</a:t>
+            </a:r>
+          </a:p>
+          <a:p>
+            <a:pPr lvl="2"/>
+            <a:r>
+              <a:rPr lang="en-US" altLang="ko-KR" dirty="0">
+                <a:ea typeface="굴림" panose="020B0600000101010101" pitchFamily="50" charset="-127"/>
+              </a:rPr>
+              <a:t>		self.name = name</a:t>
+            </a:r>
+          </a:p>
+          <a:p>
+            <a:pPr lvl="2"/>
+            <a:r>
+              <a:rPr lang="en-US" altLang="ko-KR" dirty="0">
+                <a:ea typeface="굴림" panose="020B0600000101010101" pitchFamily="50" charset="-127"/>
+              </a:rPr>
+              <a:t>		</a:t>
+            </a:r>
+            <a:r>
+              <a:rPr lang="en-US" altLang="ko-KR" dirty="0" err="1">
+                <a:ea typeface="굴림" panose="020B0600000101010101" pitchFamily="50" charset="-127"/>
+              </a:rPr>
+              <a:t>self.atomlist</a:t>
+            </a:r>
+            <a:r>
+              <a:rPr lang="en-US" altLang="ko-KR" dirty="0">
+                <a:ea typeface="굴림" panose="020B0600000101010101" pitchFamily="50" charset="-127"/>
+              </a:rPr>
+              <a:t> = []</a:t>
+            </a:r>
+          </a:p>
+          <a:p>
+            <a:pPr lvl="2"/>
+            <a:r>
+              <a:rPr lang="en-US" altLang="ko-KR" dirty="0">
+                <a:ea typeface="굴림" panose="020B0600000101010101" pitchFamily="50" charset="-127"/>
+              </a:rPr>
+              <a:t>	def </a:t>
+            </a:r>
+            <a:r>
+              <a:rPr lang="en-US" altLang="ko-KR" dirty="0" err="1">
+                <a:ea typeface="굴림" panose="020B0600000101010101" pitchFamily="50" charset="-127"/>
+              </a:rPr>
+              <a:t>addatom</a:t>
+            </a:r>
+            <a:r>
+              <a:rPr lang="en-US" altLang="ko-KR" dirty="0">
+                <a:ea typeface="굴림" panose="020B0600000101010101" pitchFamily="50" charset="-127"/>
+              </a:rPr>
+              <a:t>(</a:t>
+            </a:r>
+            <a:r>
+              <a:rPr lang="en-US" altLang="ko-KR" dirty="0" err="1">
+                <a:ea typeface="굴림" panose="020B0600000101010101" pitchFamily="50" charset="-127"/>
+              </a:rPr>
+              <a:t>self,atom</a:t>
+            </a:r>
+            <a:r>
+              <a:rPr lang="en-US" altLang="ko-KR" dirty="0">
+                <a:ea typeface="굴림" panose="020B0600000101010101" pitchFamily="50" charset="-127"/>
+              </a:rPr>
+              <a:t>):</a:t>
+            </a:r>
+          </a:p>
+          <a:p>
+            <a:pPr lvl="2"/>
+            <a:r>
+              <a:rPr lang="en-US" altLang="ko-KR" dirty="0">
+                <a:ea typeface="굴림" panose="020B0600000101010101" pitchFamily="50" charset="-127"/>
+              </a:rPr>
+              <a:t>		</a:t>
+            </a:r>
+            <a:r>
+              <a:rPr lang="en-US" altLang="ko-KR" dirty="0" err="1">
+                <a:ea typeface="굴림" panose="020B0600000101010101" pitchFamily="50" charset="-127"/>
+              </a:rPr>
+              <a:t>self.atomlist.append</a:t>
+            </a:r>
+            <a:r>
+              <a:rPr lang="en-US" altLang="ko-KR" dirty="0">
+                <a:ea typeface="굴림" panose="020B0600000101010101" pitchFamily="50" charset="-127"/>
+              </a:rPr>
+              <a:t>(atom)</a:t>
+            </a:r>
+          </a:p>
+          <a:p>
+            <a:pPr lvl="2"/>
+            <a:r>
+              <a:rPr lang="en-US" altLang="ko-KR" dirty="0">
+                <a:ea typeface="굴림" panose="020B0600000101010101" pitchFamily="50" charset="-127"/>
+              </a:rPr>
+              <a:t>	def __</a:t>
+            </a:r>
+            <a:r>
+              <a:rPr lang="en-US" altLang="ko-KR" dirty="0" err="1">
+                <a:ea typeface="굴림" panose="020B0600000101010101" pitchFamily="50" charset="-127"/>
+              </a:rPr>
+              <a:t>repr</a:t>
+            </a:r>
+            <a:r>
+              <a:rPr lang="en-US" altLang="ko-KR" dirty="0">
+                <a:ea typeface="굴림" panose="020B0600000101010101" pitchFamily="50" charset="-127"/>
+              </a:rPr>
+              <a:t>__(self):</a:t>
+            </a:r>
+          </a:p>
+          <a:p>
+            <a:pPr lvl="2"/>
+            <a:r>
+              <a:rPr lang="en-US" altLang="ko-KR" dirty="0">
+                <a:ea typeface="굴림" panose="020B0600000101010101" pitchFamily="50" charset="-127"/>
+              </a:rPr>
+              <a:t>		</a:t>
+            </a:r>
+            <a:r>
+              <a:rPr lang="en-US" altLang="ko-KR" dirty="0" err="1">
+                <a:ea typeface="굴림" panose="020B0600000101010101" pitchFamily="50" charset="-127"/>
+              </a:rPr>
+              <a:t>str</a:t>
+            </a:r>
+            <a:r>
+              <a:rPr lang="en-US" altLang="ko-KR" dirty="0">
+                <a:ea typeface="굴림" panose="020B0600000101010101" pitchFamily="50" charset="-127"/>
+              </a:rPr>
+              <a:t> = 'This is a molecule named %s\n' % self.name</a:t>
+            </a:r>
+          </a:p>
+          <a:p>
+            <a:pPr lvl="2"/>
+            <a:r>
+              <a:rPr lang="en-US" altLang="ko-KR" dirty="0">
+                <a:ea typeface="굴림" panose="020B0600000101010101" pitchFamily="50" charset="-127"/>
+              </a:rPr>
+              <a:t>		</a:t>
+            </a:r>
+            <a:r>
+              <a:rPr lang="en-US" altLang="ko-KR" dirty="0" err="1">
+                <a:ea typeface="굴림" panose="020B0600000101010101" pitchFamily="50" charset="-127"/>
+              </a:rPr>
+              <a:t>str</a:t>
+            </a:r>
+            <a:r>
+              <a:rPr lang="en-US" altLang="ko-KR" dirty="0">
+                <a:ea typeface="굴림" panose="020B0600000101010101" pitchFamily="50" charset="-127"/>
+              </a:rPr>
+              <a:t> = </a:t>
+            </a:r>
+            <a:r>
+              <a:rPr lang="en-US" altLang="ko-KR" dirty="0" err="1">
+                <a:ea typeface="굴림" panose="020B0600000101010101" pitchFamily="50" charset="-127"/>
+              </a:rPr>
+              <a:t>str</a:t>
+            </a:r>
+            <a:r>
+              <a:rPr lang="en-US" altLang="ko-KR" dirty="0">
+                <a:ea typeface="굴림" panose="020B0600000101010101" pitchFamily="50" charset="-127"/>
+              </a:rPr>
+              <a:t>+'It has %d atoms\n' % </a:t>
+            </a:r>
+            <a:r>
+              <a:rPr lang="en-US" altLang="ko-KR" dirty="0" err="1">
+                <a:ea typeface="굴림" panose="020B0600000101010101" pitchFamily="50" charset="-127"/>
+              </a:rPr>
+              <a:t>len</a:t>
+            </a:r>
+            <a:r>
+              <a:rPr lang="en-US" altLang="ko-KR" dirty="0">
+                <a:ea typeface="굴림" panose="020B0600000101010101" pitchFamily="50" charset="-127"/>
+              </a:rPr>
+              <a:t>(</a:t>
+            </a:r>
+            <a:r>
+              <a:rPr lang="en-US" altLang="ko-KR" dirty="0" err="1">
+                <a:ea typeface="굴림" panose="020B0600000101010101" pitchFamily="50" charset="-127"/>
+              </a:rPr>
+              <a:t>self.atomlist</a:t>
+            </a:r>
+            <a:r>
+              <a:rPr lang="en-US" altLang="ko-KR" dirty="0">
+                <a:ea typeface="굴림" panose="020B0600000101010101" pitchFamily="50" charset="-127"/>
+              </a:rPr>
+              <a:t>)</a:t>
+            </a:r>
+          </a:p>
+          <a:p>
+            <a:pPr lvl="2"/>
+            <a:r>
+              <a:rPr lang="en-US" altLang="ko-KR" dirty="0">
+                <a:ea typeface="굴림" panose="020B0600000101010101" pitchFamily="50" charset="-127"/>
+              </a:rPr>
+              <a:t>		for atom in </a:t>
+            </a:r>
+            <a:r>
+              <a:rPr lang="en-US" altLang="ko-KR" dirty="0" err="1">
+                <a:ea typeface="굴림" panose="020B0600000101010101" pitchFamily="50" charset="-127"/>
+              </a:rPr>
+              <a:t>self.atomlist</a:t>
+            </a:r>
+            <a:r>
+              <a:rPr lang="en-US" altLang="ko-KR" dirty="0">
+                <a:ea typeface="굴림" panose="020B0600000101010101" pitchFamily="50" charset="-127"/>
+              </a:rPr>
+              <a:t>:</a:t>
+            </a:r>
+          </a:p>
+          <a:p>
+            <a:pPr lvl="2"/>
+            <a:r>
+              <a:rPr lang="en-US" altLang="ko-KR" dirty="0">
+                <a:ea typeface="굴림" panose="020B0600000101010101" pitchFamily="50" charset="-127"/>
+              </a:rPr>
+              <a:t>			</a:t>
+            </a:r>
+            <a:r>
+              <a:rPr lang="en-US" altLang="ko-KR" dirty="0" err="1">
+                <a:ea typeface="굴림" panose="020B0600000101010101" pitchFamily="50" charset="-127"/>
+              </a:rPr>
+              <a:t>str</a:t>
+            </a:r>
+            <a:r>
+              <a:rPr lang="en-US" altLang="ko-KR" dirty="0">
+                <a:ea typeface="굴림" panose="020B0600000101010101" pitchFamily="50" charset="-127"/>
+              </a:rPr>
+              <a:t> = </a:t>
+            </a:r>
+            <a:r>
+              <a:rPr lang="en-US" altLang="ko-KR" dirty="0" err="1">
+                <a:ea typeface="굴림" panose="020B0600000101010101" pitchFamily="50" charset="-127"/>
+              </a:rPr>
+              <a:t>str</a:t>
+            </a:r>
+            <a:r>
+              <a:rPr lang="en-US" altLang="ko-KR" dirty="0">
+                <a:ea typeface="굴림" panose="020B0600000101010101" pitchFamily="50" charset="-127"/>
+              </a:rPr>
+              <a:t> + `atom` + '\n'</a:t>
+            </a:r>
+          </a:p>
+          <a:p>
+            <a:pPr lvl="2"/>
+            <a:r>
+              <a:rPr lang="en-US" altLang="ko-KR" dirty="0">
+                <a:ea typeface="굴림" panose="020B0600000101010101" pitchFamily="50" charset="-127"/>
+              </a:rPr>
+              <a:t>		return </a:t>
+            </a:r>
+            <a:r>
+              <a:rPr lang="en-US" altLang="ko-KR" dirty="0" err="1">
+                <a:ea typeface="굴림" panose="020B0600000101010101" pitchFamily="50" charset="-127"/>
+              </a:rPr>
+              <a:t>str</a:t>
+            </a:r>
+            <a:endParaRPr lang="en-US" altLang="ko-KR" dirty="0">
+              <a:ea typeface="굴림" panose="020B0600000101010101" pitchFamily="50" charset="-127"/>
+            </a:endParaRPr>
+          </a:p>
+          <a:p>
+            <a:pPr lvl="2"/>
+            <a:endParaRPr lang="en-US" altLang="ko-KR" dirty="0">
+              <a:ea typeface="굴림" panose="020B0600000101010101" pitchFamily="50" charset="-127"/>
+            </a:endParaRPr>
+          </a:p>
+        </p:txBody>
+      </p:sp>
+    </p:spTree>
+    <p:extLst>
+      <p:ext uri="{BB962C8B-B14F-4D97-AF65-F5344CB8AC3E}">
+        <p14:creationId xmlns:p14="http://schemas.microsoft.com/office/powerpoint/2010/main" val="703380828"/>
+      </p:ext>
+    </p:extLst>
+  </p:cSld>
+  <p:clrMapOvr>
+    <a:masterClrMapping/>
+  </p:clrMapOvr>
+</p:sld>
+</file>
+
+<file path=ppt/slides/slide9.xml><?xml version="1.0" encoding="utf-8"?>
+<p:sld xmlns:a="http://schemas.openxmlformats.org/drawingml/2006/main" xmlns:r="http://schemas.openxmlformats.org/officeDocument/2006/relationships" xmlns:p="http://schemas.openxmlformats.org/presentationml/2006/main">
+  <p:cSld>
+    <p:spTree>
+      <p:nvGrpSpPr>
+        <p:cNvPr id="1" name=""/>
+        <p:cNvGrpSpPr/>
+        <p:nvPr/>
+      </p:nvGrpSpPr>
+      <p:grpSpPr>
+        <a:xfrm>
+          <a:off x="0" y="0"/>
+          <a:ext cx="0" cy="0"/>
+          <a:chOff x="0" y="0"/>
+          <a:chExt cx="0" cy="0"/>
+        </a:xfrm>
+      </p:grpSpPr>
+      <p:sp>
+        <p:nvSpPr>
+          <p:cNvPr id="2" name="제목 1">
+            <a:extLst>
+              <a:ext uri="{FF2B5EF4-FFF2-40B4-BE49-F238E27FC236}">
+                <a16:creationId xmlns:a16="http://schemas.microsoft.com/office/drawing/2014/main" id="{6B36B2D9-18CD-4B08-B63D-28000D14DC12}"/>
               </a:ext>
             </a:extLst>
           </p:cNvPr>
@@ -5270,17 +11162,224 @@
             <a:spLocks noGrp="1"/>
           </p:cNvSpPr>
           <p:nvPr>
+            <p:ph type="title"/>
+          </p:nvPr>
+        </p:nvSpPr>
+        <p:spPr/>
+        <p:txBody>
+          <a:bodyPr/>
+          <a:lstStyle/>
+          <a:p>
+            <a:r>
+              <a:rPr lang="en-US" altLang="ko-KR" dirty="0"/>
+              <a:t>Using Molecule class</a:t>
+            </a:r>
+            <a:endParaRPr lang="ko-KR" altLang="en-US" dirty="0"/>
+          </a:p>
+        </p:txBody>
+      </p:sp>
+      <p:sp>
+        <p:nvSpPr>
+          <p:cNvPr id="3" name="내용 개체 틀 2">
+            <a:extLst>
+              <a:ext uri="{FF2B5EF4-FFF2-40B4-BE49-F238E27FC236}">
+                <a16:creationId xmlns:a16="http://schemas.microsoft.com/office/drawing/2014/main" id="{98B816D0-ED0F-441D-9CC0-AA7E0D9B5317}"/>
+              </a:ext>
+            </a:extLst>
+          </p:cNvPr>
+          <p:cNvSpPr>
+            <a:spLocks noGrp="1"/>
+          </p:cNvSpPr>
+          <p:nvPr>
             <p:ph idx="1"/>
           </p:nvPr>
         </p:nvSpPr>
         <p:spPr/>
         <p:txBody>
-          <a:bodyPr/>
+          <a:bodyPr>
+            <a:normAutofit fontScale="70000" lnSpcReduction="20000"/>
+          </a:bodyPr>
           <a:lstStyle/>
           <a:p>
-            <a:pPr marL="0" indent="0">
-              <a:buNone/>
-            </a:pPr>
+            <a:pPr lvl="2"/>
+            <a:r>
+              <a:rPr lang="en-US" altLang="ko-KR" dirty="0">
+                <a:ea typeface="굴림" panose="020B0600000101010101" pitchFamily="50" charset="-127"/>
+              </a:rPr>
+              <a:t>&gt;&gt;&gt; </a:t>
+            </a:r>
+            <a:r>
+              <a:rPr lang="en-US" altLang="ko-KR" dirty="0" err="1">
+                <a:ea typeface="굴림" panose="020B0600000101010101" pitchFamily="50" charset="-127"/>
+              </a:rPr>
+              <a:t>mol</a:t>
+            </a:r>
+            <a:r>
+              <a:rPr lang="en-US" altLang="ko-KR" dirty="0">
+                <a:ea typeface="굴림" panose="020B0600000101010101" pitchFamily="50" charset="-127"/>
+              </a:rPr>
+              <a:t> = molecule('Water')</a:t>
+            </a:r>
+          </a:p>
+          <a:p>
+            <a:pPr lvl="2"/>
+            <a:r>
+              <a:rPr lang="en-US" altLang="ko-KR" dirty="0">
+                <a:ea typeface="굴림" panose="020B0600000101010101" pitchFamily="50" charset="-127"/>
+              </a:rPr>
+              <a:t>&gt;&gt;&gt; at = atom(8,0.,0.,0.)</a:t>
+            </a:r>
+          </a:p>
+          <a:p>
+            <a:pPr lvl="2"/>
+            <a:r>
+              <a:rPr lang="en-US" altLang="ko-KR" dirty="0">
+                <a:ea typeface="굴림" panose="020B0600000101010101" pitchFamily="50" charset="-127"/>
+              </a:rPr>
+              <a:t>&gt;&gt;&gt; </a:t>
+            </a:r>
+            <a:r>
+              <a:rPr lang="en-US" altLang="ko-KR" dirty="0" err="1">
+                <a:ea typeface="굴림" panose="020B0600000101010101" pitchFamily="50" charset="-127"/>
+              </a:rPr>
+              <a:t>mol.addatom</a:t>
+            </a:r>
+            <a:r>
+              <a:rPr lang="en-US" altLang="ko-KR" dirty="0">
+                <a:ea typeface="굴림" panose="020B0600000101010101" pitchFamily="50" charset="-127"/>
+              </a:rPr>
+              <a:t>(at)</a:t>
+            </a:r>
+          </a:p>
+          <a:p>
+            <a:pPr lvl="2"/>
+            <a:r>
+              <a:rPr lang="en-US" altLang="ko-KR" dirty="0">
+                <a:ea typeface="굴림" panose="020B0600000101010101" pitchFamily="50" charset="-127"/>
+              </a:rPr>
+              <a:t>&gt;&gt;&gt; </a:t>
+            </a:r>
+            <a:r>
+              <a:rPr lang="en-US" altLang="ko-KR" dirty="0" err="1">
+                <a:ea typeface="굴림" panose="020B0600000101010101" pitchFamily="50" charset="-127"/>
+              </a:rPr>
+              <a:t>mol.addatom</a:t>
+            </a:r>
+            <a:r>
+              <a:rPr lang="en-US" altLang="ko-KR" dirty="0">
+                <a:ea typeface="굴림" panose="020B0600000101010101" pitchFamily="50" charset="-127"/>
+              </a:rPr>
+              <a:t>(atom(1,0.,0.,1.))</a:t>
+            </a:r>
+          </a:p>
+          <a:p>
+            <a:pPr lvl="2"/>
+            <a:r>
+              <a:rPr lang="en-US" altLang="ko-KR" dirty="0">
+                <a:ea typeface="굴림" panose="020B0600000101010101" pitchFamily="50" charset="-127"/>
+              </a:rPr>
+              <a:t>&gt;&gt;&gt; </a:t>
+            </a:r>
+            <a:r>
+              <a:rPr lang="en-US" altLang="ko-KR" dirty="0" err="1">
+                <a:ea typeface="굴림" panose="020B0600000101010101" pitchFamily="50" charset="-127"/>
+              </a:rPr>
+              <a:t>mol.addatom</a:t>
+            </a:r>
+            <a:r>
+              <a:rPr lang="en-US" altLang="ko-KR" dirty="0">
+                <a:ea typeface="굴림" panose="020B0600000101010101" pitchFamily="50" charset="-127"/>
+              </a:rPr>
+              <a:t>(atom(1,0.,1.,0.))</a:t>
+            </a:r>
+          </a:p>
+          <a:p>
+            <a:pPr lvl="2"/>
+            <a:r>
+              <a:rPr lang="en-US" altLang="ko-KR" dirty="0">
+                <a:ea typeface="굴림" panose="020B0600000101010101" pitchFamily="50" charset="-127"/>
+              </a:rPr>
+              <a:t>&gt;&gt;&gt; print </a:t>
+            </a:r>
+            <a:r>
+              <a:rPr lang="en-US" altLang="ko-KR" dirty="0" err="1">
+                <a:ea typeface="굴림" panose="020B0600000101010101" pitchFamily="50" charset="-127"/>
+              </a:rPr>
+              <a:t>mol</a:t>
+            </a:r>
+            <a:endParaRPr lang="en-US" altLang="ko-KR" dirty="0">
+              <a:ea typeface="굴림" panose="020B0600000101010101" pitchFamily="50" charset="-127"/>
+            </a:endParaRPr>
+          </a:p>
+          <a:p>
+            <a:pPr lvl="2"/>
+            <a:r>
+              <a:rPr lang="en-US" altLang="ko-KR" dirty="0">
+                <a:ea typeface="굴림" panose="020B0600000101010101" pitchFamily="50" charset="-127"/>
+              </a:rPr>
+              <a:t>This is a molecule named Water</a:t>
+            </a:r>
+          </a:p>
+          <a:p>
+            <a:pPr lvl="2"/>
+            <a:r>
+              <a:rPr lang="en-US" altLang="ko-KR" dirty="0">
+                <a:ea typeface="굴림" panose="020B0600000101010101" pitchFamily="50" charset="-127"/>
+              </a:rPr>
+              <a:t>It has 3 atoms</a:t>
+            </a:r>
+          </a:p>
+          <a:p>
+            <a:pPr lvl="2"/>
+            <a:r>
+              <a:rPr lang="en-US" altLang="ko-KR" dirty="0">
+                <a:ea typeface="굴림" panose="020B0600000101010101" pitchFamily="50" charset="-127"/>
+              </a:rPr>
+              <a:t>8  0.000 0.000 0.000</a:t>
+            </a:r>
+          </a:p>
+          <a:p>
+            <a:pPr lvl="2"/>
+            <a:r>
+              <a:rPr lang="en-US" altLang="ko-KR" dirty="0">
+                <a:ea typeface="굴림" panose="020B0600000101010101" pitchFamily="50" charset="-127"/>
+              </a:rPr>
+              <a:t>1  0.000 0.000 1.000</a:t>
+            </a:r>
+          </a:p>
+          <a:p>
+            <a:pPr lvl="2"/>
+            <a:r>
+              <a:rPr lang="en-US" altLang="ko-KR" dirty="0">
+                <a:ea typeface="굴림" panose="020B0600000101010101" pitchFamily="50" charset="-127"/>
+              </a:rPr>
+              <a:t>1  0.000 1.000 0.000</a:t>
+            </a:r>
+          </a:p>
+          <a:p>
+            <a:r>
+              <a:rPr lang="en-US" altLang="ko-KR" dirty="0">
+                <a:ea typeface="굴림" panose="020B0600000101010101" pitchFamily="50" charset="-127"/>
+              </a:rPr>
+              <a:t>Note that the print function calls the atoms print function</a:t>
+            </a:r>
+          </a:p>
+          <a:p>
+            <a:pPr lvl="1"/>
+            <a:r>
+              <a:rPr lang="en-US" altLang="ko-KR" dirty="0">
+                <a:ea typeface="굴림" panose="020B0600000101010101" pitchFamily="50" charset="-127"/>
+              </a:rPr>
+              <a:t>Code reuse: only have to type the code that prints an atom once; this means that if you change the atom specification, you only have one place to update.</a:t>
+            </a:r>
+          </a:p>
+          <a:p>
+            <a:pPr lvl="2"/>
+            <a:endParaRPr lang="en-US" altLang="ko-KR" dirty="0">
+              <a:ea typeface="굴림" panose="020B0600000101010101" pitchFamily="50" charset="-127"/>
+            </a:endParaRPr>
+          </a:p>
+          <a:p>
             <a:endParaRPr lang="ko-KR" altLang="en-US" dirty="0"/>
           </a:p>
         </p:txBody>
@@ -5288,7 +11387,7 @@
     </p:spTree>
     <p:extLst>
       <p:ext uri="{BB962C8B-B14F-4D97-AF65-F5344CB8AC3E}">
-        <p14:creationId xmlns:p14="http://schemas.microsoft.com/office/powerpoint/2010/main" val="1237398662"/>
+        <p14:creationId xmlns:p14="http://schemas.microsoft.com/office/powerpoint/2010/main" val="1148727238"/>
       </p:ext>
     </p:extLst>
   </p:cSld>
@@ -5549,4 +11648,299 @@
     </a:ext>
   </a:extLst>
 </a:theme>
+</file>
+
+<file path=ppt/theme/theme2.xml><?xml version="1.0" encoding="utf-8"?>
+<a:theme xmlns:a="http://schemas.openxmlformats.org/drawingml/2006/main" name="Office 테마">
+  <a:themeElements>
+    <a:clrScheme name="Office">
+      <a:dk1>
+        <a:sysClr val="windowText" lastClr="000000"/>
+      </a:dk1>
+      <a:lt1>
+        <a:sysClr val="window" lastClr="FFFFFF"/>
+      </a:lt1>
+      <a:dk2>
+        <a:srgbClr val="44546A"/>
+      </a:dk2>
+      <a:lt2>
+        <a:srgbClr val="E7E6E6"/>
+      </a:lt2>
+      <a:accent1>
+        <a:srgbClr val="4472C4"/>
+      </a:accent1>
+      <a:accent2>
+        <a:srgbClr val="ED7D31"/>
+      </a:accent2>
+      <a:accent3>
+        <a:srgbClr val="A5A5A5"/>
+      </a:accent3>
+      <a:accent4>
+        <a:srgbClr val="FFC000"/>
+      </a:accent4>
+      <a:accent5>
+        <a:srgbClr val="5B9BD5"/>
+      </a:accent5>
+      <a:accent6>
+        <a:srgbClr val="70AD47"/>
+      </a:accent6>
+      <a:hlink>
+        <a:srgbClr val="0563C1"/>
+      </a:hlink>
+      <a:folHlink>
+        <a:srgbClr val="954F72"/>
+      </a:folHlink>
+    </a:clrScheme>
+    <a:fontScheme name="Office">
+      <a:majorFont>
+        <a:latin typeface="맑은 고딕" panose="020F0302020204030204"/>
+        <a:ea typeface=""/>
+        <a:cs typeface=""/>
+        <a:font script="Jpan" typeface="游ゴシック Light"/>
+        <a:font script="Hang" typeface="맑은 고딕"/>
+        <a:font script="Hans" typeface="等线 Light"/>
+        <a:font script="Hant" typeface="新細明體"/>
+        <a:font script="Arab" typeface="Times New Roman"/>
+        <a:font script="Hebr" typeface="Times New Roman"/>
+        <a:font script="Thai" typeface="Angsana New"/>
+        <a:font script="Ethi" typeface="Nyala"/>
+        <a:font script="Beng" typeface="Vrinda"/>
+        <a:font script="Gujr" typeface="Shruti"/>
+        <a:font script="Khmr" typeface="MoolBoran"/>
+        <a:font script="Knda" typeface="Tunga"/>
+        <a:font script="Guru" typeface="Raavi"/>
+        <a:font script="Cans" typeface="Euphemia"/>
+        <a:font script="Cher" typeface="Plantagenet Cherokee"/>
+        <a:font script="Yiii" typeface="Microsoft Yi Baiti"/>
+        <a:font script="Tibt" typeface="Microsoft Himalaya"/>
+        <a:font script="Thaa" typeface="MV Boli"/>
+        <a:font script="Deva" typeface="Mangal"/>
+        <a:font script="Telu" typeface="Gautami"/>
+        <a:font script="Taml" typeface="Latha"/>
+        <a:font script="Syrc" typeface="Estrangelo Edessa"/>
+        <a:font script="Orya" typeface="Kalinga"/>
+        <a:font script="Mlym" typeface="Kartika"/>
+        <a:font script="Laoo" typeface="DokChampa"/>
+        <a:font script="Sinh" typeface="Iskoola Pota"/>
+        <a:font script="Mong" typeface="Mongolian Baiti"/>
+        <a:font script="Viet" typeface="Times New Roman"/>
+        <a:font script="Uigh" typeface="Microsoft Uighur"/>
+        <a:font script="Geor" typeface="Sylfaen"/>
+        <a:font script="Armn" typeface="Arial"/>
+        <a:font script="Bugi" typeface="Leelawadee UI"/>
+        <a:font script="Bopo" typeface="Microsoft JhengHei"/>
+        <a:font script="Java" typeface="Javanese Text"/>
+        <a:font script="Lisu" typeface="Segoe UI"/>
+        <a:font script="Mymr" typeface="Myanmar Text"/>
+        <a:font script="Nkoo" typeface="Ebrima"/>
+        <a:font script="Olck" typeface="Nirmala UI"/>
+        <a:font script="Osma" typeface="Ebrima"/>
+        <a:font script="Phag" typeface="Phagspa"/>
+        <a:font script="Syrn" typeface="Estrangelo Edessa"/>
+        <a:font script="Syrj" typeface="Estrangelo Edessa"/>
+        <a:font script="Syre" typeface="Estrangelo Edessa"/>
+        <a:font script="Sora" typeface="Nirmala UI"/>
+        <a:font script="Tale" typeface="Microsoft Tai Le"/>
+        <a:font script="Talu" typeface="Microsoft New Tai Lue"/>
+        <a:font script="Tfng" typeface="Ebrima"/>
+      </a:majorFont>
+      <a:minorFont>
+        <a:latin typeface="맑은 고딕" panose="020F0502020204030204"/>
+        <a:ea typeface=""/>
+        <a:cs typeface=""/>
+        <a:font script="Jpan" typeface="游ゴシック"/>
+        <a:font script="Hang" typeface="맑은 고딕"/>
+        <a:font script="Hans" typeface="等线"/>
+        <a:font script="Hant" typeface="新細明體"/>
+        <a:font script="Arab" typeface="Arial"/>
+        <a:font script="Hebr" typeface="Arial"/>
+        <a:font script="Thai" typeface="Cordia New"/>
+        <a:font script="Ethi" typeface="Nyala"/>
+        <a:font script="Beng" typeface="Vrinda"/>
+        <a:font script="Gujr" typeface="Shruti"/>
+        <a:font script="Khmr" typeface="DaunPenh"/>
+        <a:font script="Knda" typeface="Tunga"/>
+        <a:font script="Guru" typeface="Raavi"/>
+        <a:font script="Cans" typeface="Euphemia"/>
+        <a:font script="Cher" typeface="Plantagenet Cherokee"/>
+        <a:font script="Yiii" typeface="Microsoft Yi Baiti"/>
+        <a:font script="Tibt" typeface="Microsoft Himalaya"/>
+        <a:font script="Thaa" typeface="MV Boli"/>
+        <a:font script="Deva" typeface="Mangal"/>
+        <a:font script="Telu" typeface="Gautami"/>
+        <a:font script="Taml" typeface="Latha"/>
+        <a:font script="Syrc" typeface="Estrangelo Edessa"/>
+        <a:font script="Orya" typeface="Kalinga"/>
+        <a:font script="Mlym" typeface="Kartika"/>
+        <a:font script="Laoo" typeface="DokChampa"/>
+        <a:font script="Sinh" typeface="Iskoola Pota"/>
+        <a:font script="Mong" typeface="Mongolian Baiti"/>
+        <a:font script="Viet" typeface="Arial"/>
+        <a:font script="Uigh" typeface="Microsoft Uighur"/>
+        <a:font script="Geor" typeface="Sylfaen"/>
+        <a:font script="Armn" typeface="Arial"/>
+        <a:font script="Bugi" typeface="Leelawadee UI"/>
+        <a:font script="Bopo" typeface="Microsoft JhengHei"/>
+        <a:font script="Java" typeface="Javanese Text"/>
+        <a:font script="Lisu" typeface="Segoe UI"/>
+        <a:font script="Mymr" typeface="Myanmar Text"/>
+        <a:font script="Nkoo" typeface="Ebrima"/>
+        <a:font script="Olck" typeface="Nirmala UI"/>
+        <a:font script="Osma" typeface="Ebrima"/>
+        <a:font script="Phag" typeface="Phagspa"/>
+        <a:font script="Syrn" typeface="Estrangelo Edessa"/>
+        <a:font script="Syrj" typeface="Estrangelo Edessa"/>
+        <a:font script="Syre" typeface="Estrangelo Edessa"/>
+        <a:font script="Sora" typeface="Nirmala UI"/>
+        <a:font script="Tale" typeface="Microsoft Tai Le"/>
+        <a:font script="Talu" typeface="Microsoft New Tai Lue"/>
+        <a:font script="Tfng" typeface="Ebrima"/>
+      </a:minorFont>
+    </a:fontScheme>
+    <a:fmtScheme name="Office">
+      <a:fillStyleLst>
+        <a:solidFill>
+          <a:schemeClr val="phClr"/>
+        </a:solidFill>
+        <a:gradFill rotWithShape="1">
+          <a:gsLst>
+            <a:gs pos="0">
+              <a:schemeClr val="phClr">
+                <a:lumMod val="110000"/>
+                <a:satMod val="105000"/>
+                <a:tint val="67000"/>
+              </a:schemeClr>
+            </a:gs>
+            <a:gs pos="50000">
+              <a:schemeClr val="phClr">
+                <a:lumMod val="105000"/>
+                <a:satMod val="103000"/>
+                <a:tint val="73000"/>
+              </a:schemeClr>
+            </a:gs>
+            <a:gs pos="100000">
+              <a:schemeClr val="phClr">
+                <a:lumMod val="105000"/>
+                <a:satMod val="109000"/>
+                <a:tint val="81000"/>
+              </a:schemeClr>
+            </a:gs>
+          </a:gsLst>
+          <a:lin ang="5400000" scaled="0"/>
+        </a:gradFill>
+        <a:gradFill rotWithShape="1">
+          <a:gsLst>
+            <a:gs pos="0">
+              <a:schemeClr val="phClr">
+                <a:satMod val="103000"/>
+                <a:lumMod val="102000"/>
+                <a:tint val="94000"/>
+              </a:schemeClr>
+            </a:gs>
+            <a:gs pos="50000">
+              <a:schemeClr val="phClr">
+                <a:satMod val="110000"/>
+                <a:lumMod val="100000"/>
+                <a:shade val="100000"/>
+              </a:schemeClr>
+            </a:gs>
+            <a:gs pos="100000">
+              <a:schemeClr val="phClr">
+                <a:lumMod val="99000"/>
+                <a:satMod val="120000"/>
+                <a:shade val="78000"/>
+              </a:schemeClr>
+            </a:gs>
+          </a:gsLst>
+          <a:lin ang="5400000" scaled="0"/>
+        </a:gradFill>
+      </a:fillStyleLst>
+      <a:lnStyleLst>
+        <a:ln w="6350" cap="flat" cmpd="sng" algn="ctr">
+          <a:solidFill>
+            <a:schemeClr val="phClr"/>
+          </a:solidFill>
+          <a:prstDash val="solid"/>
+          <a:miter lim="800000"/>
+        </a:ln>
+        <a:ln w="12700" cap="flat" cmpd="sng" algn="ctr">
+          <a:solidFill>
+            <a:schemeClr val="phClr"/>
+          </a:solidFill>
+          <a:prstDash val="solid"/>
+          <a:miter lim="800000"/>
+        </a:ln>
+        <a:ln w="19050" cap="flat" cmpd="sng" algn="ctr">
+          <a:solidFill>
+            <a:schemeClr val="phClr"/>
+          </a:solidFill>
+          <a:prstDash val="solid"/>
+          <a:miter lim="800000"/>
+        </a:ln>
+      </a:lnStyleLst>
+      <a:effectStyleLst>
+        <a:effectStyle>
+          <a:effectLst/>
+        </a:effectStyle>
+        <a:effectStyle>
+          <a:effectLst/>
+        </a:effectStyle>
+        <a:effectStyle>
+          <a:effectLst>
+            <a:outerShdw blurRad="57150" dist="19050" dir="5400000" algn="ctr" rotWithShape="0">
+              <a:srgbClr val="000000">
+                <a:alpha val="63000"/>
+              </a:srgbClr>
+            </a:outerShdw>
+          </a:effectLst>
+        </a:effectStyle>
+      </a:effectStyleLst>
+      <a:bgFillStyleLst>
+        <a:solidFill>
+          <a:schemeClr val="phClr"/>
+        </a:solidFill>
+        <a:solidFill>
+          <a:schemeClr val="phClr">
+            <a:tint val="95000"/>
+            <a:satMod val="170000"/>
+          </a:schemeClr>
+        </a:solidFill>
+        <a:gradFill rotWithShape="1">
+          <a:gsLst>
+            <a:gs pos="0">
+              <a:schemeClr val="phClr">
+                <a:tint val="93000"/>
+                <a:satMod val="150000"/>
+                <a:shade val="98000"/>
+                <a:lumMod val="102000"/>
+              </a:schemeClr>
+            </a:gs>
+            <a:gs pos="50000">
+              <a:schemeClr val="phClr">
+                <a:tint val="98000"/>
+                <a:satMod val="130000"/>
+                <a:shade val="90000"/>
+                <a:lumMod val="103000"/>
+              </a:schemeClr>
+            </a:gs>
+            <a:gs pos="100000">
+              <a:schemeClr val="phClr">
+                <a:shade val="63000"/>
+                <a:satMod val="120000"/>
+              </a:schemeClr>
+            </a:gs>
+          </a:gsLst>
+          <a:lin ang="5400000" scaled="0"/>
+        </a:gradFill>
+      </a:bgFillStyleLst>
+    </a:fmtScheme>
+  </a:themeElements>
+  <a:objectDefaults/>
+  <a:extraClrSchemeLst/>
+  <a:extLst>
+    <a:ext uri="{05A4C25C-085E-4340-85A3-A5531E510DB2}">
+      <thm15:themeFamily xmlns:thm15="http://schemas.microsoft.com/office/thememl/2012/main" name="Office Theme" id="{62F939B6-93AF-4DB8-9C6B-D6C7DFDC589F}" vid="{4A3C46E8-61CC-4603-A589-7422A47A8E4A}"/>
+    </a:ext>
+  </a:extLst>
+</a:theme>
 </file>